--- a/report/專題.pptx
+++ b/report/專題.pptx
@@ -6,16 +6,8 @@
   </p:sldMasterIdLst>
   <p:sldIdLst>
     <p:sldId id="256" r:id="rId2"/>
-    <p:sldId id="257" r:id="rId3"/>
-    <p:sldId id="275" r:id="rId4"/>
-    <p:sldId id="273" r:id="rId5"/>
-    <p:sldId id="274" r:id="rId6"/>
-    <p:sldId id="281" r:id="rId7"/>
-    <p:sldId id="276" r:id="rId8"/>
-    <p:sldId id="277" r:id="rId9"/>
-    <p:sldId id="278" r:id="rId10"/>
-    <p:sldId id="279" r:id="rId11"/>
-    <p:sldId id="280" r:id="rId12"/>
+    <p:sldId id="275" r:id="rId3"/>
+    <p:sldId id="273" r:id="rId4"/>
   </p:sldIdLst>
   <p:sldSz cx="12192000" cy="6858000"/>
   <p:notesSz cx="6858000" cy="9144000"/>
@@ -114,2520 +106,12 @@
       </a:defRPr>
     </a:lvl9pPr>
   </p:defaultTextStyle>
+  <p:extLst>
+    <p:ext uri="{EFAFB233-063F-42B5-8137-9DF3F51BA10A}">
+      <p15:sldGuideLst xmlns:p15="http://schemas.microsoft.com/office/powerpoint/2012/main"/>
+    </p:ext>
+  </p:extLst>
 </p:presentation>
-</file>
-
-<file path=ppt/diagrams/colors1.xml><?xml version="1.0" encoding="utf-8"?>
-<dgm:colorsDef xmlns:dgm="http://schemas.openxmlformats.org/drawingml/2006/diagram" xmlns:a="http://schemas.openxmlformats.org/drawingml/2006/main" uniqueId="urn:microsoft.com/office/officeart/2005/8/colors/accent1_2">
-  <dgm:title val=""/>
-  <dgm:desc val=""/>
-  <dgm:catLst>
-    <dgm:cat type="accent1" pri="11200"/>
-  </dgm:catLst>
-  <dgm:styleLbl name="node0">
-    <dgm:fillClrLst meth="repeat">
-      <a:schemeClr val="accent1"/>
-    </dgm:fillClrLst>
-    <dgm:linClrLst meth="repeat">
-      <a:schemeClr val="lt1"/>
-    </dgm:linClrLst>
-    <dgm:effectClrLst/>
-    <dgm:txLinClrLst/>
-    <dgm:txFillClrLst/>
-    <dgm:txEffectClrLst/>
-  </dgm:styleLbl>
-  <dgm:styleLbl name="alignNode1">
-    <dgm:fillClrLst meth="repeat">
-      <a:schemeClr val="accent1"/>
-    </dgm:fillClrLst>
-    <dgm:linClrLst meth="repeat">
-      <a:schemeClr val="accent1"/>
-    </dgm:linClrLst>
-    <dgm:effectClrLst/>
-    <dgm:txLinClrLst/>
-    <dgm:txFillClrLst/>
-    <dgm:txEffectClrLst/>
-  </dgm:styleLbl>
-  <dgm:styleLbl name="node1">
-    <dgm:fillClrLst meth="repeat">
-      <a:schemeClr val="accent1"/>
-    </dgm:fillClrLst>
-    <dgm:linClrLst meth="repeat">
-      <a:schemeClr val="lt1"/>
-    </dgm:linClrLst>
-    <dgm:effectClrLst/>
-    <dgm:txLinClrLst/>
-    <dgm:txFillClrLst/>
-    <dgm:txEffectClrLst/>
-  </dgm:styleLbl>
-  <dgm:styleLbl name="lnNode1">
-    <dgm:fillClrLst meth="repeat">
-      <a:schemeClr val="accent1"/>
-    </dgm:fillClrLst>
-    <dgm:linClrLst meth="repeat">
-      <a:schemeClr val="lt1"/>
-    </dgm:linClrLst>
-    <dgm:effectClrLst/>
-    <dgm:txLinClrLst/>
-    <dgm:txFillClrLst/>
-    <dgm:txEffectClrLst/>
-  </dgm:styleLbl>
-  <dgm:styleLbl name="vennNode1">
-    <dgm:fillClrLst meth="repeat">
-      <a:schemeClr val="accent1">
-        <a:alpha val="50000"/>
-      </a:schemeClr>
-    </dgm:fillClrLst>
-    <dgm:linClrLst meth="repeat">
-      <a:schemeClr val="lt1"/>
-    </dgm:linClrLst>
-    <dgm:effectClrLst/>
-    <dgm:txLinClrLst/>
-    <dgm:txFillClrLst/>
-    <dgm:txEffectClrLst/>
-  </dgm:styleLbl>
-  <dgm:styleLbl name="node2">
-    <dgm:fillClrLst meth="repeat">
-      <a:schemeClr val="accent1"/>
-    </dgm:fillClrLst>
-    <dgm:linClrLst meth="repeat">
-      <a:schemeClr val="lt1"/>
-    </dgm:linClrLst>
-    <dgm:effectClrLst/>
-    <dgm:txLinClrLst/>
-    <dgm:txFillClrLst/>
-    <dgm:txEffectClrLst/>
-  </dgm:styleLbl>
-  <dgm:styleLbl name="node3">
-    <dgm:fillClrLst meth="repeat">
-      <a:schemeClr val="accent1"/>
-    </dgm:fillClrLst>
-    <dgm:linClrLst meth="repeat">
-      <a:schemeClr val="lt1"/>
-    </dgm:linClrLst>
-    <dgm:effectClrLst/>
-    <dgm:txLinClrLst/>
-    <dgm:txFillClrLst/>
-    <dgm:txEffectClrLst/>
-  </dgm:styleLbl>
-  <dgm:styleLbl name="node4">
-    <dgm:fillClrLst meth="repeat">
-      <a:schemeClr val="accent1"/>
-    </dgm:fillClrLst>
-    <dgm:linClrLst meth="repeat">
-      <a:schemeClr val="lt1"/>
-    </dgm:linClrLst>
-    <dgm:effectClrLst/>
-    <dgm:txLinClrLst/>
-    <dgm:txFillClrLst/>
-    <dgm:txEffectClrLst/>
-  </dgm:styleLbl>
-  <dgm:styleLbl name="fgImgPlace1">
-    <dgm:fillClrLst meth="repeat">
-      <a:schemeClr val="accent1">
-        <a:tint val="50000"/>
-      </a:schemeClr>
-    </dgm:fillClrLst>
-    <dgm:linClrLst meth="repeat">
-      <a:schemeClr val="lt1"/>
-    </dgm:linClrLst>
-    <dgm:effectClrLst/>
-    <dgm:txLinClrLst/>
-    <dgm:txFillClrLst meth="repeat">
-      <a:schemeClr val="lt1"/>
-    </dgm:txFillClrLst>
-    <dgm:txEffectClrLst/>
-  </dgm:styleLbl>
-  <dgm:styleLbl name="alignImgPlace1">
-    <dgm:fillClrLst meth="repeat">
-      <a:schemeClr val="accent1">
-        <a:tint val="50000"/>
-      </a:schemeClr>
-    </dgm:fillClrLst>
-    <dgm:linClrLst meth="repeat">
-      <a:schemeClr val="lt1"/>
-    </dgm:linClrLst>
-    <dgm:effectClrLst/>
-    <dgm:txLinClrLst/>
-    <dgm:txFillClrLst meth="repeat">
-      <a:schemeClr val="lt1"/>
-    </dgm:txFillClrLst>
-    <dgm:txEffectClrLst/>
-  </dgm:styleLbl>
-  <dgm:styleLbl name="bgImgPlace1">
-    <dgm:fillClrLst meth="repeat">
-      <a:schemeClr val="accent1">
-        <a:tint val="50000"/>
-      </a:schemeClr>
-    </dgm:fillClrLst>
-    <dgm:linClrLst meth="repeat">
-      <a:schemeClr val="lt1"/>
-    </dgm:linClrLst>
-    <dgm:effectClrLst/>
-    <dgm:txLinClrLst/>
-    <dgm:txFillClrLst meth="repeat">
-      <a:schemeClr val="lt1"/>
-    </dgm:txFillClrLst>
-    <dgm:txEffectClrLst/>
-  </dgm:styleLbl>
-  <dgm:styleLbl name="sibTrans2D1">
-    <dgm:fillClrLst meth="repeat">
-      <a:schemeClr val="accent1">
-        <a:tint val="60000"/>
-      </a:schemeClr>
-    </dgm:fillClrLst>
-    <dgm:linClrLst meth="repeat">
-      <a:schemeClr val="accent1">
-        <a:tint val="60000"/>
-      </a:schemeClr>
-    </dgm:linClrLst>
-    <dgm:effectClrLst/>
-    <dgm:txLinClrLst/>
-    <dgm:txFillClrLst/>
-    <dgm:txEffectClrLst/>
-  </dgm:styleLbl>
-  <dgm:styleLbl name="fgSibTrans2D1">
-    <dgm:fillClrLst meth="repeat">
-      <a:schemeClr val="accent1">
-        <a:tint val="60000"/>
-      </a:schemeClr>
-    </dgm:fillClrLst>
-    <dgm:linClrLst meth="repeat">
-      <a:schemeClr val="accent1">
-        <a:tint val="60000"/>
-      </a:schemeClr>
-    </dgm:linClrLst>
-    <dgm:effectClrLst/>
-    <dgm:txLinClrLst/>
-    <dgm:txFillClrLst/>
-    <dgm:txEffectClrLst/>
-  </dgm:styleLbl>
-  <dgm:styleLbl name="bgSibTrans2D1">
-    <dgm:fillClrLst meth="repeat">
-      <a:schemeClr val="accent1">
-        <a:tint val="60000"/>
-      </a:schemeClr>
-    </dgm:fillClrLst>
-    <dgm:linClrLst meth="repeat">
-      <a:schemeClr val="accent1">
-        <a:tint val="60000"/>
-      </a:schemeClr>
-    </dgm:linClrLst>
-    <dgm:effectClrLst/>
-    <dgm:txLinClrLst/>
-    <dgm:txFillClrLst/>
-    <dgm:txEffectClrLst/>
-  </dgm:styleLbl>
-  <dgm:styleLbl name="sibTrans1D1">
-    <dgm:fillClrLst meth="repeat">
-      <a:schemeClr val="accent1"/>
-    </dgm:fillClrLst>
-    <dgm:linClrLst meth="repeat">
-      <a:schemeClr val="accent1"/>
-    </dgm:linClrLst>
-    <dgm:effectClrLst/>
-    <dgm:txLinClrLst/>
-    <dgm:txFillClrLst meth="repeat">
-      <a:schemeClr val="tx1"/>
-    </dgm:txFillClrLst>
-    <dgm:txEffectClrLst/>
-  </dgm:styleLbl>
-  <dgm:styleLbl name="callout">
-    <dgm:fillClrLst meth="repeat">
-      <a:schemeClr val="accent1"/>
-    </dgm:fillClrLst>
-    <dgm:linClrLst meth="repeat">
-      <a:schemeClr val="accent1">
-        <a:tint val="50000"/>
-      </a:schemeClr>
-    </dgm:linClrLst>
-    <dgm:effectClrLst/>
-    <dgm:txLinClrLst/>
-    <dgm:txFillClrLst meth="repeat">
-      <a:schemeClr val="tx1"/>
-    </dgm:txFillClrLst>
-    <dgm:txEffectClrLst/>
-  </dgm:styleLbl>
-  <dgm:styleLbl name="asst0">
-    <dgm:fillClrLst meth="repeat">
-      <a:schemeClr val="accent1"/>
-    </dgm:fillClrLst>
-    <dgm:linClrLst meth="repeat">
-      <a:schemeClr val="lt1"/>
-    </dgm:linClrLst>
-    <dgm:effectClrLst/>
-    <dgm:txLinClrLst/>
-    <dgm:txFillClrLst/>
-    <dgm:txEffectClrLst/>
-  </dgm:styleLbl>
-  <dgm:styleLbl name="asst1">
-    <dgm:fillClrLst meth="repeat">
-      <a:schemeClr val="accent1"/>
-    </dgm:fillClrLst>
-    <dgm:linClrLst meth="repeat">
-      <a:schemeClr val="lt1"/>
-    </dgm:linClrLst>
-    <dgm:effectClrLst/>
-    <dgm:txLinClrLst/>
-    <dgm:txFillClrLst/>
-    <dgm:txEffectClrLst/>
-  </dgm:styleLbl>
-  <dgm:styleLbl name="asst2">
-    <dgm:fillClrLst meth="repeat">
-      <a:schemeClr val="accent1"/>
-    </dgm:fillClrLst>
-    <dgm:linClrLst meth="repeat">
-      <a:schemeClr val="lt1"/>
-    </dgm:linClrLst>
-    <dgm:effectClrLst/>
-    <dgm:txLinClrLst/>
-    <dgm:txFillClrLst/>
-    <dgm:txEffectClrLst/>
-  </dgm:styleLbl>
-  <dgm:styleLbl name="asst3">
-    <dgm:fillClrLst meth="repeat">
-      <a:schemeClr val="accent1"/>
-    </dgm:fillClrLst>
-    <dgm:linClrLst meth="repeat">
-      <a:schemeClr val="lt1"/>
-    </dgm:linClrLst>
-    <dgm:effectClrLst/>
-    <dgm:txLinClrLst/>
-    <dgm:txFillClrLst/>
-    <dgm:txEffectClrLst/>
-  </dgm:styleLbl>
-  <dgm:styleLbl name="asst4">
-    <dgm:fillClrLst meth="repeat">
-      <a:schemeClr val="accent1"/>
-    </dgm:fillClrLst>
-    <dgm:linClrLst meth="repeat">
-      <a:schemeClr val="lt1"/>
-    </dgm:linClrLst>
-    <dgm:effectClrLst/>
-    <dgm:txLinClrLst/>
-    <dgm:txFillClrLst/>
-    <dgm:txEffectClrLst/>
-  </dgm:styleLbl>
-  <dgm:styleLbl name="parChTrans2D1">
-    <dgm:fillClrLst meth="repeat">
-      <a:schemeClr val="accent1">
-        <a:tint val="60000"/>
-      </a:schemeClr>
-    </dgm:fillClrLst>
-    <dgm:linClrLst meth="repeat">
-      <a:schemeClr val="accent1">
-        <a:tint val="60000"/>
-      </a:schemeClr>
-    </dgm:linClrLst>
-    <dgm:effectClrLst/>
-    <dgm:txLinClrLst/>
-    <dgm:txFillClrLst meth="repeat">
-      <a:schemeClr val="lt1"/>
-    </dgm:txFillClrLst>
-    <dgm:txEffectClrLst/>
-  </dgm:styleLbl>
-  <dgm:styleLbl name="parChTrans2D2">
-    <dgm:fillClrLst meth="repeat">
-      <a:schemeClr val="accent1"/>
-    </dgm:fillClrLst>
-    <dgm:linClrLst meth="repeat">
-      <a:schemeClr val="accent1"/>
-    </dgm:linClrLst>
-    <dgm:effectClrLst/>
-    <dgm:txLinClrLst/>
-    <dgm:txFillClrLst meth="repeat">
-      <a:schemeClr val="lt1"/>
-    </dgm:txFillClrLst>
-    <dgm:txEffectClrLst/>
-  </dgm:styleLbl>
-  <dgm:styleLbl name="parChTrans2D3">
-    <dgm:fillClrLst meth="repeat">
-      <a:schemeClr val="accent1"/>
-    </dgm:fillClrLst>
-    <dgm:linClrLst meth="repeat">
-      <a:schemeClr val="accent1"/>
-    </dgm:linClrLst>
-    <dgm:effectClrLst/>
-    <dgm:txLinClrLst/>
-    <dgm:txFillClrLst meth="repeat">
-      <a:schemeClr val="lt1"/>
-    </dgm:txFillClrLst>
-    <dgm:txEffectClrLst/>
-  </dgm:styleLbl>
-  <dgm:styleLbl name="parChTrans2D4">
-    <dgm:fillClrLst meth="repeat">
-      <a:schemeClr val="accent1"/>
-    </dgm:fillClrLst>
-    <dgm:linClrLst meth="repeat">
-      <a:schemeClr val="accent1"/>
-    </dgm:linClrLst>
-    <dgm:effectClrLst/>
-    <dgm:txLinClrLst/>
-    <dgm:txFillClrLst meth="repeat">
-      <a:schemeClr val="lt1"/>
-    </dgm:txFillClrLst>
-    <dgm:txEffectClrLst/>
-  </dgm:styleLbl>
-  <dgm:styleLbl name="parChTrans1D1">
-    <dgm:fillClrLst meth="repeat">
-      <a:schemeClr val="accent1"/>
-    </dgm:fillClrLst>
-    <dgm:linClrLst meth="repeat">
-      <a:schemeClr val="accent1">
-        <a:shade val="60000"/>
-      </a:schemeClr>
-    </dgm:linClrLst>
-    <dgm:effectClrLst/>
-    <dgm:txLinClrLst/>
-    <dgm:txFillClrLst meth="repeat">
-      <a:schemeClr val="tx1"/>
-    </dgm:txFillClrLst>
-    <dgm:txEffectClrLst/>
-  </dgm:styleLbl>
-  <dgm:styleLbl name="parChTrans1D2">
-    <dgm:fillClrLst meth="repeat">
-      <a:schemeClr val="accent1"/>
-    </dgm:fillClrLst>
-    <dgm:linClrLst meth="repeat">
-      <a:schemeClr val="accent1">
-        <a:shade val="60000"/>
-      </a:schemeClr>
-    </dgm:linClrLst>
-    <dgm:effectClrLst/>
-    <dgm:txLinClrLst/>
-    <dgm:txFillClrLst meth="repeat">
-      <a:schemeClr val="tx1"/>
-    </dgm:txFillClrLst>
-    <dgm:txEffectClrLst/>
-  </dgm:styleLbl>
-  <dgm:styleLbl name="parChTrans1D3">
-    <dgm:fillClrLst meth="repeat">
-      <a:schemeClr val="accent1"/>
-    </dgm:fillClrLst>
-    <dgm:linClrLst meth="repeat">
-      <a:schemeClr val="accent1">
-        <a:shade val="80000"/>
-      </a:schemeClr>
-    </dgm:linClrLst>
-    <dgm:effectClrLst/>
-    <dgm:txLinClrLst/>
-    <dgm:txFillClrLst meth="repeat">
-      <a:schemeClr val="tx1"/>
-    </dgm:txFillClrLst>
-    <dgm:txEffectClrLst/>
-  </dgm:styleLbl>
-  <dgm:styleLbl name="parChTrans1D4">
-    <dgm:fillClrLst meth="repeat">
-      <a:schemeClr val="accent1"/>
-    </dgm:fillClrLst>
-    <dgm:linClrLst meth="repeat">
-      <a:schemeClr val="accent1">
-        <a:shade val="80000"/>
-      </a:schemeClr>
-    </dgm:linClrLst>
-    <dgm:effectClrLst/>
-    <dgm:txLinClrLst/>
-    <dgm:txFillClrLst meth="repeat">
-      <a:schemeClr val="tx1"/>
-    </dgm:txFillClrLst>
-    <dgm:txEffectClrLst/>
-  </dgm:styleLbl>
-  <dgm:styleLbl name="fgAcc1">
-    <dgm:fillClrLst meth="repeat">
-      <a:schemeClr val="lt1">
-        <a:alpha val="90000"/>
-      </a:schemeClr>
-    </dgm:fillClrLst>
-    <dgm:linClrLst meth="repeat">
-      <a:schemeClr val="accent1"/>
-    </dgm:linClrLst>
-    <dgm:effectClrLst/>
-    <dgm:txLinClrLst/>
-    <dgm:txFillClrLst meth="repeat">
-      <a:schemeClr val="dk1"/>
-    </dgm:txFillClrLst>
-    <dgm:txEffectClrLst/>
-  </dgm:styleLbl>
-  <dgm:styleLbl name="conFgAcc1">
-    <dgm:fillClrLst meth="repeat">
-      <a:schemeClr val="lt1">
-        <a:alpha val="90000"/>
-      </a:schemeClr>
-    </dgm:fillClrLst>
-    <dgm:linClrLst meth="repeat">
-      <a:schemeClr val="accent1"/>
-    </dgm:linClrLst>
-    <dgm:effectClrLst/>
-    <dgm:txLinClrLst/>
-    <dgm:txFillClrLst meth="repeat">
-      <a:schemeClr val="dk1"/>
-    </dgm:txFillClrLst>
-    <dgm:txEffectClrLst/>
-  </dgm:styleLbl>
-  <dgm:styleLbl name="alignAcc1">
-    <dgm:fillClrLst meth="repeat">
-      <a:schemeClr val="lt1">
-        <a:alpha val="90000"/>
-      </a:schemeClr>
-    </dgm:fillClrLst>
-    <dgm:linClrLst meth="repeat">
-      <a:schemeClr val="accent1"/>
-    </dgm:linClrLst>
-    <dgm:effectClrLst/>
-    <dgm:txLinClrLst/>
-    <dgm:txFillClrLst meth="repeat">
-      <a:schemeClr val="dk1"/>
-    </dgm:txFillClrLst>
-    <dgm:txEffectClrLst/>
-  </dgm:styleLbl>
-  <dgm:styleLbl name="trAlignAcc1">
-    <dgm:fillClrLst meth="repeat">
-      <a:schemeClr val="lt1">
-        <a:alpha val="40000"/>
-      </a:schemeClr>
-    </dgm:fillClrLst>
-    <dgm:linClrLst meth="repeat">
-      <a:schemeClr val="accent1"/>
-    </dgm:linClrLst>
-    <dgm:effectClrLst/>
-    <dgm:txLinClrLst/>
-    <dgm:txFillClrLst meth="repeat">
-      <a:schemeClr val="dk1"/>
-    </dgm:txFillClrLst>
-    <dgm:txEffectClrLst/>
-  </dgm:styleLbl>
-  <dgm:styleLbl name="bgAcc1">
-    <dgm:fillClrLst meth="repeat">
-      <a:schemeClr val="lt1">
-        <a:alpha val="90000"/>
-      </a:schemeClr>
-    </dgm:fillClrLst>
-    <dgm:linClrLst meth="repeat">
-      <a:schemeClr val="accent1"/>
-    </dgm:linClrLst>
-    <dgm:effectClrLst/>
-    <dgm:txLinClrLst/>
-    <dgm:txFillClrLst meth="repeat">
-      <a:schemeClr val="dk1"/>
-    </dgm:txFillClrLst>
-    <dgm:txEffectClrLst/>
-  </dgm:styleLbl>
-  <dgm:styleLbl name="solidFgAcc1">
-    <dgm:fillClrLst meth="repeat">
-      <a:schemeClr val="lt1"/>
-    </dgm:fillClrLst>
-    <dgm:linClrLst meth="repeat">
-      <a:schemeClr val="accent1"/>
-    </dgm:linClrLst>
-    <dgm:effectClrLst/>
-    <dgm:txLinClrLst/>
-    <dgm:txFillClrLst meth="repeat">
-      <a:schemeClr val="dk1"/>
-    </dgm:txFillClrLst>
-    <dgm:txEffectClrLst/>
-  </dgm:styleLbl>
-  <dgm:styleLbl name="solidAlignAcc1">
-    <dgm:fillClrLst meth="repeat">
-      <a:schemeClr val="lt1"/>
-    </dgm:fillClrLst>
-    <dgm:linClrLst meth="repeat">
-      <a:schemeClr val="accent1"/>
-    </dgm:linClrLst>
-    <dgm:effectClrLst/>
-    <dgm:txLinClrLst/>
-    <dgm:txFillClrLst meth="repeat">
-      <a:schemeClr val="dk1"/>
-    </dgm:txFillClrLst>
-    <dgm:txEffectClrLst/>
-  </dgm:styleLbl>
-  <dgm:styleLbl name="solidBgAcc1">
-    <dgm:fillClrLst meth="repeat">
-      <a:schemeClr val="lt1"/>
-    </dgm:fillClrLst>
-    <dgm:linClrLst meth="repeat">
-      <a:schemeClr val="accent1"/>
-    </dgm:linClrLst>
-    <dgm:effectClrLst/>
-    <dgm:txLinClrLst/>
-    <dgm:txFillClrLst meth="repeat">
-      <a:schemeClr val="dk1"/>
-    </dgm:txFillClrLst>
-    <dgm:txEffectClrLst/>
-  </dgm:styleLbl>
-  <dgm:styleLbl name="fgAccFollowNode1">
-    <dgm:fillClrLst meth="repeat">
-      <a:schemeClr val="accent1">
-        <a:alpha val="90000"/>
-        <a:tint val="40000"/>
-      </a:schemeClr>
-    </dgm:fillClrLst>
-    <dgm:linClrLst meth="repeat">
-      <a:schemeClr val="accent1">
-        <a:alpha val="90000"/>
-        <a:tint val="40000"/>
-      </a:schemeClr>
-    </dgm:linClrLst>
-    <dgm:effectClrLst/>
-    <dgm:txLinClrLst/>
-    <dgm:txFillClrLst meth="repeat">
-      <a:schemeClr val="dk1"/>
-    </dgm:txFillClrLst>
-    <dgm:txEffectClrLst/>
-  </dgm:styleLbl>
-  <dgm:styleLbl name="alignAccFollowNode1">
-    <dgm:fillClrLst meth="repeat">
-      <a:schemeClr val="accent1">
-        <a:alpha val="90000"/>
-        <a:tint val="40000"/>
-      </a:schemeClr>
-    </dgm:fillClrLst>
-    <dgm:linClrLst meth="repeat">
-      <a:schemeClr val="accent1">
-        <a:alpha val="90000"/>
-        <a:tint val="40000"/>
-      </a:schemeClr>
-    </dgm:linClrLst>
-    <dgm:effectClrLst/>
-    <dgm:txLinClrLst/>
-    <dgm:txFillClrLst meth="repeat">
-      <a:schemeClr val="dk1"/>
-    </dgm:txFillClrLst>
-    <dgm:txEffectClrLst/>
-  </dgm:styleLbl>
-  <dgm:styleLbl name="bgAccFollowNode1">
-    <dgm:fillClrLst meth="repeat">
-      <a:schemeClr val="accent1">
-        <a:alpha val="90000"/>
-        <a:tint val="40000"/>
-      </a:schemeClr>
-    </dgm:fillClrLst>
-    <dgm:linClrLst meth="repeat">
-      <a:schemeClr val="accent1">
-        <a:alpha val="90000"/>
-        <a:tint val="40000"/>
-      </a:schemeClr>
-    </dgm:linClrLst>
-    <dgm:effectClrLst/>
-    <dgm:txLinClrLst/>
-    <dgm:txFillClrLst meth="repeat">
-      <a:schemeClr val="dk1"/>
-    </dgm:txFillClrLst>
-    <dgm:txEffectClrLst/>
-  </dgm:styleLbl>
-  <dgm:styleLbl name="fgAcc0">
-    <dgm:fillClrLst meth="repeat">
-      <a:schemeClr val="lt1">
-        <a:alpha val="90000"/>
-      </a:schemeClr>
-    </dgm:fillClrLst>
-    <dgm:linClrLst meth="repeat">
-      <a:schemeClr val="accent1"/>
-    </dgm:linClrLst>
-    <dgm:effectClrLst/>
-    <dgm:txLinClrLst/>
-    <dgm:txFillClrLst meth="repeat">
-      <a:schemeClr val="dk1"/>
-    </dgm:txFillClrLst>
-    <dgm:txEffectClrLst/>
-  </dgm:styleLbl>
-  <dgm:styleLbl name="fgAcc2">
-    <dgm:fillClrLst meth="repeat">
-      <a:schemeClr val="lt1">
-        <a:alpha val="90000"/>
-      </a:schemeClr>
-    </dgm:fillClrLst>
-    <dgm:linClrLst meth="repeat">
-      <a:schemeClr val="accent1"/>
-    </dgm:linClrLst>
-    <dgm:effectClrLst/>
-    <dgm:txLinClrLst/>
-    <dgm:txFillClrLst meth="repeat">
-      <a:schemeClr val="dk1"/>
-    </dgm:txFillClrLst>
-    <dgm:txEffectClrLst/>
-  </dgm:styleLbl>
-  <dgm:styleLbl name="fgAcc3">
-    <dgm:fillClrLst meth="repeat">
-      <a:schemeClr val="lt1">
-        <a:alpha val="90000"/>
-      </a:schemeClr>
-    </dgm:fillClrLst>
-    <dgm:linClrLst meth="repeat">
-      <a:schemeClr val="accent1"/>
-    </dgm:linClrLst>
-    <dgm:effectClrLst/>
-    <dgm:txLinClrLst/>
-    <dgm:txFillClrLst meth="repeat">
-      <a:schemeClr val="dk1"/>
-    </dgm:txFillClrLst>
-    <dgm:txEffectClrLst/>
-  </dgm:styleLbl>
-  <dgm:styleLbl name="fgAcc4">
-    <dgm:fillClrLst meth="repeat">
-      <a:schemeClr val="lt1">
-        <a:alpha val="90000"/>
-      </a:schemeClr>
-    </dgm:fillClrLst>
-    <dgm:linClrLst meth="repeat">
-      <a:schemeClr val="accent1"/>
-    </dgm:linClrLst>
-    <dgm:effectClrLst/>
-    <dgm:txLinClrLst/>
-    <dgm:txFillClrLst meth="repeat">
-      <a:schemeClr val="dk1"/>
-    </dgm:txFillClrLst>
-    <dgm:txEffectClrLst/>
-  </dgm:styleLbl>
-  <dgm:styleLbl name="bgShp">
-    <dgm:fillClrLst meth="repeat">
-      <a:schemeClr val="accent1">
-        <a:tint val="40000"/>
-      </a:schemeClr>
-    </dgm:fillClrLst>
-    <dgm:linClrLst meth="repeat">
-      <a:schemeClr val="accent1"/>
-    </dgm:linClrLst>
-    <dgm:effectClrLst/>
-    <dgm:txLinClrLst/>
-    <dgm:txFillClrLst meth="repeat">
-      <a:schemeClr val="dk1"/>
-    </dgm:txFillClrLst>
-    <dgm:txEffectClrLst/>
-  </dgm:styleLbl>
-  <dgm:styleLbl name="dkBgShp">
-    <dgm:fillClrLst meth="repeat">
-      <a:schemeClr val="accent1">
-        <a:shade val="80000"/>
-      </a:schemeClr>
-    </dgm:fillClrLst>
-    <dgm:linClrLst meth="repeat">
-      <a:schemeClr val="accent1"/>
-    </dgm:linClrLst>
-    <dgm:effectClrLst/>
-    <dgm:txLinClrLst/>
-    <dgm:txFillClrLst meth="repeat">
-      <a:schemeClr val="lt1"/>
-    </dgm:txFillClrLst>
-    <dgm:txEffectClrLst/>
-  </dgm:styleLbl>
-  <dgm:styleLbl name="trBgShp">
-    <dgm:fillClrLst meth="repeat">
-      <a:schemeClr val="accent1">
-        <a:tint val="50000"/>
-        <a:alpha val="40000"/>
-      </a:schemeClr>
-    </dgm:fillClrLst>
-    <dgm:linClrLst meth="repeat">
-      <a:schemeClr val="accent1"/>
-    </dgm:linClrLst>
-    <dgm:effectClrLst/>
-    <dgm:txLinClrLst/>
-    <dgm:txFillClrLst meth="repeat">
-      <a:schemeClr val="lt1"/>
-    </dgm:txFillClrLst>
-    <dgm:txEffectClrLst/>
-  </dgm:styleLbl>
-  <dgm:styleLbl name="fgShp">
-    <dgm:fillClrLst meth="repeat">
-      <a:schemeClr val="accent1">
-        <a:tint val="60000"/>
-      </a:schemeClr>
-    </dgm:fillClrLst>
-    <dgm:linClrLst meth="repeat">
-      <a:schemeClr val="lt1"/>
-    </dgm:linClrLst>
-    <dgm:effectClrLst/>
-    <dgm:txLinClrLst/>
-    <dgm:txFillClrLst meth="repeat">
-      <a:schemeClr val="dk1"/>
-    </dgm:txFillClrLst>
-    <dgm:txEffectClrLst/>
-  </dgm:styleLbl>
-  <dgm:styleLbl name="revTx">
-    <dgm:fillClrLst meth="repeat">
-      <a:schemeClr val="lt1">
-        <a:alpha val="0"/>
-      </a:schemeClr>
-    </dgm:fillClrLst>
-    <dgm:linClrLst meth="repeat">
-      <a:schemeClr val="dk1">
-        <a:alpha val="0"/>
-      </a:schemeClr>
-    </dgm:linClrLst>
-    <dgm:effectClrLst/>
-    <dgm:txLinClrLst/>
-    <dgm:txFillClrLst meth="repeat">
-      <a:schemeClr val="tx1"/>
-    </dgm:txFillClrLst>
-    <dgm:txEffectClrLst/>
-  </dgm:styleLbl>
-</dgm:colorsDef>
-</file>
-
-<file path=ppt/diagrams/data1.xml><?xml version="1.0" encoding="utf-8"?>
-<dgm:dataModel xmlns:dgm="http://schemas.openxmlformats.org/drawingml/2006/diagram" xmlns:a="http://schemas.openxmlformats.org/drawingml/2006/main">
-  <dgm:ptLst>
-    <dgm:pt modelId="{D14C185C-1C2F-43C5-B3F7-03E2FD8DCA20}" type="doc">
-      <dgm:prSet loTypeId="urn:microsoft.com/office/officeart/2005/8/layout/process1" loCatId="process" qsTypeId="urn:microsoft.com/office/officeart/2005/8/quickstyle/simple1" qsCatId="simple" csTypeId="urn:microsoft.com/office/officeart/2005/8/colors/accent1_2" csCatId="accent1" phldr="1"/>
-      <dgm:spPr/>
-    </dgm:pt>
-    <dgm:pt modelId="{373F3D73-4163-460C-825F-AB90F0BD274A}">
-      <dgm:prSet phldrT="[文字]"/>
-      <dgm:spPr/>
-      <dgm:t>
-        <a:bodyPr/>
-        <a:lstStyle/>
-        <a:p>
-          <a:r>
-            <a:rPr lang="zh-TW" altLang="en-US" dirty="0"/>
-            <a:t>切割資料</a:t>
-          </a:r>
-        </a:p>
-      </dgm:t>
-    </dgm:pt>
-    <dgm:pt modelId="{00E5234B-BC00-402C-A4DC-5B7D87217C7B}" type="parTrans" cxnId="{842B5DB3-BFAF-46D0-84BB-E28431233374}">
-      <dgm:prSet/>
-      <dgm:spPr/>
-      <dgm:t>
-        <a:bodyPr/>
-        <a:lstStyle/>
-        <a:p>
-          <a:endParaRPr lang="zh-TW" altLang="en-US"/>
-        </a:p>
-      </dgm:t>
-    </dgm:pt>
-    <dgm:pt modelId="{510E1544-9B0B-4E5E-A21A-74C154EC99BB}" type="sibTrans" cxnId="{842B5DB3-BFAF-46D0-84BB-E28431233374}">
-      <dgm:prSet/>
-      <dgm:spPr/>
-      <dgm:t>
-        <a:bodyPr/>
-        <a:lstStyle/>
-        <a:p>
-          <a:endParaRPr lang="zh-TW" altLang="en-US"/>
-        </a:p>
-      </dgm:t>
-    </dgm:pt>
-    <dgm:pt modelId="{2F0BB623-C310-4F34-A614-8383840D288F}">
-      <dgm:prSet phldrT="[文字]"/>
-      <dgm:spPr/>
-      <dgm:t>
-        <a:bodyPr/>
-        <a:lstStyle/>
-        <a:p>
-          <a:r>
-            <a:rPr lang="zh-TW" altLang="en-US" dirty="0"/>
-            <a:t>調變</a:t>
-          </a:r>
-        </a:p>
-      </dgm:t>
-    </dgm:pt>
-    <dgm:pt modelId="{7FEA6977-7515-40FE-8B46-76C8A4B4FEBC}" type="parTrans" cxnId="{F6F31997-62E6-4170-BF59-BE34A1A74105}">
-      <dgm:prSet/>
-      <dgm:spPr/>
-      <dgm:t>
-        <a:bodyPr/>
-        <a:lstStyle/>
-        <a:p>
-          <a:endParaRPr lang="zh-TW" altLang="en-US"/>
-        </a:p>
-      </dgm:t>
-    </dgm:pt>
-    <dgm:pt modelId="{B3ED31B1-2659-4ACB-A056-32D27D08A6EF}" type="sibTrans" cxnId="{F6F31997-62E6-4170-BF59-BE34A1A74105}">
-      <dgm:prSet/>
-      <dgm:spPr/>
-      <dgm:t>
-        <a:bodyPr/>
-        <a:lstStyle/>
-        <a:p>
-          <a:endParaRPr lang="zh-TW" altLang="en-US"/>
-        </a:p>
-      </dgm:t>
-    </dgm:pt>
-    <dgm:pt modelId="{94E5E8AF-0109-41B5-AD0E-4DA7AD85FEFD}">
-      <dgm:prSet phldrT="[文字]"/>
-      <dgm:spPr/>
-      <dgm:t>
-        <a:bodyPr/>
-        <a:lstStyle/>
-        <a:p>
-          <a:r>
-            <a:rPr lang="en-US" altLang="zh-TW" dirty="0"/>
-            <a:t>PILOT&amp;SYNC</a:t>
-          </a:r>
-          <a:endParaRPr lang="zh-TW" altLang="en-US" dirty="0"/>
-        </a:p>
-      </dgm:t>
-    </dgm:pt>
-    <dgm:pt modelId="{4B4731E8-B722-4A8D-879D-71D770D64E16}" type="parTrans" cxnId="{18AB6BD2-D883-4837-90CD-D004B6890F8F}">
-      <dgm:prSet/>
-      <dgm:spPr/>
-      <dgm:t>
-        <a:bodyPr/>
-        <a:lstStyle/>
-        <a:p>
-          <a:endParaRPr lang="zh-TW" altLang="en-US"/>
-        </a:p>
-      </dgm:t>
-    </dgm:pt>
-    <dgm:pt modelId="{5EDB3883-65F1-43C5-B2B6-715EFF19ECC3}" type="sibTrans" cxnId="{18AB6BD2-D883-4837-90CD-D004B6890F8F}">
-      <dgm:prSet/>
-      <dgm:spPr/>
-      <dgm:t>
-        <a:bodyPr/>
-        <a:lstStyle/>
-        <a:p>
-          <a:endParaRPr lang="zh-TW" altLang="en-US"/>
-        </a:p>
-      </dgm:t>
-    </dgm:pt>
-    <dgm:pt modelId="{0845D703-486E-420E-9274-3700A0D2E42F}" type="pres">
-      <dgm:prSet presAssocID="{D14C185C-1C2F-43C5-B3F7-03E2FD8DCA20}" presName="Name0" presStyleCnt="0">
-        <dgm:presLayoutVars>
-          <dgm:dir/>
-          <dgm:resizeHandles val="exact"/>
-        </dgm:presLayoutVars>
-      </dgm:prSet>
-      <dgm:spPr/>
-    </dgm:pt>
-    <dgm:pt modelId="{2CE79DA6-23CB-40EF-B25E-2E7E21767DB0}" type="pres">
-      <dgm:prSet presAssocID="{373F3D73-4163-460C-825F-AB90F0BD274A}" presName="node" presStyleLbl="node1" presStyleIdx="0" presStyleCnt="3">
-        <dgm:presLayoutVars>
-          <dgm:bulletEnabled val="1"/>
-        </dgm:presLayoutVars>
-      </dgm:prSet>
-      <dgm:spPr/>
-    </dgm:pt>
-    <dgm:pt modelId="{5DCD91DB-AEF7-4C9B-BD53-8B818AE7A5C2}" type="pres">
-      <dgm:prSet presAssocID="{510E1544-9B0B-4E5E-A21A-74C154EC99BB}" presName="sibTrans" presStyleLbl="sibTrans2D1" presStyleIdx="0" presStyleCnt="2"/>
-      <dgm:spPr/>
-    </dgm:pt>
-    <dgm:pt modelId="{3053149E-F4D6-4274-BA65-86C7B0CA7EE2}" type="pres">
-      <dgm:prSet presAssocID="{510E1544-9B0B-4E5E-A21A-74C154EC99BB}" presName="connectorText" presStyleLbl="sibTrans2D1" presStyleIdx="0" presStyleCnt="2"/>
-      <dgm:spPr/>
-    </dgm:pt>
-    <dgm:pt modelId="{501B0B5C-0A9B-4712-8139-5AB722F892AE}" type="pres">
-      <dgm:prSet presAssocID="{2F0BB623-C310-4F34-A614-8383840D288F}" presName="node" presStyleLbl="node1" presStyleIdx="1" presStyleCnt="3">
-        <dgm:presLayoutVars>
-          <dgm:bulletEnabled val="1"/>
-        </dgm:presLayoutVars>
-      </dgm:prSet>
-      <dgm:spPr/>
-    </dgm:pt>
-    <dgm:pt modelId="{4C06B492-B4CF-4662-994E-B742043CDBA6}" type="pres">
-      <dgm:prSet presAssocID="{B3ED31B1-2659-4ACB-A056-32D27D08A6EF}" presName="sibTrans" presStyleLbl="sibTrans2D1" presStyleIdx="1" presStyleCnt="2"/>
-      <dgm:spPr/>
-    </dgm:pt>
-    <dgm:pt modelId="{715D3F0F-C5CB-406C-9764-737C7C1638E6}" type="pres">
-      <dgm:prSet presAssocID="{B3ED31B1-2659-4ACB-A056-32D27D08A6EF}" presName="connectorText" presStyleLbl="sibTrans2D1" presStyleIdx="1" presStyleCnt="2"/>
-      <dgm:spPr/>
-    </dgm:pt>
-    <dgm:pt modelId="{F8307AB0-8E3F-4030-91DA-849DB5B98DC2}" type="pres">
-      <dgm:prSet presAssocID="{94E5E8AF-0109-41B5-AD0E-4DA7AD85FEFD}" presName="node" presStyleLbl="node1" presStyleIdx="2" presStyleCnt="3">
-        <dgm:presLayoutVars>
-          <dgm:bulletEnabled val="1"/>
-        </dgm:presLayoutVars>
-      </dgm:prSet>
-      <dgm:spPr/>
-    </dgm:pt>
-  </dgm:ptLst>
-  <dgm:cxnLst>
-    <dgm:cxn modelId="{24755E3E-C775-4F43-94FB-4C706A911360}" type="presOf" srcId="{B3ED31B1-2659-4ACB-A056-32D27D08A6EF}" destId="{4C06B492-B4CF-4662-994E-B742043CDBA6}" srcOrd="0" destOrd="0" presId="urn:microsoft.com/office/officeart/2005/8/layout/process1"/>
-    <dgm:cxn modelId="{783D2856-2CC3-47A0-AB40-5DBEC579208A}" type="presOf" srcId="{D14C185C-1C2F-43C5-B3F7-03E2FD8DCA20}" destId="{0845D703-486E-420E-9274-3700A0D2E42F}" srcOrd="0" destOrd="0" presId="urn:microsoft.com/office/officeart/2005/8/layout/process1"/>
-    <dgm:cxn modelId="{ED6A0291-B8AD-4213-AF49-B17AF0DD26FB}" type="presOf" srcId="{373F3D73-4163-460C-825F-AB90F0BD274A}" destId="{2CE79DA6-23CB-40EF-B25E-2E7E21767DB0}" srcOrd="0" destOrd="0" presId="urn:microsoft.com/office/officeart/2005/8/layout/process1"/>
-    <dgm:cxn modelId="{F6F31997-62E6-4170-BF59-BE34A1A74105}" srcId="{D14C185C-1C2F-43C5-B3F7-03E2FD8DCA20}" destId="{2F0BB623-C310-4F34-A614-8383840D288F}" srcOrd="1" destOrd="0" parTransId="{7FEA6977-7515-40FE-8B46-76C8A4B4FEBC}" sibTransId="{B3ED31B1-2659-4ACB-A056-32D27D08A6EF}"/>
-    <dgm:cxn modelId="{842B5DB3-BFAF-46D0-84BB-E28431233374}" srcId="{D14C185C-1C2F-43C5-B3F7-03E2FD8DCA20}" destId="{373F3D73-4163-460C-825F-AB90F0BD274A}" srcOrd="0" destOrd="0" parTransId="{00E5234B-BC00-402C-A4DC-5B7D87217C7B}" sibTransId="{510E1544-9B0B-4E5E-A21A-74C154EC99BB}"/>
-    <dgm:cxn modelId="{F0E147BA-BB1F-4975-8167-3A41330F994E}" type="presOf" srcId="{B3ED31B1-2659-4ACB-A056-32D27D08A6EF}" destId="{715D3F0F-C5CB-406C-9764-737C7C1638E6}" srcOrd="1" destOrd="0" presId="urn:microsoft.com/office/officeart/2005/8/layout/process1"/>
-    <dgm:cxn modelId="{CCD4CFC3-8CB9-4BD5-B289-EB24AA63AAFC}" type="presOf" srcId="{510E1544-9B0B-4E5E-A21A-74C154EC99BB}" destId="{5DCD91DB-AEF7-4C9B-BD53-8B818AE7A5C2}" srcOrd="0" destOrd="0" presId="urn:microsoft.com/office/officeart/2005/8/layout/process1"/>
-    <dgm:cxn modelId="{18AB6BD2-D883-4837-90CD-D004B6890F8F}" srcId="{D14C185C-1C2F-43C5-B3F7-03E2FD8DCA20}" destId="{94E5E8AF-0109-41B5-AD0E-4DA7AD85FEFD}" srcOrd="2" destOrd="0" parTransId="{4B4731E8-B722-4A8D-879D-71D770D64E16}" sibTransId="{5EDB3883-65F1-43C5-B2B6-715EFF19ECC3}"/>
-    <dgm:cxn modelId="{FC026DDC-6B9B-4E3A-ADF6-C724CBB2F3D0}" type="presOf" srcId="{94E5E8AF-0109-41B5-AD0E-4DA7AD85FEFD}" destId="{F8307AB0-8E3F-4030-91DA-849DB5B98DC2}" srcOrd="0" destOrd="0" presId="urn:microsoft.com/office/officeart/2005/8/layout/process1"/>
-    <dgm:cxn modelId="{8F64F8E6-C469-43B5-B5E8-EC3AE35AB88C}" type="presOf" srcId="{2F0BB623-C310-4F34-A614-8383840D288F}" destId="{501B0B5C-0A9B-4712-8139-5AB722F892AE}" srcOrd="0" destOrd="0" presId="urn:microsoft.com/office/officeart/2005/8/layout/process1"/>
-    <dgm:cxn modelId="{D1F5C7F5-FF31-49AC-8A04-274782995C75}" type="presOf" srcId="{510E1544-9B0B-4E5E-A21A-74C154EC99BB}" destId="{3053149E-F4D6-4274-BA65-86C7B0CA7EE2}" srcOrd="1" destOrd="0" presId="urn:microsoft.com/office/officeart/2005/8/layout/process1"/>
-    <dgm:cxn modelId="{FAFBA5ED-5A37-4064-B4A2-75A971CC3268}" type="presParOf" srcId="{0845D703-486E-420E-9274-3700A0D2E42F}" destId="{2CE79DA6-23CB-40EF-B25E-2E7E21767DB0}" srcOrd="0" destOrd="0" presId="urn:microsoft.com/office/officeart/2005/8/layout/process1"/>
-    <dgm:cxn modelId="{B192C275-C3F4-4265-AADD-2C1838C8AD5A}" type="presParOf" srcId="{0845D703-486E-420E-9274-3700A0D2E42F}" destId="{5DCD91DB-AEF7-4C9B-BD53-8B818AE7A5C2}" srcOrd="1" destOrd="0" presId="urn:microsoft.com/office/officeart/2005/8/layout/process1"/>
-    <dgm:cxn modelId="{96819B01-F420-4E26-A327-E989DB4F7FB8}" type="presParOf" srcId="{5DCD91DB-AEF7-4C9B-BD53-8B818AE7A5C2}" destId="{3053149E-F4D6-4274-BA65-86C7B0CA7EE2}" srcOrd="0" destOrd="0" presId="urn:microsoft.com/office/officeart/2005/8/layout/process1"/>
-    <dgm:cxn modelId="{FA65F66D-55B7-40AA-A051-941C87977DA4}" type="presParOf" srcId="{0845D703-486E-420E-9274-3700A0D2E42F}" destId="{501B0B5C-0A9B-4712-8139-5AB722F892AE}" srcOrd="2" destOrd="0" presId="urn:microsoft.com/office/officeart/2005/8/layout/process1"/>
-    <dgm:cxn modelId="{11C80121-9C15-491C-88B4-A1C4678D422F}" type="presParOf" srcId="{0845D703-486E-420E-9274-3700A0D2E42F}" destId="{4C06B492-B4CF-4662-994E-B742043CDBA6}" srcOrd="3" destOrd="0" presId="urn:microsoft.com/office/officeart/2005/8/layout/process1"/>
-    <dgm:cxn modelId="{43DF91D9-581F-41AF-9C44-B3C00085AC2A}" type="presParOf" srcId="{4C06B492-B4CF-4662-994E-B742043CDBA6}" destId="{715D3F0F-C5CB-406C-9764-737C7C1638E6}" srcOrd="0" destOrd="0" presId="urn:microsoft.com/office/officeart/2005/8/layout/process1"/>
-    <dgm:cxn modelId="{E5696B06-0D4E-44D4-9E1F-DC5283E88D84}" type="presParOf" srcId="{0845D703-486E-420E-9274-3700A0D2E42F}" destId="{F8307AB0-8E3F-4030-91DA-849DB5B98DC2}" srcOrd="4" destOrd="0" presId="urn:microsoft.com/office/officeart/2005/8/layout/process1"/>
-  </dgm:cxnLst>
-  <dgm:bg/>
-  <dgm:whole/>
-  <dgm:extLst>
-    <a:ext uri="http://schemas.microsoft.com/office/drawing/2008/diagram">
-      <dsp:dataModelExt xmlns:dsp="http://schemas.microsoft.com/office/drawing/2008/diagram" relId="rId6" minVer="http://schemas.openxmlformats.org/drawingml/2006/diagram"/>
-    </a:ext>
-  </dgm:extLst>
-</dgm:dataModel>
-</file>
-
-<file path=ppt/diagrams/drawing1.xml><?xml version="1.0" encoding="utf-8"?>
-<dsp:drawing xmlns:dgm="http://schemas.openxmlformats.org/drawingml/2006/diagram" xmlns:dsp="http://schemas.microsoft.com/office/drawing/2008/diagram" xmlns:a="http://schemas.openxmlformats.org/drawingml/2006/main">
-  <dsp:spTree>
-    <dsp:nvGrpSpPr>
-      <dsp:cNvPr id="0" name=""/>
-      <dsp:cNvGrpSpPr/>
-    </dsp:nvGrpSpPr>
-    <dsp:grpSpPr/>
-    <dsp:sp modelId="{2CE79DA6-23CB-40EF-B25E-2E7E21767DB0}">
-      <dsp:nvSpPr>
-        <dsp:cNvPr id="0" name=""/>
-        <dsp:cNvSpPr/>
-      </dsp:nvSpPr>
-      <dsp:spPr>
-        <a:xfrm>
-          <a:off x="7835" y="1186514"/>
-          <a:ext cx="2342033" cy="1405220"/>
-        </a:xfrm>
-        <a:prstGeom prst="roundRect">
-          <a:avLst>
-            <a:gd name="adj" fmla="val 10000"/>
-          </a:avLst>
-        </a:prstGeom>
-        <a:solidFill>
-          <a:schemeClr val="accent1">
-            <a:hueOff val="0"/>
-            <a:satOff val="0"/>
-            <a:lumOff val="0"/>
-            <a:alphaOff val="0"/>
-          </a:schemeClr>
-        </a:solidFill>
-        <a:ln w="15875" cap="rnd" cmpd="sng" algn="ctr">
-          <a:solidFill>
-            <a:schemeClr val="lt1">
-              <a:hueOff val="0"/>
-              <a:satOff val="0"/>
-              <a:lumOff val="0"/>
-              <a:alphaOff val="0"/>
-            </a:schemeClr>
-          </a:solidFill>
-          <a:prstDash val="solid"/>
-        </a:ln>
-        <a:effectLst/>
-      </dsp:spPr>
-      <dsp:style>
-        <a:lnRef idx="2">
-          <a:scrgbClr r="0" g="0" b="0"/>
-        </a:lnRef>
-        <a:fillRef idx="1">
-          <a:scrgbClr r="0" g="0" b="0"/>
-        </a:fillRef>
-        <a:effectRef idx="0">
-          <a:scrgbClr r="0" g="0" b="0"/>
-        </a:effectRef>
-        <a:fontRef idx="minor">
-          <a:schemeClr val="lt1"/>
-        </a:fontRef>
-      </dsp:style>
-      <dsp:txBody>
-        <a:bodyPr spcFirstLastPara="0" vert="horz" wrap="square" lIns="102870" tIns="102870" rIns="102870" bIns="102870" numCol="1" spcCol="1270" anchor="ctr" anchorCtr="0">
-          <a:noAutofit/>
-        </a:bodyPr>
-        <a:lstStyle/>
-        <a:p>
-          <a:pPr marL="0" lvl="0" indent="0" algn="ctr" defTabSz="1200150">
-            <a:lnSpc>
-              <a:spcPct val="90000"/>
-            </a:lnSpc>
-            <a:spcBef>
-              <a:spcPct val="0"/>
-            </a:spcBef>
-            <a:spcAft>
-              <a:spcPct val="35000"/>
-            </a:spcAft>
-            <a:buNone/>
-          </a:pPr>
-          <a:r>
-            <a:rPr lang="zh-TW" altLang="en-US" sz="2700" kern="1200" dirty="0"/>
-            <a:t>切割資料</a:t>
-          </a:r>
-        </a:p>
-      </dsp:txBody>
-      <dsp:txXfrm>
-        <a:off x="48992" y="1227671"/>
-        <a:ext cx="2259719" cy="1322906"/>
-      </dsp:txXfrm>
-    </dsp:sp>
-    <dsp:sp modelId="{5DCD91DB-AEF7-4C9B-BD53-8B818AE7A5C2}">
-      <dsp:nvSpPr>
-        <dsp:cNvPr id="0" name=""/>
-        <dsp:cNvSpPr/>
-      </dsp:nvSpPr>
-      <dsp:spPr>
-        <a:xfrm>
-          <a:off x="2584072" y="1598712"/>
-          <a:ext cx="496511" cy="580824"/>
-        </a:xfrm>
-        <a:prstGeom prst="rightArrow">
-          <a:avLst>
-            <a:gd name="adj1" fmla="val 60000"/>
-            <a:gd name="adj2" fmla="val 50000"/>
-          </a:avLst>
-        </a:prstGeom>
-        <a:solidFill>
-          <a:schemeClr val="accent1">
-            <a:tint val="60000"/>
-            <a:hueOff val="0"/>
-            <a:satOff val="0"/>
-            <a:lumOff val="0"/>
-            <a:alphaOff val="0"/>
-          </a:schemeClr>
-        </a:solidFill>
-        <a:ln>
-          <a:noFill/>
-        </a:ln>
-        <a:effectLst/>
-      </dsp:spPr>
-      <dsp:style>
-        <a:lnRef idx="0">
-          <a:scrgbClr r="0" g="0" b="0"/>
-        </a:lnRef>
-        <a:fillRef idx="1">
-          <a:scrgbClr r="0" g="0" b="0"/>
-        </a:fillRef>
-        <a:effectRef idx="0">
-          <a:scrgbClr r="0" g="0" b="0"/>
-        </a:effectRef>
-        <a:fontRef idx="minor">
-          <a:schemeClr val="lt1"/>
-        </a:fontRef>
-      </dsp:style>
-      <dsp:txBody>
-        <a:bodyPr spcFirstLastPara="0" vert="horz" wrap="square" lIns="0" tIns="0" rIns="0" bIns="0" numCol="1" spcCol="1270" anchor="ctr" anchorCtr="0">
-          <a:noAutofit/>
-        </a:bodyPr>
-        <a:lstStyle/>
-        <a:p>
-          <a:pPr marL="0" lvl="0" indent="0" algn="ctr" defTabSz="977900">
-            <a:lnSpc>
-              <a:spcPct val="90000"/>
-            </a:lnSpc>
-            <a:spcBef>
-              <a:spcPct val="0"/>
-            </a:spcBef>
-            <a:spcAft>
-              <a:spcPct val="35000"/>
-            </a:spcAft>
-            <a:buNone/>
-          </a:pPr>
-          <a:endParaRPr lang="zh-TW" altLang="en-US" sz="2200" kern="1200"/>
-        </a:p>
-      </dsp:txBody>
-      <dsp:txXfrm>
-        <a:off x="2584072" y="1714877"/>
-        <a:ext cx="347558" cy="348494"/>
-      </dsp:txXfrm>
-    </dsp:sp>
-    <dsp:sp modelId="{501B0B5C-0A9B-4712-8139-5AB722F892AE}">
-      <dsp:nvSpPr>
-        <dsp:cNvPr id="0" name=""/>
-        <dsp:cNvSpPr/>
-      </dsp:nvSpPr>
-      <dsp:spPr>
-        <a:xfrm>
-          <a:off x="3286683" y="1186514"/>
-          <a:ext cx="2342033" cy="1405220"/>
-        </a:xfrm>
-        <a:prstGeom prst="roundRect">
-          <a:avLst>
-            <a:gd name="adj" fmla="val 10000"/>
-          </a:avLst>
-        </a:prstGeom>
-        <a:solidFill>
-          <a:schemeClr val="accent1">
-            <a:hueOff val="0"/>
-            <a:satOff val="0"/>
-            <a:lumOff val="0"/>
-            <a:alphaOff val="0"/>
-          </a:schemeClr>
-        </a:solidFill>
-        <a:ln w="15875" cap="rnd" cmpd="sng" algn="ctr">
-          <a:solidFill>
-            <a:schemeClr val="lt1">
-              <a:hueOff val="0"/>
-              <a:satOff val="0"/>
-              <a:lumOff val="0"/>
-              <a:alphaOff val="0"/>
-            </a:schemeClr>
-          </a:solidFill>
-          <a:prstDash val="solid"/>
-        </a:ln>
-        <a:effectLst/>
-      </dsp:spPr>
-      <dsp:style>
-        <a:lnRef idx="2">
-          <a:scrgbClr r="0" g="0" b="0"/>
-        </a:lnRef>
-        <a:fillRef idx="1">
-          <a:scrgbClr r="0" g="0" b="0"/>
-        </a:fillRef>
-        <a:effectRef idx="0">
-          <a:scrgbClr r="0" g="0" b="0"/>
-        </a:effectRef>
-        <a:fontRef idx="minor">
-          <a:schemeClr val="lt1"/>
-        </a:fontRef>
-      </dsp:style>
-      <dsp:txBody>
-        <a:bodyPr spcFirstLastPara="0" vert="horz" wrap="square" lIns="102870" tIns="102870" rIns="102870" bIns="102870" numCol="1" spcCol="1270" anchor="ctr" anchorCtr="0">
-          <a:noAutofit/>
-        </a:bodyPr>
-        <a:lstStyle/>
-        <a:p>
-          <a:pPr marL="0" lvl="0" indent="0" algn="ctr" defTabSz="1200150">
-            <a:lnSpc>
-              <a:spcPct val="90000"/>
-            </a:lnSpc>
-            <a:spcBef>
-              <a:spcPct val="0"/>
-            </a:spcBef>
-            <a:spcAft>
-              <a:spcPct val="35000"/>
-            </a:spcAft>
-            <a:buNone/>
-          </a:pPr>
-          <a:r>
-            <a:rPr lang="zh-TW" altLang="en-US" sz="2700" kern="1200" dirty="0"/>
-            <a:t>調變</a:t>
-          </a:r>
-        </a:p>
-      </dsp:txBody>
-      <dsp:txXfrm>
-        <a:off x="3327840" y="1227671"/>
-        <a:ext cx="2259719" cy="1322906"/>
-      </dsp:txXfrm>
-    </dsp:sp>
-    <dsp:sp modelId="{4C06B492-B4CF-4662-994E-B742043CDBA6}">
-      <dsp:nvSpPr>
-        <dsp:cNvPr id="0" name=""/>
-        <dsp:cNvSpPr/>
-      </dsp:nvSpPr>
-      <dsp:spPr>
-        <a:xfrm>
-          <a:off x="5862920" y="1598712"/>
-          <a:ext cx="496511" cy="580824"/>
-        </a:xfrm>
-        <a:prstGeom prst="rightArrow">
-          <a:avLst>
-            <a:gd name="adj1" fmla="val 60000"/>
-            <a:gd name="adj2" fmla="val 50000"/>
-          </a:avLst>
-        </a:prstGeom>
-        <a:solidFill>
-          <a:schemeClr val="accent1">
-            <a:tint val="60000"/>
-            <a:hueOff val="0"/>
-            <a:satOff val="0"/>
-            <a:lumOff val="0"/>
-            <a:alphaOff val="0"/>
-          </a:schemeClr>
-        </a:solidFill>
-        <a:ln>
-          <a:noFill/>
-        </a:ln>
-        <a:effectLst/>
-      </dsp:spPr>
-      <dsp:style>
-        <a:lnRef idx="0">
-          <a:scrgbClr r="0" g="0" b="0"/>
-        </a:lnRef>
-        <a:fillRef idx="1">
-          <a:scrgbClr r="0" g="0" b="0"/>
-        </a:fillRef>
-        <a:effectRef idx="0">
-          <a:scrgbClr r="0" g="0" b="0"/>
-        </a:effectRef>
-        <a:fontRef idx="minor">
-          <a:schemeClr val="lt1"/>
-        </a:fontRef>
-      </dsp:style>
-      <dsp:txBody>
-        <a:bodyPr spcFirstLastPara="0" vert="horz" wrap="square" lIns="0" tIns="0" rIns="0" bIns="0" numCol="1" spcCol="1270" anchor="ctr" anchorCtr="0">
-          <a:noAutofit/>
-        </a:bodyPr>
-        <a:lstStyle/>
-        <a:p>
-          <a:pPr marL="0" lvl="0" indent="0" algn="ctr" defTabSz="977900">
-            <a:lnSpc>
-              <a:spcPct val="90000"/>
-            </a:lnSpc>
-            <a:spcBef>
-              <a:spcPct val="0"/>
-            </a:spcBef>
-            <a:spcAft>
-              <a:spcPct val="35000"/>
-            </a:spcAft>
-            <a:buNone/>
-          </a:pPr>
-          <a:endParaRPr lang="zh-TW" altLang="en-US" sz="2200" kern="1200"/>
-        </a:p>
-      </dsp:txBody>
-      <dsp:txXfrm>
-        <a:off x="5862920" y="1714877"/>
-        <a:ext cx="347558" cy="348494"/>
-      </dsp:txXfrm>
-    </dsp:sp>
-    <dsp:sp modelId="{F8307AB0-8E3F-4030-91DA-849DB5B98DC2}">
-      <dsp:nvSpPr>
-        <dsp:cNvPr id="0" name=""/>
-        <dsp:cNvSpPr/>
-      </dsp:nvSpPr>
-      <dsp:spPr>
-        <a:xfrm>
-          <a:off x="6565530" y="1186514"/>
-          <a:ext cx="2342033" cy="1405220"/>
-        </a:xfrm>
-        <a:prstGeom prst="roundRect">
-          <a:avLst>
-            <a:gd name="adj" fmla="val 10000"/>
-          </a:avLst>
-        </a:prstGeom>
-        <a:solidFill>
-          <a:schemeClr val="accent1">
-            <a:hueOff val="0"/>
-            <a:satOff val="0"/>
-            <a:lumOff val="0"/>
-            <a:alphaOff val="0"/>
-          </a:schemeClr>
-        </a:solidFill>
-        <a:ln w="15875" cap="rnd" cmpd="sng" algn="ctr">
-          <a:solidFill>
-            <a:schemeClr val="lt1">
-              <a:hueOff val="0"/>
-              <a:satOff val="0"/>
-              <a:lumOff val="0"/>
-              <a:alphaOff val="0"/>
-            </a:schemeClr>
-          </a:solidFill>
-          <a:prstDash val="solid"/>
-        </a:ln>
-        <a:effectLst/>
-      </dsp:spPr>
-      <dsp:style>
-        <a:lnRef idx="2">
-          <a:scrgbClr r="0" g="0" b="0"/>
-        </a:lnRef>
-        <a:fillRef idx="1">
-          <a:scrgbClr r="0" g="0" b="0"/>
-        </a:fillRef>
-        <a:effectRef idx="0">
-          <a:scrgbClr r="0" g="0" b="0"/>
-        </a:effectRef>
-        <a:fontRef idx="minor">
-          <a:schemeClr val="lt1"/>
-        </a:fontRef>
-      </dsp:style>
-      <dsp:txBody>
-        <a:bodyPr spcFirstLastPara="0" vert="horz" wrap="square" lIns="102870" tIns="102870" rIns="102870" bIns="102870" numCol="1" spcCol="1270" anchor="ctr" anchorCtr="0">
-          <a:noAutofit/>
-        </a:bodyPr>
-        <a:lstStyle/>
-        <a:p>
-          <a:pPr marL="0" lvl="0" indent="0" algn="ctr" defTabSz="1200150">
-            <a:lnSpc>
-              <a:spcPct val="90000"/>
-            </a:lnSpc>
-            <a:spcBef>
-              <a:spcPct val="0"/>
-            </a:spcBef>
-            <a:spcAft>
-              <a:spcPct val="35000"/>
-            </a:spcAft>
-            <a:buNone/>
-          </a:pPr>
-          <a:r>
-            <a:rPr lang="en-US" altLang="zh-TW" sz="2700" kern="1200" dirty="0"/>
-            <a:t>PILOT&amp;SYNC</a:t>
-          </a:r>
-          <a:endParaRPr lang="zh-TW" altLang="en-US" sz="2700" kern="1200" dirty="0"/>
-        </a:p>
-      </dsp:txBody>
-      <dsp:txXfrm>
-        <a:off x="6606687" y="1227671"/>
-        <a:ext cx="2259719" cy="1322906"/>
-      </dsp:txXfrm>
-    </dsp:sp>
-  </dsp:spTree>
-</dsp:drawing>
-</file>
-
-<file path=ppt/diagrams/layout1.xml><?xml version="1.0" encoding="utf-8"?>
-<dgm:layoutDef xmlns:dgm="http://schemas.openxmlformats.org/drawingml/2006/diagram" xmlns:a="http://schemas.openxmlformats.org/drawingml/2006/main" uniqueId="urn:microsoft.com/office/officeart/2005/8/layout/process1">
-  <dgm:title val=""/>
-  <dgm:desc val=""/>
-  <dgm:catLst>
-    <dgm:cat type="process" pri="1000"/>
-    <dgm:cat type="convert" pri="15000"/>
-  </dgm:catLst>
-  <dgm:sampData useDef="1">
-    <dgm:dataModel>
-      <dgm:ptLst/>
-      <dgm:bg/>
-      <dgm:whole/>
-    </dgm:dataModel>
-  </dgm:sampData>
-  <dgm:styleData>
-    <dgm:dataModel>
-      <dgm:ptLst>
-        <dgm:pt modelId="0" type="doc"/>
-        <dgm:pt modelId="1"/>
-        <dgm:pt modelId="2"/>
-      </dgm:ptLst>
-      <dgm:cxnLst>
-        <dgm:cxn modelId="3" srcId="0" destId="1" srcOrd="0" destOrd="0"/>
-        <dgm:cxn modelId="4" srcId="0" destId="2" srcOrd="1" destOrd="0"/>
-      </dgm:cxnLst>
-      <dgm:bg/>
-      <dgm:whole/>
-    </dgm:dataModel>
-  </dgm:styleData>
-  <dgm:clrData>
-    <dgm:dataModel>
-      <dgm:ptLst>
-        <dgm:pt modelId="0" type="doc"/>
-        <dgm:pt modelId="1"/>
-        <dgm:pt modelId="2"/>
-        <dgm:pt modelId="3"/>
-        <dgm:pt modelId="4"/>
-      </dgm:ptLst>
-      <dgm:cxnLst>
-        <dgm:cxn modelId="5" srcId="0" destId="1" srcOrd="0" destOrd="0"/>
-        <dgm:cxn modelId="6" srcId="0" destId="2" srcOrd="1" destOrd="0"/>
-        <dgm:cxn modelId="7" srcId="0" destId="3" srcOrd="2" destOrd="0"/>
-        <dgm:cxn modelId="8" srcId="0" destId="4" srcOrd="3" destOrd="0"/>
-      </dgm:cxnLst>
-      <dgm:bg/>
-      <dgm:whole/>
-    </dgm:dataModel>
-  </dgm:clrData>
-  <dgm:layoutNode name="Name0">
-    <dgm:varLst>
-      <dgm:dir/>
-      <dgm:resizeHandles val="exact"/>
-    </dgm:varLst>
-    <dgm:choose name="Name1">
-      <dgm:if name="Name2" func="var" arg="dir" op="equ" val="norm">
-        <dgm:alg type="lin"/>
-      </dgm:if>
-      <dgm:else name="Name3">
-        <dgm:alg type="lin">
-          <dgm:param type="linDir" val="fromR"/>
-        </dgm:alg>
-      </dgm:else>
-    </dgm:choose>
-    <dgm:shape xmlns:r="http://schemas.openxmlformats.org/officeDocument/2006/relationships" r:blip="">
-      <dgm:adjLst/>
-    </dgm:shape>
-    <dgm:presOf/>
-    <dgm:constrLst>
-      <dgm:constr type="w" for="ch" ptType="node" refType="w"/>
-      <dgm:constr type="h" for="ch" ptType="node" op="equ"/>
-      <dgm:constr type="primFontSz" for="ch" ptType="node" op="equ" val="65"/>
-      <dgm:constr type="w" for="ch" ptType="sibTrans" refType="w" refFor="ch" refPtType="node" op="equ" fact="0.4"/>
-      <dgm:constr type="h" for="ch" ptType="sibTrans" op="equ"/>
-      <dgm:constr type="primFontSz" for="des" forName="connectorText" op="equ" val="55"/>
-      <dgm:constr type="primFontSz" for="des" forName="connectorText" refType="primFontSz" refFor="ch" refPtType="node" op="lte" fact="0.8"/>
-    </dgm:constrLst>
-    <dgm:ruleLst/>
-    <dgm:forEach name="nodesForEach" axis="ch" ptType="node">
-      <dgm:layoutNode name="node">
-        <dgm:varLst>
-          <dgm:bulletEnabled val="1"/>
-        </dgm:varLst>
-        <dgm:alg type="tx"/>
-        <dgm:shape xmlns:r="http://schemas.openxmlformats.org/officeDocument/2006/relationships" type="roundRect" r:blip="">
-          <dgm:adjLst>
-            <dgm:adj idx="1" val="0.1"/>
-          </dgm:adjLst>
-        </dgm:shape>
-        <dgm:presOf axis="desOrSelf" ptType="node"/>
-        <dgm:constrLst>
-          <dgm:constr type="h" refType="w" fact="0.6"/>
-          <dgm:constr type="tMarg" refType="primFontSz" fact="0.3"/>
-          <dgm:constr type="bMarg" refType="primFontSz" fact="0.3"/>
-          <dgm:constr type="lMarg" refType="primFontSz" fact="0.3"/>
-          <dgm:constr type="rMarg" refType="primFontSz" fact="0.3"/>
-        </dgm:constrLst>
-        <dgm:ruleLst>
-          <dgm:rule type="primFontSz" val="18" fact="NaN" max="NaN"/>
-          <dgm:rule type="h" val="NaN" fact="1.5" max="NaN"/>
-          <dgm:rule type="primFontSz" val="5" fact="NaN" max="NaN"/>
-          <dgm:rule type="h" val="INF" fact="NaN" max="NaN"/>
-        </dgm:ruleLst>
-      </dgm:layoutNode>
-      <dgm:forEach name="sibTransForEach" axis="followSib" ptType="sibTrans" cnt="1">
-        <dgm:layoutNode name="sibTrans">
-          <dgm:alg type="conn">
-            <dgm:param type="begPts" val="auto"/>
-            <dgm:param type="endPts" val="auto"/>
-          </dgm:alg>
-          <dgm:shape xmlns:r="http://schemas.openxmlformats.org/officeDocument/2006/relationships" type="conn" r:blip="">
-            <dgm:adjLst/>
-          </dgm:shape>
-          <dgm:presOf axis="self"/>
-          <dgm:constrLst>
-            <dgm:constr type="h" refType="w" fact="0.62"/>
-            <dgm:constr type="connDist"/>
-            <dgm:constr type="begPad" refType="connDist" fact="0.25"/>
-            <dgm:constr type="endPad" refType="connDist" fact="0.22"/>
-          </dgm:constrLst>
-          <dgm:ruleLst/>
-          <dgm:layoutNode name="connectorText">
-            <dgm:alg type="tx">
-              <dgm:param type="autoTxRot" val="grav"/>
-            </dgm:alg>
-            <dgm:shape xmlns:r="http://schemas.openxmlformats.org/officeDocument/2006/relationships" type="conn" r:blip="" hideGeom="1">
-              <dgm:adjLst/>
-            </dgm:shape>
-            <dgm:presOf axis="self"/>
-            <dgm:constrLst>
-              <dgm:constr type="lMarg"/>
-              <dgm:constr type="rMarg"/>
-              <dgm:constr type="tMarg"/>
-              <dgm:constr type="bMarg"/>
-            </dgm:constrLst>
-            <dgm:ruleLst>
-              <dgm:rule type="primFontSz" val="5" fact="NaN" max="NaN"/>
-            </dgm:ruleLst>
-          </dgm:layoutNode>
-        </dgm:layoutNode>
-      </dgm:forEach>
-    </dgm:forEach>
-  </dgm:layoutNode>
-</dgm:layoutDef>
-</file>
-
-<file path=ppt/diagrams/quickStyle1.xml><?xml version="1.0" encoding="utf-8"?>
-<dgm:styleDef xmlns:dgm="http://schemas.openxmlformats.org/drawingml/2006/diagram" xmlns:a="http://schemas.openxmlformats.org/drawingml/2006/main" uniqueId="urn:microsoft.com/office/officeart/2005/8/quickstyle/simple1">
-  <dgm:title val=""/>
-  <dgm:desc val=""/>
-  <dgm:catLst>
-    <dgm:cat type="simple" pri="10100"/>
-  </dgm:catLst>
-  <dgm:scene3d>
-    <a:camera prst="orthographicFront"/>
-    <a:lightRig rig="threePt" dir="t"/>
-  </dgm:scene3d>
-  <dgm:styleLbl name="node0">
-    <dgm:scene3d>
-      <a:camera prst="orthographicFront"/>
-      <a:lightRig rig="threePt" dir="t"/>
-    </dgm:scene3d>
-    <dgm:sp3d/>
-    <dgm:txPr/>
-    <dgm:style>
-      <a:lnRef idx="2">
-        <a:scrgbClr r="0" g="0" b="0"/>
-      </a:lnRef>
-      <a:fillRef idx="1">
-        <a:scrgbClr r="0" g="0" b="0"/>
-      </a:fillRef>
-      <a:effectRef idx="0">
-        <a:scrgbClr r="0" g="0" b="0"/>
-      </a:effectRef>
-      <a:fontRef idx="minor">
-        <a:schemeClr val="lt1"/>
-      </a:fontRef>
-    </dgm:style>
-  </dgm:styleLbl>
-  <dgm:styleLbl name="lnNode1">
-    <dgm:scene3d>
-      <a:camera prst="orthographicFront"/>
-      <a:lightRig rig="threePt" dir="t"/>
-    </dgm:scene3d>
-    <dgm:sp3d/>
-    <dgm:txPr/>
-    <dgm:style>
-      <a:lnRef idx="2">
-        <a:scrgbClr r="0" g="0" b="0"/>
-      </a:lnRef>
-      <a:fillRef idx="1">
-        <a:scrgbClr r="0" g="0" b="0"/>
-      </a:fillRef>
-      <a:effectRef idx="0">
-        <a:scrgbClr r="0" g="0" b="0"/>
-      </a:effectRef>
-      <a:fontRef idx="minor">
-        <a:schemeClr val="lt1"/>
-      </a:fontRef>
-    </dgm:style>
-  </dgm:styleLbl>
-  <dgm:styleLbl name="vennNode1">
-    <dgm:scene3d>
-      <a:camera prst="orthographicFront"/>
-      <a:lightRig rig="threePt" dir="t"/>
-    </dgm:scene3d>
-    <dgm:sp3d/>
-    <dgm:txPr/>
-    <dgm:style>
-      <a:lnRef idx="2">
-        <a:scrgbClr r="0" g="0" b="0"/>
-      </a:lnRef>
-      <a:fillRef idx="1">
-        <a:scrgbClr r="0" g="0" b="0"/>
-      </a:fillRef>
-      <a:effectRef idx="0">
-        <a:scrgbClr r="0" g="0" b="0"/>
-      </a:effectRef>
-      <a:fontRef idx="minor">
-        <a:schemeClr val="tx1"/>
-      </a:fontRef>
-    </dgm:style>
-  </dgm:styleLbl>
-  <dgm:styleLbl name="alignNode1">
-    <dgm:scene3d>
-      <a:camera prst="orthographicFront"/>
-      <a:lightRig rig="threePt" dir="t"/>
-    </dgm:scene3d>
-    <dgm:sp3d/>
-    <dgm:txPr/>
-    <dgm:style>
-      <a:lnRef idx="2">
-        <a:scrgbClr r="0" g="0" b="0"/>
-      </a:lnRef>
-      <a:fillRef idx="1">
-        <a:scrgbClr r="0" g="0" b="0"/>
-      </a:fillRef>
-      <a:effectRef idx="0">
-        <a:scrgbClr r="0" g="0" b="0"/>
-      </a:effectRef>
-      <a:fontRef idx="minor">
-        <a:schemeClr val="lt1"/>
-      </a:fontRef>
-    </dgm:style>
-  </dgm:styleLbl>
-  <dgm:styleLbl name="node1">
-    <dgm:scene3d>
-      <a:camera prst="orthographicFront"/>
-      <a:lightRig rig="threePt" dir="t"/>
-    </dgm:scene3d>
-    <dgm:sp3d/>
-    <dgm:txPr/>
-    <dgm:style>
-      <a:lnRef idx="2">
-        <a:scrgbClr r="0" g="0" b="0"/>
-      </a:lnRef>
-      <a:fillRef idx="1">
-        <a:scrgbClr r="0" g="0" b="0"/>
-      </a:fillRef>
-      <a:effectRef idx="0">
-        <a:scrgbClr r="0" g="0" b="0"/>
-      </a:effectRef>
-      <a:fontRef idx="minor">
-        <a:schemeClr val="lt1"/>
-      </a:fontRef>
-    </dgm:style>
-  </dgm:styleLbl>
-  <dgm:styleLbl name="node2">
-    <dgm:scene3d>
-      <a:camera prst="orthographicFront"/>
-      <a:lightRig rig="threePt" dir="t"/>
-    </dgm:scene3d>
-    <dgm:sp3d/>
-    <dgm:txPr/>
-    <dgm:style>
-      <a:lnRef idx="2">
-        <a:scrgbClr r="0" g="0" b="0"/>
-      </a:lnRef>
-      <a:fillRef idx="1">
-        <a:scrgbClr r="0" g="0" b="0"/>
-      </a:fillRef>
-      <a:effectRef idx="0">
-        <a:scrgbClr r="0" g="0" b="0"/>
-      </a:effectRef>
-      <a:fontRef idx="minor">
-        <a:schemeClr val="lt1"/>
-      </a:fontRef>
-    </dgm:style>
-  </dgm:styleLbl>
-  <dgm:styleLbl name="node3">
-    <dgm:scene3d>
-      <a:camera prst="orthographicFront"/>
-      <a:lightRig rig="threePt" dir="t"/>
-    </dgm:scene3d>
-    <dgm:sp3d/>
-    <dgm:txPr/>
-    <dgm:style>
-      <a:lnRef idx="2">
-        <a:scrgbClr r="0" g="0" b="0"/>
-      </a:lnRef>
-      <a:fillRef idx="1">
-        <a:scrgbClr r="0" g="0" b="0"/>
-      </a:fillRef>
-      <a:effectRef idx="0">
-        <a:scrgbClr r="0" g="0" b="0"/>
-      </a:effectRef>
-      <a:fontRef idx="minor">
-        <a:schemeClr val="lt1"/>
-      </a:fontRef>
-    </dgm:style>
-  </dgm:styleLbl>
-  <dgm:styleLbl name="node4">
-    <dgm:scene3d>
-      <a:camera prst="orthographicFront"/>
-      <a:lightRig rig="threePt" dir="t"/>
-    </dgm:scene3d>
-    <dgm:sp3d/>
-    <dgm:txPr/>
-    <dgm:style>
-      <a:lnRef idx="2">
-        <a:scrgbClr r="0" g="0" b="0"/>
-      </a:lnRef>
-      <a:fillRef idx="1">
-        <a:scrgbClr r="0" g="0" b="0"/>
-      </a:fillRef>
-      <a:effectRef idx="0">
-        <a:scrgbClr r="0" g="0" b="0"/>
-      </a:effectRef>
-      <a:fontRef idx="minor">
-        <a:schemeClr val="lt1"/>
-      </a:fontRef>
-    </dgm:style>
-  </dgm:styleLbl>
-  <dgm:styleLbl name="fgImgPlace1">
-    <dgm:scene3d>
-      <a:camera prst="orthographicFront"/>
-      <a:lightRig rig="threePt" dir="t"/>
-    </dgm:scene3d>
-    <dgm:sp3d/>
-    <dgm:txPr/>
-    <dgm:style>
-      <a:lnRef idx="2">
-        <a:scrgbClr r="0" g="0" b="0"/>
-      </a:lnRef>
-      <a:fillRef idx="1">
-        <a:scrgbClr r="0" g="0" b="0"/>
-      </a:fillRef>
-      <a:effectRef idx="0">
-        <a:scrgbClr r="0" g="0" b="0"/>
-      </a:effectRef>
-      <a:fontRef idx="minor"/>
-    </dgm:style>
-  </dgm:styleLbl>
-  <dgm:styleLbl name="alignImgPlace1">
-    <dgm:scene3d>
-      <a:camera prst="orthographicFront"/>
-      <a:lightRig rig="threePt" dir="t"/>
-    </dgm:scene3d>
-    <dgm:sp3d/>
-    <dgm:txPr/>
-    <dgm:style>
-      <a:lnRef idx="2">
-        <a:scrgbClr r="0" g="0" b="0"/>
-      </a:lnRef>
-      <a:fillRef idx="1">
-        <a:scrgbClr r="0" g="0" b="0"/>
-      </a:fillRef>
-      <a:effectRef idx="0">
-        <a:scrgbClr r="0" g="0" b="0"/>
-      </a:effectRef>
-      <a:fontRef idx="minor"/>
-    </dgm:style>
-  </dgm:styleLbl>
-  <dgm:styleLbl name="bgImgPlace1">
-    <dgm:scene3d>
-      <a:camera prst="orthographicFront"/>
-      <a:lightRig rig="threePt" dir="t"/>
-    </dgm:scene3d>
-    <dgm:sp3d/>
-    <dgm:txPr/>
-    <dgm:style>
-      <a:lnRef idx="2">
-        <a:scrgbClr r="0" g="0" b="0"/>
-      </a:lnRef>
-      <a:fillRef idx="1">
-        <a:scrgbClr r="0" g="0" b="0"/>
-      </a:fillRef>
-      <a:effectRef idx="0">
-        <a:scrgbClr r="0" g="0" b="0"/>
-      </a:effectRef>
-      <a:fontRef idx="minor"/>
-    </dgm:style>
-  </dgm:styleLbl>
-  <dgm:styleLbl name="sibTrans2D1">
-    <dgm:scene3d>
-      <a:camera prst="orthographicFront"/>
-      <a:lightRig rig="threePt" dir="t"/>
-    </dgm:scene3d>
-    <dgm:sp3d/>
-    <dgm:txPr/>
-    <dgm:style>
-      <a:lnRef idx="0">
-        <a:scrgbClr r="0" g="0" b="0"/>
-      </a:lnRef>
-      <a:fillRef idx="1">
-        <a:scrgbClr r="0" g="0" b="0"/>
-      </a:fillRef>
-      <a:effectRef idx="0">
-        <a:scrgbClr r="0" g="0" b="0"/>
-      </a:effectRef>
-      <a:fontRef idx="minor">
-        <a:schemeClr val="lt1"/>
-      </a:fontRef>
-    </dgm:style>
-  </dgm:styleLbl>
-  <dgm:styleLbl name="fgSibTrans2D1">
-    <dgm:scene3d>
-      <a:camera prst="orthographicFront"/>
-      <a:lightRig rig="threePt" dir="t"/>
-    </dgm:scene3d>
-    <dgm:sp3d/>
-    <dgm:txPr/>
-    <dgm:style>
-      <a:lnRef idx="0">
-        <a:scrgbClr r="0" g="0" b="0"/>
-      </a:lnRef>
-      <a:fillRef idx="1">
-        <a:scrgbClr r="0" g="0" b="0"/>
-      </a:fillRef>
-      <a:effectRef idx="0">
-        <a:scrgbClr r="0" g="0" b="0"/>
-      </a:effectRef>
-      <a:fontRef idx="minor">
-        <a:schemeClr val="lt1"/>
-      </a:fontRef>
-    </dgm:style>
-  </dgm:styleLbl>
-  <dgm:styleLbl name="bgSibTrans2D1">
-    <dgm:scene3d>
-      <a:camera prst="orthographicFront"/>
-      <a:lightRig rig="threePt" dir="t"/>
-    </dgm:scene3d>
-    <dgm:sp3d/>
-    <dgm:txPr/>
-    <dgm:style>
-      <a:lnRef idx="0">
-        <a:scrgbClr r="0" g="0" b="0"/>
-      </a:lnRef>
-      <a:fillRef idx="1">
-        <a:scrgbClr r="0" g="0" b="0"/>
-      </a:fillRef>
-      <a:effectRef idx="0">
-        <a:scrgbClr r="0" g="0" b="0"/>
-      </a:effectRef>
-      <a:fontRef idx="minor">
-        <a:schemeClr val="lt1"/>
-      </a:fontRef>
-    </dgm:style>
-  </dgm:styleLbl>
-  <dgm:styleLbl name="sibTrans1D1">
-    <dgm:scene3d>
-      <a:camera prst="orthographicFront"/>
-      <a:lightRig rig="threePt" dir="t"/>
-    </dgm:scene3d>
-    <dgm:sp3d/>
-    <dgm:txPr/>
-    <dgm:style>
-      <a:lnRef idx="1">
-        <a:scrgbClr r="0" g="0" b="0"/>
-      </a:lnRef>
-      <a:fillRef idx="0">
-        <a:scrgbClr r="0" g="0" b="0"/>
-      </a:fillRef>
-      <a:effectRef idx="0">
-        <a:scrgbClr r="0" g="0" b="0"/>
-      </a:effectRef>
-      <a:fontRef idx="minor"/>
-    </dgm:style>
-  </dgm:styleLbl>
-  <dgm:styleLbl name="callout">
-    <dgm:scene3d>
-      <a:camera prst="orthographicFront"/>
-      <a:lightRig rig="threePt" dir="t"/>
-    </dgm:scene3d>
-    <dgm:sp3d/>
-    <dgm:txPr/>
-    <dgm:style>
-      <a:lnRef idx="2">
-        <a:scrgbClr r="0" g="0" b="0"/>
-      </a:lnRef>
-      <a:fillRef idx="1">
-        <a:scrgbClr r="0" g="0" b="0"/>
-      </a:fillRef>
-      <a:effectRef idx="0">
-        <a:scrgbClr r="0" g="0" b="0"/>
-      </a:effectRef>
-      <a:fontRef idx="minor"/>
-    </dgm:style>
-  </dgm:styleLbl>
-  <dgm:styleLbl name="asst0">
-    <dgm:scene3d>
-      <a:camera prst="orthographicFront"/>
-      <a:lightRig rig="threePt" dir="t"/>
-    </dgm:scene3d>
-    <dgm:sp3d/>
-    <dgm:txPr/>
-    <dgm:style>
-      <a:lnRef idx="2">
-        <a:scrgbClr r="0" g="0" b="0"/>
-      </a:lnRef>
-      <a:fillRef idx="1">
-        <a:scrgbClr r="0" g="0" b="0"/>
-      </a:fillRef>
-      <a:effectRef idx="0">
-        <a:scrgbClr r="0" g="0" b="0"/>
-      </a:effectRef>
-      <a:fontRef idx="minor">
-        <a:schemeClr val="lt1"/>
-      </a:fontRef>
-    </dgm:style>
-  </dgm:styleLbl>
-  <dgm:styleLbl name="asst1">
-    <dgm:scene3d>
-      <a:camera prst="orthographicFront"/>
-      <a:lightRig rig="threePt" dir="t"/>
-    </dgm:scene3d>
-    <dgm:sp3d/>
-    <dgm:txPr/>
-    <dgm:style>
-      <a:lnRef idx="2">
-        <a:scrgbClr r="0" g="0" b="0"/>
-      </a:lnRef>
-      <a:fillRef idx="1">
-        <a:scrgbClr r="0" g="0" b="0"/>
-      </a:fillRef>
-      <a:effectRef idx="0">
-        <a:scrgbClr r="0" g="0" b="0"/>
-      </a:effectRef>
-      <a:fontRef idx="minor">
-        <a:schemeClr val="lt1"/>
-      </a:fontRef>
-    </dgm:style>
-  </dgm:styleLbl>
-  <dgm:styleLbl name="asst2">
-    <dgm:scene3d>
-      <a:camera prst="orthographicFront"/>
-      <a:lightRig rig="threePt" dir="t"/>
-    </dgm:scene3d>
-    <dgm:sp3d/>
-    <dgm:txPr/>
-    <dgm:style>
-      <a:lnRef idx="2">
-        <a:scrgbClr r="0" g="0" b="0"/>
-      </a:lnRef>
-      <a:fillRef idx="1">
-        <a:scrgbClr r="0" g="0" b="0"/>
-      </a:fillRef>
-      <a:effectRef idx="0">
-        <a:scrgbClr r="0" g="0" b="0"/>
-      </a:effectRef>
-      <a:fontRef idx="minor">
-        <a:schemeClr val="lt1"/>
-      </a:fontRef>
-    </dgm:style>
-  </dgm:styleLbl>
-  <dgm:styleLbl name="asst3">
-    <dgm:scene3d>
-      <a:camera prst="orthographicFront"/>
-      <a:lightRig rig="threePt" dir="t"/>
-    </dgm:scene3d>
-    <dgm:sp3d/>
-    <dgm:txPr/>
-    <dgm:style>
-      <a:lnRef idx="2">
-        <a:scrgbClr r="0" g="0" b="0"/>
-      </a:lnRef>
-      <a:fillRef idx="1">
-        <a:scrgbClr r="0" g="0" b="0"/>
-      </a:fillRef>
-      <a:effectRef idx="0">
-        <a:scrgbClr r="0" g="0" b="0"/>
-      </a:effectRef>
-      <a:fontRef idx="minor">
-        <a:schemeClr val="lt1"/>
-      </a:fontRef>
-    </dgm:style>
-  </dgm:styleLbl>
-  <dgm:styleLbl name="asst4">
-    <dgm:scene3d>
-      <a:camera prst="orthographicFront"/>
-      <a:lightRig rig="threePt" dir="t"/>
-    </dgm:scene3d>
-    <dgm:sp3d/>
-    <dgm:txPr/>
-    <dgm:style>
-      <a:lnRef idx="2">
-        <a:scrgbClr r="0" g="0" b="0"/>
-      </a:lnRef>
-      <a:fillRef idx="1">
-        <a:scrgbClr r="0" g="0" b="0"/>
-      </a:fillRef>
-      <a:effectRef idx="0">
-        <a:scrgbClr r="0" g="0" b="0"/>
-      </a:effectRef>
-      <a:fontRef idx="minor">
-        <a:schemeClr val="lt1"/>
-      </a:fontRef>
-    </dgm:style>
-  </dgm:styleLbl>
-  <dgm:styleLbl name="parChTrans2D1">
-    <dgm:scene3d>
-      <a:camera prst="orthographicFront"/>
-      <a:lightRig rig="threePt" dir="t"/>
-    </dgm:scene3d>
-    <dgm:sp3d/>
-    <dgm:txPr/>
-    <dgm:style>
-      <a:lnRef idx="2">
-        <a:scrgbClr r="0" g="0" b="0"/>
-      </a:lnRef>
-      <a:fillRef idx="1">
-        <a:scrgbClr r="0" g="0" b="0"/>
-      </a:fillRef>
-      <a:effectRef idx="0">
-        <a:scrgbClr r="0" g="0" b="0"/>
-      </a:effectRef>
-      <a:fontRef idx="minor">
-        <a:schemeClr val="lt1"/>
-      </a:fontRef>
-    </dgm:style>
-  </dgm:styleLbl>
-  <dgm:styleLbl name="parChTrans2D2">
-    <dgm:scene3d>
-      <a:camera prst="orthographicFront"/>
-      <a:lightRig rig="threePt" dir="t"/>
-    </dgm:scene3d>
-    <dgm:sp3d/>
-    <dgm:txPr/>
-    <dgm:style>
-      <a:lnRef idx="2">
-        <a:scrgbClr r="0" g="0" b="0"/>
-      </a:lnRef>
-      <a:fillRef idx="1">
-        <a:scrgbClr r="0" g="0" b="0"/>
-      </a:fillRef>
-      <a:effectRef idx="0">
-        <a:scrgbClr r="0" g="0" b="0"/>
-      </a:effectRef>
-      <a:fontRef idx="minor">
-        <a:schemeClr val="lt1"/>
-      </a:fontRef>
-    </dgm:style>
-  </dgm:styleLbl>
-  <dgm:styleLbl name="parChTrans2D3">
-    <dgm:scene3d>
-      <a:camera prst="orthographicFront"/>
-      <a:lightRig rig="threePt" dir="t"/>
-    </dgm:scene3d>
-    <dgm:sp3d/>
-    <dgm:txPr/>
-    <dgm:style>
-      <a:lnRef idx="2">
-        <a:scrgbClr r="0" g="0" b="0"/>
-      </a:lnRef>
-      <a:fillRef idx="1">
-        <a:scrgbClr r="0" g="0" b="0"/>
-      </a:fillRef>
-      <a:effectRef idx="0">
-        <a:scrgbClr r="0" g="0" b="0"/>
-      </a:effectRef>
-      <a:fontRef idx="minor">
-        <a:schemeClr val="lt1"/>
-      </a:fontRef>
-    </dgm:style>
-  </dgm:styleLbl>
-  <dgm:styleLbl name="parChTrans2D4">
-    <dgm:scene3d>
-      <a:camera prst="orthographicFront"/>
-      <a:lightRig rig="threePt" dir="t"/>
-    </dgm:scene3d>
-    <dgm:sp3d/>
-    <dgm:txPr/>
-    <dgm:style>
-      <a:lnRef idx="2">
-        <a:scrgbClr r="0" g="0" b="0"/>
-      </a:lnRef>
-      <a:fillRef idx="1">
-        <a:scrgbClr r="0" g="0" b="0"/>
-      </a:fillRef>
-      <a:effectRef idx="0">
-        <a:scrgbClr r="0" g="0" b="0"/>
-      </a:effectRef>
-      <a:fontRef idx="minor">
-        <a:schemeClr val="lt1"/>
-      </a:fontRef>
-    </dgm:style>
-  </dgm:styleLbl>
-  <dgm:styleLbl name="parChTrans1D1">
-    <dgm:scene3d>
-      <a:camera prst="orthographicFront"/>
-      <a:lightRig rig="threePt" dir="t"/>
-    </dgm:scene3d>
-    <dgm:sp3d/>
-    <dgm:txPr/>
-    <dgm:style>
-      <a:lnRef idx="2">
-        <a:scrgbClr r="0" g="0" b="0"/>
-      </a:lnRef>
-      <a:fillRef idx="0">
-        <a:scrgbClr r="0" g="0" b="0"/>
-      </a:fillRef>
-      <a:effectRef idx="0">
-        <a:scrgbClr r="0" g="0" b="0"/>
-      </a:effectRef>
-      <a:fontRef idx="minor"/>
-    </dgm:style>
-  </dgm:styleLbl>
-  <dgm:styleLbl name="parChTrans1D2">
-    <dgm:scene3d>
-      <a:camera prst="orthographicFront"/>
-      <a:lightRig rig="threePt" dir="t"/>
-    </dgm:scene3d>
-    <dgm:sp3d/>
-    <dgm:txPr/>
-    <dgm:style>
-      <a:lnRef idx="2">
-        <a:scrgbClr r="0" g="0" b="0"/>
-      </a:lnRef>
-      <a:fillRef idx="0">
-        <a:scrgbClr r="0" g="0" b="0"/>
-      </a:fillRef>
-      <a:effectRef idx="0">
-        <a:scrgbClr r="0" g="0" b="0"/>
-      </a:effectRef>
-      <a:fontRef idx="minor"/>
-    </dgm:style>
-  </dgm:styleLbl>
-  <dgm:styleLbl name="parChTrans1D3">
-    <dgm:scene3d>
-      <a:camera prst="orthographicFront"/>
-      <a:lightRig rig="threePt" dir="t"/>
-    </dgm:scene3d>
-    <dgm:sp3d/>
-    <dgm:txPr/>
-    <dgm:style>
-      <a:lnRef idx="2">
-        <a:scrgbClr r="0" g="0" b="0"/>
-      </a:lnRef>
-      <a:fillRef idx="0">
-        <a:scrgbClr r="0" g="0" b="0"/>
-      </a:fillRef>
-      <a:effectRef idx="0">
-        <a:scrgbClr r="0" g="0" b="0"/>
-      </a:effectRef>
-      <a:fontRef idx="minor"/>
-    </dgm:style>
-  </dgm:styleLbl>
-  <dgm:styleLbl name="parChTrans1D4">
-    <dgm:scene3d>
-      <a:camera prst="orthographicFront"/>
-      <a:lightRig rig="threePt" dir="t"/>
-    </dgm:scene3d>
-    <dgm:sp3d/>
-    <dgm:txPr/>
-    <dgm:style>
-      <a:lnRef idx="2">
-        <a:scrgbClr r="0" g="0" b="0"/>
-      </a:lnRef>
-      <a:fillRef idx="0">
-        <a:scrgbClr r="0" g="0" b="0"/>
-      </a:fillRef>
-      <a:effectRef idx="0">
-        <a:scrgbClr r="0" g="0" b="0"/>
-      </a:effectRef>
-      <a:fontRef idx="minor"/>
-    </dgm:style>
-  </dgm:styleLbl>
-  <dgm:styleLbl name="fgAcc1">
-    <dgm:scene3d>
-      <a:camera prst="orthographicFront"/>
-      <a:lightRig rig="threePt" dir="t"/>
-    </dgm:scene3d>
-    <dgm:sp3d/>
-    <dgm:txPr/>
-    <dgm:style>
-      <a:lnRef idx="2">
-        <a:scrgbClr r="0" g="0" b="0"/>
-      </a:lnRef>
-      <a:fillRef idx="1">
-        <a:scrgbClr r="0" g="0" b="0"/>
-      </a:fillRef>
-      <a:effectRef idx="0">
-        <a:scrgbClr r="0" g="0" b="0"/>
-      </a:effectRef>
-      <a:fontRef idx="minor"/>
-    </dgm:style>
-  </dgm:styleLbl>
-  <dgm:styleLbl name="conFgAcc1">
-    <dgm:scene3d>
-      <a:camera prst="orthographicFront"/>
-      <a:lightRig rig="threePt" dir="t"/>
-    </dgm:scene3d>
-    <dgm:sp3d/>
-    <dgm:txPr/>
-    <dgm:style>
-      <a:lnRef idx="2">
-        <a:scrgbClr r="0" g="0" b="0"/>
-      </a:lnRef>
-      <a:fillRef idx="1">
-        <a:scrgbClr r="0" g="0" b="0"/>
-      </a:fillRef>
-      <a:effectRef idx="0">
-        <a:scrgbClr r="0" g="0" b="0"/>
-      </a:effectRef>
-      <a:fontRef idx="minor"/>
-    </dgm:style>
-  </dgm:styleLbl>
-  <dgm:styleLbl name="alignAcc1">
-    <dgm:scene3d>
-      <a:camera prst="orthographicFront"/>
-      <a:lightRig rig="threePt" dir="t"/>
-    </dgm:scene3d>
-    <dgm:sp3d/>
-    <dgm:txPr/>
-    <dgm:style>
-      <a:lnRef idx="2">
-        <a:scrgbClr r="0" g="0" b="0"/>
-      </a:lnRef>
-      <a:fillRef idx="1">
-        <a:scrgbClr r="0" g="0" b="0"/>
-      </a:fillRef>
-      <a:effectRef idx="0">
-        <a:scrgbClr r="0" g="0" b="0"/>
-      </a:effectRef>
-      <a:fontRef idx="minor"/>
-    </dgm:style>
-  </dgm:styleLbl>
-  <dgm:styleLbl name="trAlignAcc1">
-    <dgm:scene3d>
-      <a:camera prst="orthographicFront"/>
-      <a:lightRig rig="threePt" dir="t"/>
-    </dgm:scene3d>
-    <dgm:sp3d/>
-    <dgm:txPr/>
-    <dgm:style>
-      <a:lnRef idx="1">
-        <a:scrgbClr r="0" g="0" b="0"/>
-      </a:lnRef>
-      <a:fillRef idx="1">
-        <a:scrgbClr r="0" g="0" b="0"/>
-      </a:fillRef>
-      <a:effectRef idx="0">
-        <a:scrgbClr r="0" g="0" b="0"/>
-      </a:effectRef>
-      <a:fontRef idx="minor"/>
-    </dgm:style>
-  </dgm:styleLbl>
-  <dgm:styleLbl name="bgAcc1">
-    <dgm:scene3d>
-      <a:camera prst="orthographicFront"/>
-      <a:lightRig rig="threePt" dir="t"/>
-    </dgm:scene3d>
-    <dgm:sp3d/>
-    <dgm:txPr/>
-    <dgm:style>
-      <a:lnRef idx="2">
-        <a:scrgbClr r="0" g="0" b="0"/>
-      </a:lnRef>
-      <a:fillRef idx="1">
-        <a:scrgbClr r="0" g="0" b="0"/>
-      </a:fillRef>
-      <a:effectRef idx="0">
-        <a:scrgbClr r="0" g="0" b="0"/>
-      </a:effectRef>
-      <a:fontRef idx="minor"/>
-    </dgm:style>
-  </dgm:styleLbl>
-  <dgm:styleLbl name="solidFgAcc1">
-    <dgm:scene3d>
-      <a:camera prst="orthographicFront"/>
-      <a:lightRig rig="threePt" dir="t"/>
-    </dgm:scene3d>
-    <dgm:sp3d/>
-    <dgm:txPr/>
-    <dgm:style>
-      <a:lnRef idx="2">
-        <a:scrgbClr r="0" g="0" b="0"/>
-      </a:lnRef>
-      <a:fillRef idx="1">
-        <a:scrgbClr r="0" g="0" b="0"/>
-      </a:fillRef>
-      <a:effectRef idx="0">
-        <a:scrgbClr r="0" g="0" b="0"/>
-      </a:effectRef>
-      <a:fontRef idx="minor"/>
-    </dgm:style>
-  </dgm:styleLbl>
-  <dgm:styleLbl name="solidAlignAcc1">
-    <dgm:scene3d>
-      <a:camera prst="orthographicFront"/>
-      <a:lightRig rig="threePt" dir="t"/>
-    </dgm:scene3d>
-    <dgm:sp3d/>
-    <dgm:txPr/>
-    <dgm:style>
-      <a:lnRef idx="2">
-        <a:scrgbClr r="0" g="0" b="0"/>
-      </a:lnRef>
-      <a:fillRef idx="1">
-        <a:scrgbClr r="0" g="0" b="0"/>
-      </a:fillRef>
-      <a:effectRef idx="0">
-        <a:scrgbClr r="0" g="0" b="0"/>
-      </a:effectRef>
-      <a:fontRef idx="minor"/>
-    </dgm:style>
-  </dgm:styleLbl>
-  <dgm:styleLbl name="solidBgAcc1">
-    <dgm:scene3d>
-      <a:camera prst="orthographicFront"/>
-      <a:lightRig rig="threePt" dir="t"/>
-    </dgm:scene3d>
-    <dgm:sp3d/>
-    <dgm:txPr/>
-    <dgm:style>
-      <a:lnRef idx="2">
-        <a:scrgbClr r="0" g="0" b="0"/>
-      </a:lnRef>
-      <a:fillRef idx="1">
-        <a:scrgbClr r="0" g="0" b="0"/>
-      </a:fillRef>
-      <a:effectRef idx="0">
-        <a:scrgbClr r="0" g="0" b="0"/>
-      </a:effectRef>
-      <a:fontRef idx="minor"/>
-    </dgm:style>
-  </dgm:styleLbl>
-  <dgm:styleLbl name="fgAccFollowNode1">
-    <dgm:scene3d>
-      <a:camera prst="orthographicFront"/>
-      <a:lightRig rig="threePt" dir="t"/>
-    </dgm:scene3d>
-    <dgm:sp3d/>
-    <dgm:txPr/>
-    <dgm:style>
-      <a:lnRef idx="2">
-        <a:scrgbClr r="0" g="0" b="0"/>
-      </a:lnRef>
-      <a:fillRef idx="1">
-        <a:scrgbClr r="0" g="0" b="0"/>
-      </a:fillRef>
-      <a:effectRef idx="0">
-        <a:scrgbClr r="0" g="0" b="0"/>
-      </a:effectRef>
-      <a:fontRef idx="minor"/>
-    </dgm:style>
-  </dgm:styleLbl>
-  <dgm:styleLbl name="alignAccFollowNode1">
-    <dgm:scene3d>
-      <a:camera prst="orthographicFront"/>
-      <a:lightRig rig="threePt" dir="t"/>
-    </dgm:scene3d>
-    <dgm:sp3d/>
-    <dgm:txPr/>
-    <dgm:style>
-      <a:lnRef idx="2">
-        <a:scrgbClr r="0" g="0" b="0"/>
-      </a:lnRef>
-      <a:fillRef idx="1">
-        <a:scrgbClr r="0" g="0" b="0"/>
-      </a:fillRef>
-      <a:effectRef idx="0">
-        <a:scrgbClr r="0" g="0" b="0"/>
-      </a:effectRef>
-      <a:fontRef idx="minor"/>
-    </dgm:style>
-  </dgm:styleLbl>
-  <dgm:styleLbl name="bgAccFollowNode1">
-    <dgm:scene3d>
-      <a:camera prst="orthographicFront"/>
-      <a:lightRig rig="threePt" dir="t"/>
-    </dgm:scene3d>
-    <dgm:sp3d/>
-    <dgm:txPr/>
-    <dgm:style>
-      <a:lnRef idx="2">
-        <a:scrgbClr r="0" g="0" b="0"/>
-      </a:lnRef>
-      <a:fillRef idx="1">
-        <a:scrgbClr r="0" g="0" b="0"/>
-      </a:fillRef>
-      <a:effectRef idx="0">
-        <a:scrgbClr r="0" g="0" b="0"/>
-      </a:effectRef>
-      <a:fontRef idx="minor"/>
-    </dgm:style>
-  </dgm:styleLbl>
-  <dgm:styleLbl name="fgAcc0">
-    <dgm:scene3d>
-      <a:camera prst="orthographicFront"/>
-      <a:lightRig rig="threePt" dir="t"/>
-    </dgm:scene3d>
-    <dgm:sp3d/>
-    <dgm:txPr/>
-    <dgm:style>
-      <a:lnRef idx="2">
-        <a:scrgbClr r="0" g="0" b="0"/>
-      </a:lnRef>
-      <a:fillRef idx="1">
-        <a:scrgbClr r="0" g="0" b="0"/>
-      </a:fillRef>
-      <a:effectRef idx="0">
-        <a:scrgbClr r="0" g="0" b="0"/>
-      </a:effectRef>
-      <a:fontRef idx="minor"/>
-    </dgm:style>
-  </dgm:styleLbl>
-  <dgm:styleLbl name="fgAcc2">
-    <dgm:scene3d>
-      <a:camera prst="orthographicFront"/>
-      <a:lightRig rig="threePt" dir="t"/>
-    </dgm:scene3d>
-    <dgm:sp3d/>
-    <dgm:txPr/>
-    <dgm:style>
-      <a:lnRef idx="2">
-        <a:scrgbClr r="0" g="0" b="0"/>
-      </a:lnRef>
-      <a:fillRef idx="1">
-        <a:scrgbClr r="0" g="0" b="0"/>
-      </a:fillRef>
-      <a:effectRef idx="0">
-        <a:scrgbClr r="0" g="0" b="0"/>
-      </a:effectRef>
-      <a:fontRef idx="minor"/>
-    </dgm:style>
-  </dgm:styleLbl>
-  <dgm:styleLbl name="fgAcc3">
-    <dgm:scene3d>
-      <a:camera prst="orthographicFront"/>
-      <a:lightRig rig="threePt" dir="t"/>
-    </dgm:scene3d>
-    <dgm:sp3d/>
-    <dgm:txPr/>
-    <dgm:style>
-      <a:lnRef idx="2">
-        <a:scrgbClr r="0" g="0" b="0"/>
-      </a:lnRef>
-      <a:fillRef idx="1">
-        <a:scrgbClr r="0" g="0" b="0"/>
-      </a:fillRef>
-      <a:effectRef idx="0">
-        <a:scrgbClr r="0" g="0" b="0"/>
-      </a:effectRef>
-      <a:fontRef idx="minor"/>
-    </dgm:style>
-  </dgm:styleLbl>
-  <dgm:styleLbl name="fgAcc4">
-    <dgm:scene3d>
-      <a:camera prst="orthographicFront"/>
-      <a:lightRig rig="threePt" dir="t"/>
-    </dgm:scene3d>
-    <dgm:sp3d/>
-    <dgm:txPr/>
-    <dgm:style>
-      <a:lnRef idx="2">
-        <a:scrgbClr r="0" g="0" b="0"/>
-      </a:lnRef>
-      <a:fillRef idx="1">
-        <a:scrgbClr r="0" g="0" b="0"/>
-      </a:fillRef>
-      <a:effectRef idx="0">
-        <a:scrgbClr r="0" g="0" b="0"/>
-      </a:effectRef>
-      <a:fontRef idx="minor"/>
-    </dgm:style>
-  </dgm:styleLbl>
-  <dgm:styleLbl name="bgShp">
-    <dgm:scene3d>
-      <a:camera prst="orthographicFront"/>
-      <a:lightRig rig="threePt" dir="t"/>
-    </dgm:scene3d>
-    <dgm:sp3d/>
-    <dgm:txPr/>
-    <dgm:style>
-      <a:lnRef idx="0">
-        <a:scrgbClr r="0" g="0" b="0"/>
-      </a:lnRef>
-      <a:fillRef idx="1">
-        <a:scrgbClr r="0" g="0" b="0"/>
-      </a:fillRef>
-      <a:effectRef idx="0">
-        <a:scrgbClr r="0" g="0" b="0"/>
-      </a:effectRef>
-      <a:fontRef idx="minor"/>
-    </dgm:style>
-  </dgm:styleLbl>
-  <dgm:styleLbl name="dkBgShp">
-    <dgm:scene3d>
-      <a:camera prst="orthographicFront"/>
-      <a:lightRig rig="threePt" dir="t"/>
-    </dgm:scene3d>
-    <dgm:sp3d/>
-    <dgm:txPr/>
-    <dgm:style>
-      <a:lnRef idx="0">
-        <a:scrgbClr r="0" g="0" b="0"/>
-      </a:lnRef>
-      <a:fillRef idx="1">
-        <a:scrgbClr r="0" g="0" b="0"/>
-      </a:fillRef>
-      <a:effectRef idx="0">
-        <a:scrgbClr r="0" g="0" b="0"/>
-      </a:effectRef>
-      <a:fontRef idx="minor"/>
-    </dgm:style>
-  </dgm:styleLbl>
-  <dgm:styleLbl name="trBgShp">
-    <dgm:scene3d>
-      <a:camera prst="orthographicFront"/>
-      <a:lightRig rig="threePt" dir="t"/>
-    </dgm:scene3d>
-    <dgm:sp3d/>
-    <dgm:txPr/>
-    <dgm:style>
-      <a:lnRef idx="0">
-        <a:scrgbClr r="0" g="0" b="0"/>
-      </a:lnRef>
-      <a:fillRef idx="1">
-        <a:scrgbClr r="0" g="0" b="0"/>
-      </a:fillRef>
-      <a:effectRef idx="0">
-        <a:scrgbClr r="0" g="0" b="0"/>
-      </a:effectRef>
-      <a:fontRef idx="minor"/>
-    </dgm:style>
-  </dgm:styleLbl>
-  <dgm:styleLbl name="fgShp">
-    <dgm:scene3d>
-      <a:camera prst="orthographicFront"/>
-      <a:lightRig rig="threePt" dir="t"/>
-    </dgm:scene3d>
-    <dgm:sp3d/>
-    <dgm:txPr/>
-    <dgm:style>
-      <a:lnRef idx="2">
-        <a:scrgbClr r="0" g="0" b="0"/>
-      </a:lnRef>
-      <a:fillRef idx="1">
-        <a:scrgbClr r="0" g="0" b="0"/>
-      </a:fillRef>
-      <a:effectRef idx="0">
-        <a:scrgbClr r="0" g="0" b="0"/>
-      </a:effectRef>
-      <a:fontRef idx="minor"/>
-    </dgm:style>
-  </dgm:styleLbl>
-  <dgm:styleLbl name="revTx">
-    <dgm:scene3d>
-      <a:camera prst="orthographicFront"/>
-      <a:lightRig rig="threePt" dir="t"/>
-    </dgm:scene3d>
-    <dgm:sp3d/>
-    <dgm:txPr/>
-    <dgm:style>
-      <a:lnRef idx="0">
-        <a:scrgbClr r="0" g="0" b="0"/>
-      </a:lnRef>
-      <a:fillRef idx="0">
-        <a:scrgbClr r="0" g="0" b="0"/>
-      </a:fillRef>
-      <a:effectRef idx="0">
-        <a:scrgbClr r="0" g="0" b="0"/>
-      </a:effectRef>
-      <a:fontRef idx="minor"/>
-    </dgm:style>
-  </dgm:styleLbl>
-</dgm:styleDef>
 </file>
 
 <file path=ppt/slideLayouts/slideLayout1.xml><?xml version="1.0" encoding="utf-8"?>
@@ -10257,177 +7741,6 @@
 </p:sld>
 </file>
 
-<file path=ppt/slides/slide10.xml><?xml version="1.0" encoding="utf-8"?>
-<p:sld xmlns:a="http://schemas.openxmlformats.org/drawingml/2006/main" xmlns:r="http://schemas.openxmlformats.org/officeDocument/2006/relationships" xmlns:p="http://schemas.openxmlformats.org/presentationml/2006/main">
-  <p:cSld>
-    <p:spTree>
-      <p:nvGrpSpPr>
-        <p:cNvPr id="1" name=""/>
-        <p:cNvGrpSpPr/>
-        <p:nvPr/>
-      </p:nvGrpSpPr>
-      <p:grpSpPr>
-        <a:xfrm>
-          <a:off x="0" y="0"/>
-          <a:ext cx="0" cy="0"/>
-          <a:chOff x="0" y="0"/>
-          <a:chExt cx="0" cy="0"/>
-        </a:xfrm>
-      </p:grpSpPr>
-      <p:sp>
-        <p:nvSpPr>
-          <p:cNvPr id="2" name="標題 1">
-            <a:extLst>
-              <a:ext uri="{FF2B5EF4-FFF2-40B4-BE49-F238E27FC236}">
-                <a16:creationId xmlns:a16="http://schemas.microsoft.com/office/drawing/2014/main" id="{C35C608C-784B-4B0E-8728-FC6EF91BC996}"/>
-              </a:ext>
-            </a:extLst>
-          </p:cNvPr>
-          <p:cNvSpPr>
-            <a:spLocks noGrp="1"/>
-          </p:cNvSpPr>
-          <p:nvPr>
-            <p:ph type="title"/>
-          </p:nvPr>
-        </p:nvSpPr>
-        <p:spPr/>
-        <p:txBody>
-          <a:bodyPr/>
-          <a:lstStyle/>
-          <a:p>
-            <a:pPr algn="ctr"/>
-            <a:r>
-              <a:rPr lang="zh-TW" altLang="en-US" dirty="0">
-                <a:solidFill>
-                  <a:schemeClr val="tx1"/>
-                </a:solidFill>
-              </a:rPr>
-              <a:t>參考文獻</a:t>
-            </a:r>
-          </a:p>
-        </p:txBody>
-      </p:sp>
-      <p:sp>
-        <p:nvSpPr>
-          <p:cNvPr id="3" name="內容版面配置區 2">
-            <a:extLst>
-              <a:ext uri="{FF2B5EF4-FFF2-40B4-BE49-F238E27FC236}">
-                <a16:creationId xmlns:a16="http://schemas.microsoft.com/office/drawing/2014/main" id="{DE5E4C15-3957-47E3-AE62-C3DDF5977B2B}"/>
-              </a:ext>
-            </a:extLst>
-          </p:cNvPr>
-          <p:cNvSpPr>
-            <a:spLocks noGrp="1"/>
-          </p:cNvSpPr>
-          <p:nvPr>
-            <p:ph idx="1"/>
-          </p:nvPr>
-        </p:nvSpPr>
-        <p:spPr/>
-        <p:txBody>
-          <a:bodyPr/>
-          <a:lstStyle/>
-          <a:p>
-            <a:endParaRPr lang="zh-TW" altLang="en-US"/>
-          </a:p>
-        </p:txBody>
-      </p:sp>
-    </p:spTree>
-    <p:extLst>
-      <p:ext uri="{BB962C8B-B14F-4D97-AF65-F5344CB8AC3E}">
-        <p14:creationId xmlns:p14="http://schemas.microsoft.com/office/powerpoint/2010/main" val="3370708471"/>
-      </p:ext>
-    </p:extLst>
-  </p:cSld>
-  <p:clrMapOvr>
-    <a:masterClrMapping/>
-  </p:clrMapOvr>
-</p:sld>
-</file>
-
-<file path=ppt/slides/slide11.xml><?xml version="1.0" encoding="utf-8"?>
-<p:sld xmlns:a="http://schemas.openxmlformats.org/drawingml/2006/main" xmlns:r="http://schemas.openxmlformats.org/officeDocument/2006/relationships" xmlns:p="http://schemas.openxmlformats.org/presentationml/2006/main">
-  <p:cSld>
-    <p:spTree>
-      <p:nvGrpSpPr>
-        <p:cNvPr id="1" name=""/>
-        <p:cNvGrpSpPr/>
-        <p:nvPr/>
-      </p:nvGrpSpPr>
-      <p:grpSpPr>
-        <a:xfrm>
-          <a:off x="0" y="0"/>
-          <a:ext cx="0" cy="0"/>
-          <a:chOff x="0" y="0"/>
-          <a:chExt cx="0" cy="0"/>
-        </a:xfrm>
-      </p:grpSpPr>
-      <p:sp>
-        <p:nvSpPr>
-          <p:cNvPr id="2" name="標題 1">
-            <a:extLst>
-              <a:ext uri="{FF2B5EF4-FFF2-40B4-BE49-F238E27FC236}">
-                <a16:creationId xmlns:a16="http://schemas.microsoft.com/office/drawing/2014/main" id="{14069461-CC19-42E6-9E3E-706E14367AB2}"/>
-              </a:ext>
-            </a:extLst>
-          </p:cNvPr>
-          <p:cNvSpPr>
-            <a:spLocks noGrp="1"/>
-          </p:cNvSpPr>
-          <p:nvPr>
-            <p:ph type="title"/>
-          </p:nvPr>
-        </p:nvSpPr>
-        <p:spPr/>
-        <p:txBody>
-          <a:bodyPr/>
-          <a:lstStyle/>
-          <a:p>
-            <a:r>
-              <a:rPr lang="zh-TW" altLang="en-US" dirty="0"/>
-              <a:t>提問環節</a:t>
-            </a:r>
-          </a:p>
-        </p:txBody>
-      </p:sp>
-      <p:sp>
-        <p:nvSpPr>
-          <p:cNvPr id="3" name="內容版面配置區 2">
-            <a:extLst>
-              <a:ext uri="{FF2B5EF4-FFF2-40B4-BE49-F238E27FC236}">
-                <a16:creationId xmlns:a16="http://schemas.microsoft.com/office/drawing/2014/main" id="{75E3D2E2-5B0B-4CDD-9516-CD2B42B5609F}"/>
-              </a:ext>
-            </a:extLst>
-          </p:cNvPr>
-          <p:cNvSpPr>
-            <a:spLocks noGrp="1"/>
-          </p:cNvSpPr>
-          <p:nvPr>
-            <p:ph idx="1"/>
-          </p:nvPr>
-        </p:nvSpPr>
-        <p:spPr/>
-        <p:txBody>
-          <a:bodyPr/>
-          <a:lstStyle/>
-          <a:p>
-            <a:endParaRPr lang="zh-TW" altLang="en-US" dirty="0"/>
-          </a:p>
-        </p:txBody>
-      </p:sp>
-    </p:spTree>
-    <p:extLst>
-      <p:ext uri="{BB962C8B-B14F-4D97-AF65-F5344CB8AC3E}">
-        <p14:creationId xmlns:p14="http://schemas.microsoft.com/office/powerpoint/2010/main" val="3451663621"/>
-      </p:ext>
-    </p:extLst>
-  </p:cSld>
-  <p:clrMapOvr>
-    <a:masterClrMapping/>
-  </p:clrMapOvr>
-</p:sld>
-</file>
-
 <file path=ppt/slides/slide2.xml><?xml version="1.0" encoding="utf-8"?>
 <p:sld xmlns:a="http://schemas.openxmlformats.org/drawingml/2006/main" xmlns:r="http://schemas.openxmlformats.org/officeDocument/2006/relationships" xmlns:p="http://schemas.openxmlformats.org/presentationml/2006/main">
   <p:cSld>
@@ -10450,7 +7763,7 @@
           <p:cNvPr id="2" name="標題 1">
             <a:extLst>
               <a:ext uri="{FF2B5EF4-FFF2-40B4-BE49-F238E27FC236}">
-                <a16:creationId xmlns:a16="http://schemas.microsoft.com/office/drawing/2014/main" id="{0990F1C9-0589-453B-9297-D54572485D96}"/>
+                <a16:creationId xmlns:a16="http://schemas.microsoft.com/office/drawing/2014/main" id="{5E72CE09-D82C-4A70-8081-9DE1F55F836A}"/>
               </a:ext>
             </a:extLst>
           </p:cNvPr>
@@ -10461,896 +7774,74 @@
             <p:ph type="title"/>
           </p:nvPr>
         </p:nvSpPr>
-        <p:spPr>
-          <a:xfrm>
-            <a:off x="1558407" y="449182"/>
-            <a:ext cx="8911687" cy="1280890"/>
-          </a:xfrm>
-        </p:spPr>
+        <p:spPr/>
         <p:txBody>
           <a:bodyPr/>
           <a:lstStyle/>
           <a:p>
-            <a:pPr algn="ctr"/>
-            <a:r>
-              <a:rPr lang="zh-TW" altLang="en-US" dirty="0">
-                <a:solidFill>
-                  <a:srgbClr val="FF0000"/>
-                </a:solidFill>
-              </a:rPr>
-              <a:t>目錄</a:t>
-            </a:r>
-          </a:p>
-        </p:txBody>
-      </p:sp>
-      <p:sp>
-        <p:nvSpPr>
-          <p:cNvPr id="4" name="內容版面配置區 2">
+            <a:r>
+              <a:rPr lang="zh-TW" altLang="en-US" dirty="0"/>
+              <a:t>計劃緣由與目的</a:t>
+            </a:r>
+          </a:p>
+        </p:txBody>
+      </p:sp>
+      <p:sp>
+        <p:nvSpPr>
+          <p:cNvPr id="3" name="內容版面配置區 2">
             <a:extLst>
               <a:ext uri="{FF2B5EF4-FFF2-40B4-BE49-F238E27FC236}">
-                <a16:creationId xmlns:a16="http://schemas.microsoft.com/office/drawing/2014/main" id="{746561B9-57D6-451A-A058-EF1D9A86CC2E}"/>
+                <a16:creationId xmlns:a16="http://schemas.microsoft.com/office/drawing/2014/main" id="{F970E2E5-4FDC-4518-A918-430EA81EEA57}"/>
               </a:ext>
             </a:extLst>
           </p:cNvPr>
-          <p:cNvSpPr txBox="1">
-            <a:spLocks/>
-          </p:cNvSpPr>
-          <p:nvPr/>
+          <p:cNvSpPr>
+            <a:spLocks noGrp="1"/>
+          </p:cNvSpPr>
+          <p:nvPr>
+            <p:ph idx="1"/>
+          </p:nvPr>
         </p:nvSpPr>
         <p:spPr>
           <a:xfrm>
-            <a:off x="1558407" y="1431533"/>
-            <a:ext cx="9740317" cy="5103812"/>
+            <a:off x="1849741" y="1831450"/>
+            <a:ext cx="8915400" cy="3777622"/>
           </a:xfrm>
-          <a:prstGeom prst="rect">
-            <a:avLst/>
-          </a:prstGeom>
         </p:spPr>
         <p:txBody>
-          <a:bodyPr vert="horz" lIns="91440" tIns="45720" rIns="91440" bIns="45720" rtlCol="0">
-            <a:normAutofit/>
-          </a:bodyPr>
-          <a:lstStyle>
-            <a:lvl1pPr marL="228600" indent="-228600" algn="l" defTabSz="914400" rtl="0" eaLnBrk="1" latinLnBrk="0" hangingPunct="1">
-              <a:lnSpc>
-                <a:spcPct val="90000"/>
-              </a:lnSpc>
-              <a:spcBef>
-                <a:spcPts val="1000"/>
-              </a:spcBef>
-              <a:buFont typeface="Arial" panose="020B0604020202020204" pitchFamily="34" charset="0"/>
-              <a:buChar char="•"/>
-              <a:defRPr sz="2800" kern="1200">
-                <a:solidFill>
-                  <a:schemeClr val="tx1"/>
-                </a:solidFill>
-                <a:latin typeface="+mn-lt"/>
-                <a:ea typeface="+mn-ea"/>
-                <a:cs typeface="+mn-cs"/>
-              </a:defRPr>
-            </a:lvl1pPr>
-            <a:lvl2pPr marL="685800" indent="-228600" algn="l" defTabSz="914400" rtl="0" eaLnBrk="1" latinLnBrk="0" hangingPunct="1">
-              <a:lnSpc>
-                <a:spcPct val="90000"/>
-              </a:lnSpc>
-              <a:spcBef>
-                <a:spcPts val="500"/>
-              </a:spcBef>
-              <a:buFont typeface="Arial" panose="020B0604020202020204" pitchFamily="34" charset="0"/>
-              <a:buChar char="•"/>
-              <a:defRPr sz="2400" kern="1200">
-                <a:solidFill>
-                  <a:schemeClr val="tx1"/>
-                </a:solidFill>
-                <a:latin typeface="+mn-lt"/>
-                <a:ea typeface="+mn-ea"/>
-                <a:cs typeface="+mn-cs"/>
-              </a:defRPr>
-            </a:lvl2pPr>
-            <a:lvl3pPr marL="1143000" indent="-228600" algn="l" defTabSz="914400" rtl="0" eaLnBrk="1" latinLnBrk="0" hangingPunct="1">
-              <a:lnSpc>
-                <a:spcPct val="90000"/>
-              </a:lnSpc>
-              <a:spcBef>
-                <a:spcPts val="500"/>
-              </a:spcBef>
-              <a:buFont typeface="Arial" panose="020B0604020202020204" pitchFamily="34" charset="0"/>
-              <a:buChar char="•"/>
-              <a:defRPr sz="2000" kern="1200">
-                <a:solidFill>
-                  <a:schemeClr val="tx1"/>
-                </a:solidFill>
-                <a:latin typeface="+mn-lt"/>
-                <a:ea typeface="+mn-ea"/>
-                <a:cs typeface="+mn-cs"/>
-              </a:defRPr>
-            </a:lvl3pPr>
-            <a:lvl4pPr marL="1600200" indent="-228600" algn="l" defTabSz="914400" rtl="0" eaLnBrk="1" latinLnBrk="0" hangingPunct="1">
-              <a:lnSpc>
-                <a:spcPct val="90000"/>
-              </a:lnSpc>
-              <a:spcBef>
-                <a:spcPts val="500"/>
-              </a:spcBef>
-              <a:buFont typeface="Arial" panose="020B0604020202020204" pitchFamily="34" charset="0"/>
-              <a:buChar char="•"/>
-              <a:defRPr sz="1800" kern="1200">
-                <a:solidFill>
-                  <a:schemeClr val="tx1"/>
-                </a:solidFill>
-                <a:latin typeface="+mn-lt"/>
-                <a:ea typeface="+mn-ea"/>
-                <a:cs typeface="+mn-cs"/>
-              </a:defRPr>
-            </a:lvl4pPr>
-            <a:lvl5pPr marL="2057400" indent="-228600" algn="l" defTabSz="914400" rtl="0" eaLnBrk="1" latinLnBrk="0" hangingPunct="1">
-              <a:lnSpc>
-                <a:spcPct val="90000"/>
-              </a:lnSpc>
-              <a:spcBef>
-                <a:spcPts val="500"/>
-              </a:spcBef>
-              <a:buFont typeface="Arial" panose="020B0604020202020204" pitchFamily="34" charset="0"/>
-              <a:buChar char="•"/>
-              <a:defRPr sz="1800" kern="1200">
-                <a:solidFill>
-                  <a:schemeClr val="tx1"/>
-                </a:solidFill>
-                <a:latin typeface="+mn-lt"/>
-                <a:ea typeface="+mn-ea"/>
-                <a:cs typeface="+mn-cs"/>
-              </a:defRPr>
-            </a:lvl5pPr>
-            <a:lvl6pPr marL="2514600" indent="-228600" algn="l" defTabSz="914400" rtl="0" eaLnBrk="1" latinLnBrk="0" hangingPunct="1">
-              <a:lnSpc>
-                <a:spcPct val="90000"/>
-              </a:lnSpc>
-              <a:spcBef>
-                <a:spcPts val="500"/>
-              </a:spcBef>
-              <a:buFont typeface="Arial" panose="020B0604020202020204" pitchFamily="34" charset="0"/>
-              <a:buChar char="•"/>
-              <a:defRPr sz="1800" kern="1200">
-                <a:solidFill>
-                  <a:schemeClr val="tx1"/>
-                </a:solidFill>
-                <a:latin typeface="+mn-lt"/>
-                <a:ea typeface="+mn-ea"/>
-                <a:cs typeface="+mn-cs"/>
-              </a:defRPr>
-            </a:lvl6pPr>
-            <a:lvl7pPr marL="2971800" indent="-228600" algn="l" defTabSz="914400" rtl="0" eaLnBrk="1" latinLnBrk="0" hangingPunct="1">
-              <a:lnSpc>
-                <a:spcPct val="90000"/>
-              </a:lnSpc>
-              <a:spcBef>
-                <a:spcPts val="500"/>
-              </a:spcBef>
-              <a:buFont typeface="Arial" panose="020B0604020202020204" pitchFamily="34" charset="0"/>
-              <a:buChar char="•"/>
-              <a:defRPr sz="1800" kern="1200">
-                <a:solidFill>
-                  <a:schemeClr val="tx1"/>
-                </a:solidFill>
-                <a:latin typeface="+mn-lt"/>
-                <a:ea typeface="+mn-ea"/>
-                <a:cs typeface="+mn-cs"/>
-              </a:defRPr>
-            </a:lvl7pPr>
-            <a:lvl8pPr marL="3429000" indent="-228600" algn="l" defTabSz="914400" rtl="0" eaLnBrk="1" latinLnBrk="0" hangingPunct="1">
-              <a:lnSpc>
-                <a:spcPct val="90000"/>
-              </a:lnSpc>
-              <a:spcBef>
-                <a:spcPts val="500"/>
-              </a:spcBef>
-              <a:buFont typeface="Arial" panose="020B0604020202020204" pitchFamily="34" charset="0"/>
-              <a:buChar char="•"/>
-              <a:defRPr sz="1800" kern="1200">
-                <a:solidFill>
-                  <a:schemeClr val="tx1"/>
-                </a:solidFill>
-                <a:latin typeface="+mn-lt"/>
-                <a:ea typeface="+mn-ea"/>
-                <a:cs typeface="+mn-cs"/>
-              </a:defRPr>
-            </a:lvl8pPr>
-            <a:lvl9pPr marL="3886200" indent="-228600" algn="l" defTabSz="914400" rtl="0" eaLnBrk="1" latinLnBrk="0" hangingPunct="1">
-              <a:lnSpc>
-                <a:spcPct val="90000"/>
-              </a:lnSpc>
-              <a:spcBef>
-                <a:spcPts val="500"/>
-              </a:spcBef>
-              <a:buFont typeface="Arial" panose="020B0604020202020204" pitchFamily="34" charset="0"/>
-              <a:buChar char="•"/>
-              <a:defRPr sz="1800" kern="1200">
-                <a:solidFill>
-                  <a:schemeClr val="tx1"/>
-                </a:solidFill>
-                <a:latin typeface="+mn-lt"/>
-                <a:ea typeface="+mn-ea"/>
-                <a:cs typeface="+mn-cs"/>
-              </a:defRPr>
-            </a:lvl9pPr>
-          </a:lstStyle>
-          <a:p>
-            <a:pPr marL="228600" marR="0" lvl="0" indent="-228600" algn="l" defTabSz="914400" rtl="0" eaLnBrk="1" fontAlgn="auto" latinLnBrk="0" hangingPunct="1">
-              <a:lnSpc>
-                <a:spcPct val="90000"/>
-              </a:lnSpc>
-              <a:spcBef>
-                <a:spcPts val="1000"/>
-              </a:spcBef>
-              <a:spcAft>
-                <a:spcPts val="0"/>
-              </a:spcAft>
-              <a:buClrTx/>
-              <a:buSzTx/>
-              <a:buFont typeface="Arial" panose="020B0604020202020204" pitchFamily="34" charset="0"/>
-              <a:buChar char="•"/>
-              <a:tabLst/>
-              <a:defRPr/>
-            </a:pPr>
-            <a:r>
-              <a:rPr kumimoji="0" lang="zh-TW" altLang="en-US" sz="2800" b="1" i="0" u="none" strike="noStrike" kern="1200" cap="none" spc="0" normalizeH="0" baseline="0" noProof="0" dirty="0">
-                <a:ln>
-                  <a:noFill/>
-                </a:ln>
-                <a:solidFill>
-                  <a:srgbClr val="FF0000"/>
-                </a:solidFill>
-                <a:effectLst/>
-                <a:uLnTx/>
-                <a:uFillTx/>
-                <a:latin typeface="華康粗明體" panose="02020709000000000000" pitchFamily="49" charset="-120"/>
-                <a:ea typeface="華康粗明體" panose="02020709000000000000" pitchFamily="49" charset="-120"/>
-                <a:cs typeface="+mn-cs"/>
-              </a:rPr>
-              <a:t>計劃緣由與目的</a:t>
-            </a:r>
-            <a:r>
-              <a:rPr kumimoji="0" lang="en-US" altLang="zh-TW" sz="2800" b="1" i="0" u="none" strike="noStrike" kern="1200" cap="none" spc="0" normalizeH="0" baseline="0" noProof="0" dirty="0">
-                <a:ln>
-                  <a:noFill/>
-                </a:ln>
-                <a:solidFill>
-                  <a:srgbClr val="FF0000"/>
-                </a:solidFill>
-                <a:effectLst/>
-                <a:uLnTx/>
-                <a:uFillTx/>
-                <a:latin typeface="華康粗明體" panose="02020709000000000000" pitchFamily="49" charset="-120"/>
-                <a:ea typeface="華康粗明體" panose="02020709000000000000" pitchFamily="49" charset="-120"/>
-                <a:cs typeface="+mn-cs"/>
-              </a:rPr>
-              <a:t>.....................................3</a:t>
-            </a:r>
-          </a:p>
-          <a:p>
-            <a:pPr marL="228600" marR="0" lvl="0" indent="-228600" algn="l" defTabSz="914400" rtl="0" eaLnBrk="1" fontAlgn="auto" latinLnBrk="0" hangingPunct="1">
-              <a:lnSpc>
-                <a:spcPct val="90000"/>
-              </a:lnSpc>
-              <a:spcBef>
-                <a:spcPts val="1000"/>
-              </a:spcBef>
-              <a:spcAft>
-                <a:spcPts val="0"/>
-              </a:spcAft>
-              <a:buClrTx/>
-              <a:buSzTx/>
-              <a:buFont typeface="Arial" panose="020B0604020202020204" pitchFamily="34" charset="0"/>
-              <a:buChar char="•"/>
-              <a:tabLst/>
-              <a:defRPr/>
-            </a:pPr>
-            <a:r>
-              <a:rPr kumimoji="0" lang="zh-TW" altLang="en-US" sz="2800" b="1" i="0" u="none" strike="noStrike" kern="1200" cap="none" spc="0" normalizeH="0" baseline="0" noProof="0" dirty="0">
-                <a:ln>
-                  <a:noFill/>
-                </a:ln>
-                <a:solidFill>
-                  <a:srgbClr val="FF0000"/>
-                </a:solidFill>
-                <a:effectLst/>
-                <a:uLnTx/>
-                <a:uFillTx/>
-                <a:latin typeface="華康粗明體" panose="02020709000000000000" pitchFamily="49" charset="-120"/>
-                <a:ea typeface="華康粗明體" panose="02020709000000000000" pitchFamily="49" charset="-120"/>
-                <a:cs typeface="+mn-cs"/>
-              </a:rPr>
-              <a:t>序言</a:t>
-            </a:r>
-            <a:r>
-              <a:rPr kumimoji="0" lang="en-US" altLang="zh-TW" sz="2800" b="1" i="0" u="none" strike="noStrike" kern="1200" cap="none" spc="0" normalizeH="0" baseline="0" noProof="0" dirty="0">
-                <a:ln>
-                  <a:noFill/>
-                </a:ln>
-                <a:solidFill>
-                  <a:srgbClr val="FF0000"/>
-                </a:solidFill>
-                <a:effectLst/>
-                <a:uLnTx/>
-                <a:uFillTx/>
-                <a:latin typeface="華康粗明體" panose="02020709000000000000" pitchFamily="49" charset="-120"/>
-                <a:ea typeface="華康粗明體" panose="02020709000000000000" pitchFamily="49" charset="-120"/>
-                <a:cs typeface="+mn-cs"/>
-              </a:rPr>
-              <a:t>...............................................4</a:t>
-            </a:r>
-          </a:p>
-          <a:p>
-            <a:pPr marL="228600" marR="0" lvl="0" indent="-228600" algn="l" defTabSz="914400" rtl="0" eaLnBrk="1" fontAlgn="auto" latinLnBrk="0" hangingPunct="1">
-              <a:lnSpc>
-                <a:spcPct val="90000"/>
-              </a:lnSpc>
-              <a:spcBef>
-                <a:spcPts val="1000"/>
-              </a:spcBef>
-              <a:spcAft>
-                <a:spcPts val="0"/>
-              </a:spcAft>
-              <a:buClrTx/>
-              <a:buSzTx/>
-              <a:buFont typeface="Arial" panose="020B0604020202020204" pitchFamily="34" charset="0"/>
-              <a:buChar char="•"/>
-              <a:tabLst/>
-              <a:defRPr/>
-            </a:pPr>
-            <a:r>
-              <a:rPr kumimoji="0" lang="zh-TW" altLang="en-US" sz="2800" b="1" i="0" u="none" strike="noStrike" kern="1200" cap="none" spc="0" normalizeH="0" baseline="0" noProof="0" dirty="0">
-                <a:ln>
-                  <a:noFill/>
-                </a:ln>
-                <a:solidFill>
-                  <a:srgbClr val="FF0000"/>
-                </a:solidFill>
-                <a:effectLst/>
-                <a:uLnTx/>
-                <a:uFillTx/>
-                <a:latin typeface="華康粗明體" panose="02020709000000000000" pitchFamily="49" charset="-120"/>
-                <a:ea typeface="華康粗明體" panose="02020709000000000000" pitchFamily="49" charset="-120"/>
-                <a:cs typeface="+mn-cs"/>
-              </a:rPr>
-              <a:t>基礎概念</a:t>
-            </a:r>
-            <a:r>
-              <a:rPr kumimoji="0" lang="en-US" altLang="zh-TW" sz="2800" b="1" i="0" u="none" strike="noStrike" kern="1200" cap="none" spc="0" normalizeH="0" baseline="0" noProof="0" dirty="0">
-                <a:ln>
-                  <a:noFill/>
-                </a:ln>
-                <a:solidFill>
-                  <a:srgbClr val="FF0000"/>
-                </a:solidFill>
-                <a:effectLst/>
-                <a:uLnTx/>
-                <a:uFillTx/>
-                <a:latin typeface="華康粗明體" panose="02020709000000000000" pitchFamily="49" charset="-120"/>
-                <a:ea typeface="華康粗明體" panose="02020709000000000000" pitchFamily="49" charset="-120"/>
-                <a:cs typeface="+mn-cs"/>
-              </a:rPr>
-              <a:t>.........................................5-6</a:t>
-            </a:r>
-          </a:p>
-          <a:p>
-            <a:pPr marL="228600" marR="0" lvl="0" indent="-228600" algn="l" defTabSz="914400" rtl="0" eaLnBrk="1" fontAlgn="auto" latinLnBrk="0" hangingPunct="1">
-              <a:lnSpc>
-                <a:spcPct val="90000"/>
-              </a:lnSpc>
-              <a:spcBef>
-                <a:spcPts val="1000"/>
-              </a:spcBef>
-              <a:spcAft>
-                <a:spcPts val="0"/>
-              </a:spcAft>
-              <a:buClrTx/>
-              <a:buSzTx/>
-              <a:buFont typeface="Arial" panose="020B0604020202020204" pitchFamily="34" charset="0"/>
-              <a:buChar char="•"/>
-              <a:tabLst/>
-              <a:defRPr/>
-            </a:pPr>
-            <a:r>
-              <a:rPr kumimoji="0" lang="zh-TW" altLang="en-US" sz="2800" b="1" i="0" u="none" strike="noStrike" kern="1200" cap="none" spc="0" normalizeH="0" baseline="0" noProof="0" dirty="0">
-                <a:ln>
-                  <a:noFill/>
-                </a:ln>
-                <a:solidFill>
-                  <a:srgbClr val="FF0000"/>
-                </a:solidFill>
-                <a:effectLst/>
-                <a:uLnTx/>
-                <a:uFillTx/>
-                <a:latin typeface="華康粗明體" panose="02020709000000000000" pitchFamily="49" charset="-120"/>
-                <a:ea typeface="華康粗明體" panose="02020709000000000000" pitchFamily="49" charset="-120"/>
-                <a:cs typeface="+mn-cs"/>
-              </a:rPr>
-              <a:t>系統方塊圖</a:t>
-            </a:r>
-            <a:r>
-              <a:rPr kumimoji="0" lang="en-US" altLang="zh-TW" sz="2800" b="1" i="0" u="none" strike="noStrike" kern="1200" cap="none" spc="0" normalizeH="0" baseline="0" noProof="0" dirty="0">
-                <a:ln>
-                  <a:noFill/>
-                </a:ln>
-                <a:solidFill>
-                  <a:srgbClr val="FF0000"/>
-                </a:solidFill>
-                <a:effectLst/>
-                <a:uLnTx/>
-                <a:uFillTx/>
-                <a:latin typeface="華康粗明體" panose="02020709000000000000" pitchFamily="49" charset="-120"/>
-                <a:ea typeface="華康粗明體" panose="02020709000000000000" pitchFamily="49" charset="-120"/>
-                <a:cs typeface="+mn-cs"/>
-              </a:rPr>
-              <a:t>.........................................7</a:t>
-            </a:r>
-          </a:p>
-          <a:p>
-            <a:pPr marL="228600" marR="0" lvl="0" indent="-228600" algn="l" defTabSz="914400" rtl="0" eaLnBrk="1" fontAlgn="auto" latinLnBrk="0" hangingPunct="1">
-              <a:lnSpc>
-                <a:spcPct val="90000"/>
-              </a:lnSpc>
-              <a:spcBef>
-                <a:spcPts val="1000"/>
-              </a:spcBef>
-              <a:spcAft>
-                <a:spcPts val="0"/>
-              </a:spcAft>
-              <a:buClrTx/>
-              <a:buSzTx/>
-              <a:buFont typeface="Arial" panose="020B0604020202020204" pitchFamily="34" charset="0"/>
-              <a:buChar char="•"/>
-              <a:tabLst/>
-              <a:defRPr/>
-            </a:pPr>
-            <a:r>
-              <a:rPr kumimoji="0" lang="zh-TW" altLang="en-US" sz="2800" b="1" i="0" u="none" strike="noStrike" kern="1200" cap="none" spc="0" normalizeH="0" baseline="0" noProof="0" dirty="0">
-                <a:ln>
-                  <a:noFill/>
-                </a:ln>
-                <a:solidFill>
-                  <a:srgbClr val="FF0000"/>
-                </a:solidFill>
-                <a:effectLst/>
-                <a:uLnTx/>
-                <a:uFillTx/>
-                <a:latin typeface="華康粗明體" panose="02020709000000000000" pitchFamily="49" charset="-120"/>
-                <a:ea typeface="華康粗明體" panose="02020709000000000000" pitchFamily="49" charset="-120"/>
-                <a:cs typeface="+mn-cs"/>
-              </a:rPr>
-              <a:t>原始功能</a:t>
-            </a:r>
-            <a:r>
-              <a:rPr kumimoji="0" lang="en-US" altLang="zh-TW" sz="2800" b="1" i="0" u="none" strike="noStrike" kern="1200" cap="none" spc="0" normalizeH="0" baseline="0" noProof="0" dirty="0">
-                <a:ln>
-                  <a:noFill/>
-                </a:ln>
-                <a:solidFill>
-                  <a:srgbClr val="FF0000"/>
-                </a:solidFill>
-                <a:effectLst/>
-                <a:uLnTx/>
-                <a:uFillTx/>
-                <a:latin typeface="華康粗明體" panose="02020709000000000000" pitchFamily="49" charset="-120"/>
-                <a:ea typeface="華康粗明體" panose="02020709000000000000" pitchFamily="49" charset="-120"/>
-                <a:cs typeface="+mn-cs"/>
-              </a:rPr>
-              <a:t>........................................8-10</a:t>
-            </a:r>
-            <a:endParaRPr kumimoji="0" lang="zh-TW" altLang="en-US" sz="2800" b="1" i="0" u="none" strike="noStrike" kern="1200" cap="none" spc="0" normalizeH="0" baseline="0" noProof="0" dirty="0">
-              <a:ln>
-                <a:noFill/>
-              </a:ln>
-              <a:solidFill>
-                <a:srgbClr val="FF0000"/>
-              </a:solidFill>
-              <a:effectLst/>
-              <a:uLnTx/>
-              <a:uFillTx/>
-              <a:latin typeface="華康粗明體" panose="02020709000000000000" pitchFamily="49" charset="-120"/>
-              <a:ea typeface="華康粗明體" panose="02020709000000000000" pitchFamily="49" charset="-120"/>
-              <a:cs typeface="+mn-cs"/>
-            </a:endParaRPr>
-          </a:p>
-          <a:p>
-            <a:pPr marL="228600" marR="0" lvl="0" indent="-228600" algn="l" defTabSz="914400" rtl="0" eaLnBrk="1" fontAlgn="auto" latinLnBrk="0" hangingPunct="1">
-              <a:lnSpc>
-                <a:spcPct val="90000"/>
-              </a:lnSpc>
-              <a:spcBef>
-                <a:spcPts val="1000"/>
-              </a:spcBef>
-              <a:spcAft>
-                <a:spcPts val="0"/>
-              </a:spcAft>
-              <a:buClrTx/>
-              <a:buSzTx/>
-              <a:buFont typeface="Arial" panose="020B0604020202020204" pitchFamily="34" charset="0"/>
-              <a:buChar char="•"/>
-              <a:tabLst/>
-              <a:defRPr/>
-            </a:pPr>
-            <a:r>
-              <a:rPr kumimoji="0" lang="zh-TW" altLang="en-US" sz="2800" b="1" i="0" u="none" strike="noStrike" kern="1200" cap="none" spc="0" normalizeH="0" baseline="0" noProof="0" dirty="0">
-                <a:ln>
-                  <a:noFill/>
-                </a:ln>
-                <a:solidFill>
-                  <a:srgbClr val="FF0000"/>
-                </a:solidFill>
-                <a:effectLst/>
-                <a:uLnTx/>
-                <a:uFillTx/>
-                <a:latin typeface="華康粗明體" panose="02020709000000000000" pitchFamily="49" charset="-120"/>
-                <a:ea typeface="華康粗明體" panose="02020709000000000000" pitchFamily="49" charset="-120"/>
-                <a:cs typeface="+mn-cs"/>
-              </a:rPr>
-              <a:t>挑戰與解法</a:t>
-            </a:r>
-            <a:r>
-              <a:rPr kumimoji="0" lang="en-US" altLang="zh-TW" sz="2800" b="1" i="0" u="none" strike="noStrike" kern="1200" cap="none" spc="0" normalizeH="0" baseline="0" noProof="0" dirty="0">
-                <a:ln>
-                  <a:noFill/>
-                </a:ln>
-                <a:solidFill>
-                  <a:srgbClr val="FF0000"/>
-                </a:solidFill>
-                <a:effectLst/>
-                <a:uLnTx/>
-                <a:uFillTx/>
-                <a:latin typeface="華康粗明體" panose="02020709000000000000" pitchFamily="49" charset="-120"/>
-                <a:ea typeface="華康粗明體" panose="02020709000000000000" pitchFamily="49" charset="-120"/>
-                <a:cs typeface="+mn-cs"/>
-              </a:rPr>
-              <a:t>.....................................11-12</a:t>
-            </a:r>
-          </a:p>
-          <a:p>
-            <a:pPr marL="228600" marR="0" lvl="0" indent="-228600" algn="l" defTabSz="914400" rtl="0" eaLnBrk="1" fontAlgn="auto" latinLnBrk="0" hangingPunct="1">
-              <a:lnSpc>
-                <a:spcPct val="90000"/>
-              </a:lnSpc>
-              <a:spcBef>
-                <a:spcPts val="1000"/>
-              </a:spcBef>
-              <a:spcAft>
-                <a:spcPts val="0"/>
-              </a:spcAft>
-              <a:buClrTx/>
-              <a:buSzTx/>
-              <a:buFont typeface="Arial" panose="020B0604020202020204" pitchFamily="34" charset="0"/>
-              <a:buChar char="•"/>
-              <a:tabLst/>
-              <a:defRPr/>
-            </a:pPr>
-            <a:r>
-              <a:rPr kumimoji="0" lang="zh-TW" altLang="en-US" sz="2800" b="1" i="0" u="none" strike="noStrike" kern="1200" cap="none" spc="0" normalizeH="0" baseline="0" noProof="0" dirty="0">
-                <a:ln>
-                  <a:noFill/>
-                </a:ln>
-                <a:solidFill>
-                  <a:srgbClr val="FF0000"/>
-                </a:solidFill>
-                <a:effectLst/>
-                <a:uLnTx/>
-                <a:uFillTx/>
-                <a:latin typeface="華康粗明體" panose="02020709000000000000" pitchFamily="49" charset="-120"/>
-                <a:ea typeface="華康粗明體" panose="02020709000000000000" pitchFamily="49" charset="-120"/>
-                <a:cs typeface="+mn-cs"/>
-              </a:rPr>
-              <a:t>結論與貢獻</a:t>
-            </a:r>
-            <a:r>
-              <a:rPr kumimoji="0" lang="en-US" altLang="zh-TW" sz="2800" b="1" i="0" u="none" strike="noStrike" kern="1200" cap="none" spc="0" normalizeH="0" baseline="0" noProof="0" dirty="0">
-                <a:ln>
-                  <a:noFill/>
-                </a:ln>
-                <a:solidFill>
-                  <a:srgbClr val="FF0000"/>
-                </a:solidFill>
-                <a:effectLst/>
-                <a:uLnTx/>
-                <a:uFillTx/>
-                <a:latin typeface="華康粗明體" panose="02020709000000000000" pitchFamily="49" charset="-120"/>
-                <a:ea typeface="華康粗明體" panose="02020709000000000000" pitchFamily="49" charset="-120"/>
-                <a:cs typeface="+mn-cs"/>
-              </a:rPr>
-              <a:t>........................................13</a:t>
-            </a:r>
-          </a:p>
-          <a:p>
-            <a:pPr marL="228600" marR="0" lvl="0" indent="-228600" algn="l" defTabSz="914400" rtl="0" eaLnBrk="1" fontAlgn="auto" latinLnBrk="0" hangingPunct="1">
-              <a:lnSpc>
-                <a:spcPct val="90000"/>
-              </a:lnSpc>
-              <a:spcBef>
-                <a:spcPts val="1000"/>
-              </a:spcBef>
-              <a:spcAft>
-                <a:spcPts val="0"/>
-              </a:spcAft>
-              <a:buClrTx/>
-              <a:buSzTx/>
-              <a:buFont typeface="Arial" panose="020B0604020202020204" pitchFamily="34" charset="0"/>
-              <a:buChar char="•"/>
-              <a:tabLst/>
-              <a:defRPr/>
-            </a:pPr>
-            <a:r>
-              <a:rPr kumimoji="0" lang="zh-TW" altLang="en-US" sz="2800" b="1" i="0" u="none" strike="noStrike" kern="1200" cap="none" spc="0" normalizeH="0" baseline="0" noProof="0" dirty="0">
-                <a:ln>
-                  <a:noFill/>
-                </a:ln>
-                <a:solidFill>
-                  <a:srgbClr val="FF0000"/>
-                </a:solidFill>
-                <a:effectLst/>
-                <a:uLnTx/>
-                <a:uFillTx/>
-                <a:latin typeface="華康粗明體" panose="02020709000000000000" pitchFamily="49" charset="-120"/>
-                <a:ea typeface="華康粗明體" panose="02020709000000000000" pitchFamily="49" charset="-120"/>
-                <a:cs typeface="+mn-cs"/>
-              </a:rPr>
-              <a:t>工作分配</a:t>
-            </a:r>
-            <a:r>
-              <a:rPr kumimoji="0" lang="en-US" altLang="zh-TW" sz="2800" b="1" i="0" u="none" strike="noStrike" kern="1200" cap="none" spc="0" normalizeH="0" baseline="0" noProof="0" dirty="0">
-                <a:ln>
-                  <a:noFill/>
-                </a:ln>
-                <a:solidFill>
-                  <a:srgbClr val="FF0000"/>
-                </a:solidFill>
-                <a:effectLst/>
-                <a:uLnTx/>
-                <a:uFillTx/>
-                <a:latin typeface="華康粗明體" panose="02020709000000000000" pitchFamily="49" charset="-120"/>
-                <a:ea typeface="華康粗明體" panose="02020709000000000000" pitchFamily="49" charset="-120"/>
-                <a:cs typeface="+mn-cs"/>
-              </a:rPr>
-              <a:t>..........................................14</a:t>
-            </a:r>
-            <a:endParaRPr kumimoji="0" lang="zh-TW" altLang="en-US" sz="2800" b="1" i="0" u="none" strike="noStrike" kern="1200" cap="none" spc="0" normalizeH="0" baseline="0" noProof="0" dirty="0">
-              <a:ln>
-                <a:noFill/>
-              </a:ln>
-              <a:solidFill>
-                <a:srgbClr val="FF0000"/>
-              </a:solidFill>
-              <a:effectLst/>
-              <a:uLnTx/>
-              <a:uFillTx/>
-              <a:latin typeface="華康粗明體" panose="02020709000000000000" pitchFamily="49" charset="-120"/>
-              <a:ea typeface="華康粗明體" panose="02020709000000000000" pitchFamily="49" charset="-120"/>
-              <a:cs typeface="+mn-cs"/>
-            </a:endParaRPr>
-          </a:p>
-          <a:p>
-            <a:pPr marL="228600" marR="0" lvl="0" indent="-228600" algn="l" defTabSz="914400" rtl="0" eaLnBrk="1" fontAlgn="auto" latinLnBrk="0" hangingPunct="1">
-              <a:lnSpc>
-                <a:spcPct val="90000"/>
-              </a:lnSpc>
-              <a:spcBef>
-                <a:spcPts val="1000"/>
-              </a:spcBef>
-              <a:spcAft>
-                <a:spcPts val="0"/>
-              </a:spcAft>
-              <a:buClrTx/>
-              <a:buSzTx/>
-              <a:buFont typeface="Arial" panose="020B0604020202020204" pitchFamily="34" charset="0"/>
-              <a:buChar char="•"/>
-              <a:tabLst/>
-              <a:defRPr/>
-            </a:pPr>
-            <a:r>
-              <a:rPr kumimoji="0" lang="zh-TW" altLang="en-US" sz="2800" b="1" i="0" u="none" strike="noStrike" kern="1200" cap="none" spc="0" normalizeH="0" baseline="0" noProof="0" dirty="0">
-                <a:ln>
-                  <a:noFill/>
-                </a:ln>
-                <a:solidFill>
-                  <a:srgbClr val="FF0000"/>
-                </a:solidFill>
-                <a:effectLst/>
-                <a:uLnTx/>
-                <a:uFillTx/>
-                <a:latin typeface="華康粗明體" panose="02020709000000000000" pitchFamily="49" charset="-120"/>
-                <a:ea typeface="華康粗明體" panose="02020709000000000000" pitchFamily="49" charset="-120"/>
-                <a:cs typeface="+mn-cs"/>
-              </a:rPr>
-              <a:t>參考文獻</a:t>
-            </a:r>
-            <a:r>
-              <a:rPr kumimoji="0" lang="en-US" altLang="zh-TW" sz="2800" b="1" i="0" u="none" strike="noStrike" kern="1200" cap="none" spc="0" normalizeH="0" baseline="0" noProof="0" dirty="0">
-                <a:ln>
-                  <a:noFill/>
-                </a:ln>
-                <a:solidFill>
-                  <a:srgbClr val="FF0000"/>
-                </a:solidFill>
-                <a:effectLst/>
-                <a:uLnTx/>
-                <a:uFillTx/>
-                <a:latin typeface="華康粗明體" panose="02020709000000000000" pitchFamily="49" charset="-120"/>
-                <a:ea typeface="華康粗明體" panose="02020709000000000000" pitchFamily="49" charset="-120"/>
-                <a:cs typeface="+mn-cs"/>
-              </a:rPr>
-              <a:t>.......................................15-16</a:t>
-            </a:r>
-          </a:p>
-          <a:p>
-            <a:pPr marL="228600" marR="0" lvl="0" indent="-228600" algn="l" defTabSz="914400" rtl="0" eaLnBrk="1" fontAlgn="auto" latinLnBrk="0" hangingPunct="1">
-              <a:lnSpc>
-                <a:spcPct val="90000"/>
-              </a:lnSpc>
-              <a:spcBef>
-                <a:spcPts val="1000"/>
-              </a:spcBef>
-              <a:spcAft>
-                <a:spcPts val="0"/>
-              </a:spcAft>
-              <a:buClrTx/>
-              <a:buSzTx/>
-              <a:buFont typeface="Arial" panose="020B0604020202020204" pitchFamily="34" charset="0"/>
-              <a:buChar char="•"/>
-              <a:tabLst/>
-              <a:defRPr/>
-            </a:pPr>
-            <a:r>
-              <a:rPr kumimoji="0" lang="zh-TW" altLang="en-US" sz="2800" b="1" i="0" u="none" strike="noStrike" kern="1200" cap="none" spc="0" normalizeH="0" baseline="0" noProof="0" dirty="0">
-                <a:ln>
-                  <a:noFill/>
-                </a:ln>
-                <a:solidFill>
-                  <a:srgbClr val="FF0000"/>
-                </a:solidFill>
-                <a:effectLst/>
-                <a:uLnTx/>
-                <a:uFillTx/>
-                <a:latin typeface="華康粗明體" panose="02020709000000000000" pitchFamily="49" charset="-120"/>
-                <a:ea typeface="華康粗明體" panose="02020709000000000000" pitchFamily="49" charset="-120"/>
-                <a:cs typeface="+mn-cs"/>
-              </a:rPr>
-              <a:t>提問環節</a:t>
-            </a:r>
-            <a:r>
-              <a:rPr kumimoji="0" lang="en-US" altLang="zh-TW" sz="2800" b="1" i="0" u="none" strike="noStrike" kern="1200" cap="none" spc="0" normalizeH="0" baseline="0" noProof="0" dirty="0">
-                <a:ln>
-                  <a:noFill/>
-                </a:ln>
-                <a:solidFill>
-                  <a:srgbClr val="FF0000"/>
-                </a:solidFill>
-                <a:effectLst/>
-                <a:uLnTx/>
-                <a:uFillTx/>
-                <a:latin typeface="華康粗明體" panose="02020709000000000000" pitchFamily="49" charset="-120"/>
-                <a:ea typeface="華康粗明體" panose="02020709000000000000" pitchFamily="49" charset="-120"/>
-                <a:cs typeface="+mn-cs"/>
-              </a:rPr>
-              <a:t>..........................................17</a:t>
-            </a:r>
-            <a:endParaRPr kumimoji="0" lang="zh-TW" altLang="en-US" sz="2800" b="1" i="0" u="none" strike="noStrike" kern="1200" cap="none" spc="0" normalizeH="0" baseline="0" noProof="0" dirty="0">
-              <a:ln>
-                <a:noFill/>
-              </a:ln>
-              <a:solidFill>
-                <a:srgbClr val="FF0000"/>
-              </a:solidFill>
-              <a:effectLst/>
-              <a:uLnTx/>
-              <a:uFillTx/>
-              <a:latin typeface="華康粗明體" panose="02020709000000000000" pitchFamily="49" charset="-120"/>
-              <a:ea typeface="華康粗明體" panose="02020709000000000000" pitchFamily="49" charset="-120"/>
-              <a:cs typeface="+mn-cs"/>
-            </a:endParaRPr>
-          </a:p>
-          <a:p>
-            <a:pPr marL="228600" marR="0" lvl="0" indent="-228600" algn="l" defTabSz="914400" rtl="0" eaLnBrk="1" fontAlgn="auto" latinLnBrk="0" hangingPunct="1">
-              <a:lnSpc>
-                <a:spcPct val="90000"/>
-              </a:lnSpc>
-              <a:spcBef>
-                <a:spcPts val="1000"/>
-              </a:spcBef>
-              <a:spcAft>
-                <a:spcPts val="0"/>
-              </a:spcAft>
-              <a:buClrTx/>
-              <a:buSzTx/>
-              <a:buFont typeface="Arial" panose="020B0604020202020204" pitchFamily="34" charset="0"/>
-              <a:buChar char="•"/>
-              <a:tabLst/>
-              <a:defRPr/>
-            </a:pPr>
-            <a:endParaRPr kumimoji="0" lang="en-US" altLang="zh-TW" sz="2800" b="1" i="0" u="none" strike="noStrike" kern="1200" cap="none" spc="0" normalizeH="0" baseline="0" noProof="0" dirty="0">
-              <a:ln>
-                <a:noFill/>
-              </a:ln>
-              <a:solidFill>
-                <a:sysClr val="window" lastClr="FFFFFF"/>
-              </a:solidFill>
-              <a:effectLst/>
-              <a:uLnTx/>
-              <a:uFillTx/>
-              <a:latin typeface="華康粗明體" panose="02020709000000000000" pitchFamily="49" charset="-120"/>
-              <a:ea typeface="華康粗明體" panose="02020709000000000000" pitchFamily="49" charset="-120"/>
-              <a:cs typeface="+mn-cs"/>
-            </a:endParaRPr>
-          </a:p>
-          <a:p>
-            <a:pPr marL="0" marR="0" lvl="0" indent="0" algn="l" defTabSz="914400" rtl="0" eaLnBrk="1" fontAlgn="auto" latinLnBrk="0" hangingPunct="1">
-              <a:lnSpc>
-                <a:spcPct val="90000"/>
-              </a:lnSpc>
-              <a:spcBef>
-                <a:spcPts val="1000"/>
-              </a:spcBef>
-              <a:spcAft>
-                <a:spcPts val="0"/>
-              </a:spcAft>
-              <a:buClrTx/>
-              <a:buSzTx/>
-              <a:buFont typeface="Arial" panose="020B0604020202020204" pitchFamily="34" charset="0"/>
-              <a:buNone/>
-              <a:tabLst/>
-              <a:defRPr/>
-            </a:pPr>
-            <a:endParaRPr kumimoji="0" lang="zh-TW" altLang="en-US" sz="2800" b="1" i="0" u="none" strike="noStrike" kern="1200" cap="none" spc="0" normalizeH="0" baseline="0" noProof="0" dirty="0">
-              <a:ln>
-                <a:noFill/>
-              </a:ln>
-              <a:solidFill>
-                <a:sysClr val="window" lastClr="FFFFFF"/>
-              </a:solidFill>
-              <a:effectLst/>
-              <a:uLnTx/>
-              <a:uFillTx/>
-              <a:latin typeface="華康粗明體" panose="02020709000000000000" pitchFamily="49" charset="-120"/>
-              <a:ea typeface="華康粗明體" panose="02020709000000000000" pitchFamily="49" charset="-120"/>
-              <a:cs typeface="+mn-cs"/>
-            </a:endParaRPr>
-          </a:p>
-          <a:p>
-            <a:pPr marL="228600" marR="0" lvl="0" indent="-228600" algn="l" defTabSz="914400" rtl="0" eaLnBrk="1" fontAlgn="auto" latinLnBrk="0" hangingPunct="1">
-              <a:lnSpc>
-                <a:spcPct val="90000"/>
-              </a:lnSpc>
-              <a:spcBef>
-                <a:spcPts val="1000"/>
-              </a:spcBef>
-              <a:spcAft>
-                <a:spcPts val="0"/>
-              </a:spcAft>
-              <a:buClrTx/>
-              <a:buSzTx/>
-              <a:buFont typeface="Arial" panose="020B0604020202020204" pitchFamily="34" charset="0"/>
-              <a:buChar char="•"/>
-              <a:tabLst/>
-              <a:defRPr/>
-            </a:pPr>
-            <a:endParaRPr kumimoji="0" lang="zh-TW" altLang="en-US" sz="2800" b="0" i="0" u="none" strike="noStrike" kern="1200" cap="none" spc="0" normalizeH="0" baseline="0" noProof="0" dirty="0">
-              <a:ln>
-                <a:noFill/>
-              </a:ln>
-              <a:solidFill>
-                <a:sysClr val="window" lastClr="FFFFFF"/>
-              </a:solidFill>
-              <a:effectLst/>
-              <a:uLnTx/>
-              <a:uFillTx/>
-              <a:latin typeface="華康粗明體" panose="02020709000000000000" pitchFamily="49" charset="-120"/>
-              <a:ea typeface="華康粗明體" panose="02020709000000000000" pitchFamily="49" charset="-120"/>
-              <a:cs typeface="+mn-cs"/>
-            </a:endParaRPr>
+          <a:bodyPr/>
+          <a:lstStyle/>
+          <a:p>
+            <a:r>
+              <a:rPr lang="zh-TW" altLang="en-US" sz="2800" dirty="0"/>
+              <a:t>隨著通信技術不斷的進步，從有線到無線通信，為了能夠節省有限的頻寬資源、提供高質量通信服務並能抵抗頻率選擇性衰減通道，運用軟體定義無線電（</a:t>
+            </a:r>
+            <a:r>
+              <a:rPr lang="en-US" altLang="zh-TW" sz="2800" dirty="0"/>
+              <a:t>Software Defined Radio</a:t>
+            </a:r>
+            <a:r>
+              <a:rPr lang="zh-TW" altLang="en-US" sz="2800" dirty="0"/>
+              <a:t>）實現正交分頻多工 </a:t>
+            </a:r>
+            <a:r>
+              <a:rPr lang="en-US" altLang="zh-TW" sz="2800" dirty="0"/>
+              <a:t>(Orthogonal frequency-division multiplexing)</a:t>
+            </a:r>
+            <a:r>
+              <a:rPr lang="zh-TW" altLang="en-US" sz="2800" dirty="0"/>
+              <a:t>技術。</a:t>
+            </a:r>
+          </a:p>
+          <a:p>
+            <a:endParaRPr lang="zh-TW" altLang="en-US" dirty="0"/>
           </a:p>
         </p:txBody>
       </p:sp>
     </p:spTree>
     <p:extLst>
       <p:ext uri="{BB962C8B-B14F-4D97-AF65-F5344CB8AC3E}">
-        <p14:creationId xmlns:p14="http://schemas.microsoft.com/office/powerpoint/2010/main" val="4094661216"/>
+        <p14:creationId xmlns:p14="http://schemas.microsoft.com/office/powerpoint/2010/main" val="3722509208"/>
       </p:ext>
     </p:extLst>
   </p:cSld>
@@ -11382,116 +7873,6 @@
           <p:cNvPr id="2" name="標題 1">
             <a:extLst>
               <a:ext uri="{FF2B5EF4-FFF2-40B4-BE49-F238E27FC236}">
-                <a16:creationId xmlns:a16="http://schemas.microsoft.com/office/drawing/2014/main" id="{5E72CE09-D82C-4A70-8081-9DE1F55F836A}"/>
-              </a:ext>
-            </a:extLst>
-          </p:cNvPr>
-          <p:cNvSpPr>
-            <a:spLocks noGrp="1"/>
-          </p:cNvSpPr>
-          <p:nvPr>
-            <p:ph type="title"/>
-          </p:nvPr>
-        </p:nvSpPr>
-        <p:spPr/>
-        <p:txBody>
-          <a:bodyPr/>
-          <a:lstStyle/>
-          <a:p>
-            <a:r>
-              <a:rPr lang="zh-TW" altLang="en-US" dirty="0"/>
-              <a:t>計劃緣由與目的</a:t>
-            </a:r>
-          </a:p>
-        </p:txBody>
-      </p:sp>
-      <p:sp>
-        <p:nvSpPr>
-          <p:cNvPr id="3" name="內容版面配置區 2">
-            <a:extLst>
-              <a:ext uri="{FF2B5EF4-FFF2-40B4-BE49-F238E27FC236}">
-                <a16:creationId xmlns:a16="http://schemas.microsoft.com/office/drawing/2014/main" id="{F970E2E5-4FDC-4518-A918-430EA81EEA57}"/>
-              </a:ext>
-            </a:extLst>
-          </p:cNvPr>
-          <p:cNvSpPr>
-            <a:spLocks noGrp="1"/>
-          </p:cNvSpPr>
-          <p:nvPr>
-            <p:ph idx="1"/>
-          </p:nvPr>
-        </p:nvSpPr>
-        <p:spPr>
-          <a:xfrm>
-            <a:off x="1849741" y="1831450"/>
-            <a:ext cx="8915400" cy="3777622"/>
-          </a:xfrm>
-        </p:spPr>
-        <p:txBody>
-          <a:bodyPr/>
-          <a:lstStyle/>
-          <a:p>
-            <a:r>
-              <a:rPr lang="zh-TW" altLang="en-US" sz="2800" dirty="0"/>
-              <a:t>隨著通信技術不斷的進步，從有線到無線通信，為了能夠節省有限的頻寬資源、提供高質量通信服務並能抵抗頻率選擇性衰減通道，運用軟體定義無線電（</a:t>
-            </a:r>
-            <a:r>
-              <a:rPr lang="en-US" altLang="zh-TW" sz="2800" dirty="0"/>
-              <a:t>Software Defined Radio</a:t>
-            </a:r>
-            <a:r>
-              <a:rPr lang="zh-TW" altLang="en-US" sz="2800" dirty="0"/>
-              <a:t>）實現正交分頻多工 </a:t>
-            </a:r>
-            <a:r>
-              <a:rPr lang="en-US" altLang="zh-TW" sz="2800" dirty="0"/>
-              <a:t>(Orthogonal frequency-division multiplexing)</a:t>
-            </a:r>
-            <a:r>
-              <a:rPr lang="zh-TW" altLang="en-US" sz="2800" dirty="0"/>
-              <a:t>技術。</a:t>
-            </a:r>
-          </a:p>
-          <a:p>
-            <a:endParaRPr lang="zh-TW" altLang="en-US" dirty="0"/>
-          </a:p>
-        </p:txBody>
-      </p:sp>
-    </p:spTree>
-    <p:extLst>
-      <p:ext uri="{BB962C8B-B14F-4D97-AF65-F5344CB8AC3E}">
-        <p14:creationId xmlns:p14="http://schemas.microsoft.com/office/powerpoint/2010/main" val="3722509208"/>
-      </p:ext>
-    </p:extLst>
-  </p:cSld>
-  <p:clrMapOvr>
-    <a:masterClrMapping/>
-  </p:clrMapOvr>
-</p:sld>
-</file>
-
-<file path=ppt/slides/slide4.xml><?xml version="1.0" encoding="utf-8"?>
-<p:sld xmlns:a="http://schemas.openxmlformats.org/drawingml/2006/main" xmlns:r="http://schemas.openxmlformats.org/officeDocument/2006/relationships" xmlns:p="http://schemas.openxmlformats.org/presentationml/2006/main">
-  <p:cSld>
-    <p:spTree>
-      <p:nvGrpSpPr>
-        <p:cNvPr id="1" name=""/>
-        <p:cNvGrpSpPr/>
-        <p:nvPr/>
-      </p:nvGrpSpPr>
-      <p:grpSpPr>
-        <a:xfrm>
-          <a:off x="0" y="0"/>
-          <a:ext cx="0" cy="0"/>
-          <a:chOff x="0" y="0"/>
-          <a:chExt cx="0" cy="0"/>
-        </a:xfrm>
-      </p:grpSpPr>
-      <p:sp>
-        <p:nvSpPr>
-          <p:cNvPr id="2" name="標題 1">
-            <a:extLst>
-              <a:ext uri="{FF2B5EF4-FFF2-40B4-BE49-F238E27FC236}">
                 <a16:creationId xmlns:a16="http://schemas.microsoft.com/office/drawing/2014/main" id="{474B63AF-A924-4671-9974-B3759C222033}"/>
               </a:ext>
             </a:extLst>
@@ -11596,1625 +7977,6 @@
     <p:extLst>
       <p:ext uri="{BB962C8B-B14F-4D97-AF65-F5344CB8AC3E}">
         <p14:creationId xmlns:p14="http://schemas.microsoft.com/office/powerpoint/2010/main" val="1538785750"/>
-      </p:ext>
-    </p:extLst>
-  </p:cSld>
-  <p:clrMapOvr>
-    <a:masterClrMapping/>
-  </p:clrMapOvr>
-</p:sld>
-</file>
-
-<file path=ppt/slides/slide5.xml><?xml version="1.0" encoding="utf-8"?>
-<p:sld xmlns:a="http://schemas.openxmlformats.org/drawingml/2006/main" xmlns:r="http://schemas.openxmlformats.org/officeDocument/2006/relationships" xmlns:p="http://schemas.openxmlformats.org/presentationml/2006/main">
-  <p:cSld>
-    <p:spTree>
-      <p:nvGrpSpPr>
-        <p:cNvPr id="1" name=""/>
-        <p:cNvGrpSpPr/>
-        <p:nvPr/>
-      </p:nvGrpSpPr>
-      <p:grpSpPr>
-        <a:xfrm>
-          <a:off x="0" y="0"/>
-          <a:ext cx="0" cy="0"/>
-          <a:chOff x="0" y="0"/>
-          <a:chExt cx="0" cy="0"/>
-        </a:xfrm>
-      </p:grpSpPr>
-      <p:sp>
-        <p:nvSpPr>
-          <p:cNvPr id="2" name="標題 1">
-            <a:extLst>
-              <a:ext uri="{FF2B5EF4-FFF2-40B4-BE49-F238E27FC236}">
-                <a16:creationId xmlns:a16="http://schemas.microsoft.com/office/drawing/2014/main" id="{A20F942D-765C-4C4A-B743-47A3438CFE88}"/>
-              </a:ext>
-            </a:extLst>
-          </p:cNvPr>
-          <p:cNvSpPr>
-            <a:spLocks noGrp="1"/>
-          </p:cNvSpPr>
-          <p:nvPr>
-            <p:ph type="title"/>
-          </p:nvPr>
-        </p:nvSpPr>
-        <p:spPr/>
-        <p:txBody>
-          <a:bodyPr/>
-          <a:lstStyle/>
-          <a:p>
-            <a:endParaRPr lang="zh-TW" altLang="en-US"/>
-          </a:p>
-        </p:txBody>
-      </p:sp>
-      <p:graphicFrame>
-        <p:nvGraphicFramePr>
-          <p:cNvPr id="4" name="內容版面配置區 3">
-            <a:extLst>
-              <a:ext uri="{FF2B5EF4-FFF2-40B4-BE49-F238E27FC236}">
-                <a16:creationId xmlns:a16="http://schemas.microsoft.com/office/drawing/2014/main" id="{DAD47B78-77F2-499C-AD2A-AB3EC8366A9F}"/>
-              </a:ext>
-            </a:extLst>
-          </p:cNvPr>
-          <p:cNvGraphicFramePr>
-            <a:graphicFrameLocks noGrp="1"/>
-          </p:cNvGraphicFramePr>
-          <p:nvPr>
-            <p:ph idx="1"/>
-            <p:extLst>
-              <p:ext uri="{D42A27DB-BD31-4B8C-83A1-F6EECF244321}">
-                <p14:modId xmlns:p14="http://schemas.microsoft.com/office/powerpoint/2010/main" val="2749900678"/>
-              </p:ext>
-            </p:extLst>
-          </p:nvPr>
-        </p:nvGraphicFramePr>
-        <p:xfrm>
-          <a:off x="2589213" y="2133600"/>
-          <a:ext cx="8915400" cy="3778250"/>
-        </p:xfrm>
-        <a:graphic>
-          <a:graphicData uri="http://schemas.openxmlformats.org/drawingml/2006/diagram">
-            <dgm:relIds xmlns:dgm="http://schemas.openxmlformats.org/drawingml/2006/diagram" xmlns:r="http://schemas.openxmlformats.org/officeDocument/2006/relationships" r:dm="rId2" r:lo="rId3" r:qs="rId4" r:cs="rId5"/>
-          </a:graphicData>
-        </a:graphic>
-      </p:graphicFrame>
-    </p:spTree>
-    <p:extLst>
-      <p:ext uri="{BB962C8B-B14F-4D97-AF65-F5344CB8AC3E}">
-        <p14:creationId xmlns:p14="http://schemas.microsoft.com/office/powerpoint/2010/main" val="3611581743"/>
-      </p:ext>
-    </p:extLst>
-  </p:cSld>
-  <p:clrMapOvr>
-    <a:masterClrMapping/>
-  </p:clrMapOvr>
-</p:sld>
-</file>
-
-<file path=ppt/slides/slide6.xml><?xml version="1.0" encoding="utf-8"?>
-<p:sld xmlns:a="http://schemas.openxmlformats.org/drawingml/2006/main" xmlns:r="http://schemas.openxmlformats.org/officeDocument/2006/relationships" xmlns:p="http://schemas.openxmlformats.org/presentationml/2006/main">
-  <p:cSld>
-    <p:spTree>
-      <p:nvGrpSpPr>
-        <p:cNvPr id="1" name=""/>
-        <p:cNvGrpSpPr/>
-        <p:nvPr/>
-      </p:nvGrpSpPr>
-      <p:grpSpPr>
-        <a:xfrm>
-          <a:off x="0" y="0"/>
-          <a:ext cx="0" cy="0"/>
-          <a:chOff x="0" y="0"/>
-          <a:chExt cx="0" cy="0"/>
-        </a:xfrm>
-      </p:grpSpPr>
-      <p:sp>
-        <p:nvSpPr>
-          <p:cNvPr id="2" name="標題 1">
-            <a:extLst>
-              <a:ext uri="{FF2B5EF4-FFF2-40B4-BE49-F238E27FC236}">
-                <a16:creationId xmlns:a16="http://schemas.microsoft.com/office/drawing/2014/main" id="{1959FEB6-1E14-4AE0-99C4-966CF18C02D4}"/>
-              </a:ext>
-            </a:extLst>
-          </p:cNvPr>
-          <p:cNvSpPr>
-            <a:spLocks noGrp="1"/>
-          </p:cNvSpPr>
-          <p:nvPr>
-            <p:ph type="title"/>
-          </p:nvPr>
-        </p:nvSpPr>
-        <p:spPr>
-          <a:xfrm>
-            <a:off x="1797795" y="644653"/>
-            <a:ext cx="8911687" cy="1280890"/>
-          </a:xfrm>
-        </p:spPr>
-        <p:txBody>
-          <a:bodyPr/>
-          <a:lstStyle/>
-          <a:p>
-            <a:r>
-              <a:rPr lang="zh-TW" altLang="en-US" dirty="0"/>
-              <a:t>通道設定</a:t>
-            </a:r>
-          </a:p>
-        </p:txBody>
-      </p:sp>
-      <p:pic>
-        <p:nvPicPr>
-          <p:cNvPr id="4" name="內容版面配置區 3">
-            <a:extLst>
-              <a:ext uri="{FF2B5EF4-FFF2-40B4-BE49-F238E27FC236}">
-                <a16:creationId xmlns:a16="http://schemas.microsoft.com/office/drawing/2014/main" id="{183E8FE0-1408-4275-84C1-E5FD1A8C4A62}"/>
-              </a:ext>
-            </a:extLst>
-          </p:cNvPr>
-          <p:cNvPicPr>
-            <a:picLocks noGrp="1" noChangeAspect="1"/>
-          </p:cNvPicPr>
-          <p:nvPr>
-            <p:ph idx="1"/>
-          </p:nvPr>
-        </p:nvPicPr>
-        <p:blipFill>
-          <a:blip r:embed="rId2"/>
-          <a:stretch>
-            <a:fillRect/>
-          </a:stretch>
-        </p:blipFill>
-        <p:spPr>
-          <a:xfrm>
-            <a:off x="7843898" y="2022282"/>
-            <a:ext cx="4201413" cy="3778250"/>
-          </a:xfrm>
-          <a:prstGeom prst="rect">
-            <a:avLst/>
-          </a:prstGeom>
-        </p:spPr>
-      </p:pic>
-      <p:sp>
-        <p:nvSpPr>
-          <p:cNvPr id="5" name="矩形 4">
-            <a:extLst>
-              <a:ext uri="{FF2B5EF4-FFF2-40B4-BE49-F238E27FC236}">
-                <a16:creationId xmlns:a16="http://schemas.microsoft.com/office/drawing/2014/main" id="{B596D77C-70D3-44D5-BF87-132E630572DB}"/>
-              </a:ext>
-            </a:extLst>
-          </p:cNvPr>
-          <p:cNvSpPr/>
-          <p:nvPr/>
-        </p:nvSpPr>
-        <p:spPr>
-          <a:xfrm>
-            <a:off x="1068126" y="1925543"/>
-            <a:ext cx="6096000" cy="4247317"/>
-          </a:xfrm>
-          <a:prstGeom prst="rect">
-            <a:avLst/>
-          </a:prstGeom>
-        </p:spPr>
-        <p:txBody>
-          <a:bodyPr>
-            <a:spAutoFit/>
-          </a:bodyPr>
-          <a:lstStyle/>
-          <a:p>
-            <a:r>
-              <a:rPr lang="en-US" altLang="zh-TW" b="0" i="0" dirty="0">
-                <a:solidFill>
-                  <a:srgbClr val="000000"/>
-                </a:solidFill>
-                <a:effectLst/>
-                <a:latin typeface="Arial" panose="020B0604020202020204" pitchFamily="34" charset="0"/>
-              </a:rPr>
-              <a:t>RX_LO_FREQ: </a:t>
-            </a:r>
-            <a:r>
-              <a:rPr lang="zh-TW" altLang="en-US" b="0" i="0" dirty="0">
-                <a:solidFill>
-                  <a:srgbClr val="000000"/>
-                </a:solidFill>
-                <a:effectLst/>
-                <a:latin typeface="Arial" panose="020B0604020202020204" pitchFamily="34" charset="0"/>
-              </a:rPr>
-              <a:t>接收端</a:t>
-            </a:r>
-            <a:r>
-              <a:rPr lang="en-US" altLang="zh-TW" b="0" i="0" dirty="0">
-                <a:solidFill>
-                  <a:srgbClr val="000000"/>
-                </a:solidFill>
-                <a:effectLst/>
-                <a:latin typeface="Arial" panose="020B0604020202020204" pitchFamily="34" charset="0"/>
-              </a:rPr>
-              <a:t>-</a:t>
-            </a:r>
-            <a:r>
-              <a:rPr lang="zh-TW" altLang="en-US" b="0" i="0" dirty="0">
-                <a:solidFill>
-                  <a:srgbClr val="000000"/>
-                </a:solidFill>
-                <a:effectLst/>
-                <a:latin typeface="Arial" panose="020B0604020202020204" pitchFamily="34" charset="0"/>
-              </a:rPr>
-              <a:t>接收頻率 </a:t>
-            </a:r>
-            <a:r>
-              <a:rPr lang="en-US" altLang="zh-TW" b="0" i="0" dirty="0">
-                <a:solidFill>
-                  <a:srgbClr val="000000"/>
-                </a:solidFill>
-                <a:effectLst/>
-                <a:latin typeface="Arial" panose="020B0604020202020204" pitchFamily="34" charset="0"/>
-              </a:rPr>
-              <a:t>(325MHZ-3.8GHZ</a:t>
-            </a:r>
-            <a:r>
-              <a:rPr lang="zh-TW" altLang="en-US" b="0" i="0" dirty="0">
-                <a:solidFill>
-                  <a:srgbClr val="000000"/>
-                </a:solidFill>
-                <a:effectLst/>
-                <a:latin typeface="Arial" panose="020B0604020202020204" pitchFamily="34" charset="0"/>
-              </a:rPr>
-              <a:t>；根據使用天線而有所不同</a:t>
-            </a:r>
-            <a:r>
-              <a:rPr lang="en-US" altLang="zh-TW" b="0" i="0" dirty="0">
-                <a:solidFill>
-                  <a:srgbClr val="000000"/>
-                </a:solidFill>
-                <a:effectLst/>
-                <a:latin typeface="Arial" panose="020B0604020202020204" pitchFamily="34" charset="0"/>
-              </a:rPr>
-              <a:t>)</a:t>
-            </a:r>
-            <a:br>
-              <a:rPr lang="zh-TW" altLang="en-US" b="0" i="0" dirty="0">
-                <a:solidFill>
-                  <a:srgbClr val="000000"/>
-                </a:solidFill>
-                <a:effectLst/>
-                <a:latin typeface="Segoe UI" panose="020B0502040204020203" pitchFamily="34" charset="0"/>
-              </a:rPr>
-            </a:br>
-            <a:r>
-              <a:rPr lang="en-US" altLang="zh-TW" b="0" i="0" dirty="0">
-                <a:solidFill>
-                  <a:srgbClr val="000000"/>
-                </a:solidFill>
-                <a:effectLst/>
-                <a:latin typeface="Arial" panose="020B0604020202020204" pitchFamily="34" charset="0"/>
-              </a:rPr>
-              <a:t>RX_SAMPLING_FREQ: </a:t>
-            </a:r>
-            <a:r>
-              <a:rPr lang="zh-TW" altLang="en-US" b="0" i="0" dirty="0">
-                <a:solidFill>
-                  <a:srgbClr val="000000"/>
-                </a:solidFill>
-                <a:effectLst/>
-                <a:latin typeface="Arial" panose="020B0604020202020204" pitchFamily="34" charset="0"/>
-              </a:rPr>
-              <a:t>接收端</a:t>
-            </a:r>
-            <a:r>
-              <a:rPr lang="en-US" altLang="zh-TW" b="0" i="0" dirty="0">
-                <a:solidFill>
-                  <a:srgbClr val="000000"/>
-                </a:solidFill>
-                <a:effectLst/>
-                <a:latin typeface="Arial" panose="020B0604020202020204" pitchFamily="34" charset="0"/>
-              </a:rPr>
-              <a:t>-</a:t>
-            </a:r>
-            <a:r>
-              <a:rPr lang="zh-TW" altLang="en-US" b="0" i="0" dirty="0">
-                <a:solidFill>
-                  <a:srgbClr val="000000"/>
-                </a:solidFill>
-                <a:effectLst/>
-                <a:latin typeface="Arial" panose="020B0604020202020204" pitchFamily="34" charset="0"/>
-              </a:rPr>
-              <a:t>取樣頻率 </a:t>
-            </a:r>
-            <a:r>
-              <a:rPr lang="en-US" altLang="zh-TW" b="0" i="0" dirty="0">
-                <a:solidFill>
-                  <a:srgbClr val="000000"/>
-                </a:solidFill>
-                <a:effectLst/>
-                <a:latin typeface="Arial" panose="020B0604020202020204" pitchFamily="34" charset="0"/>
-              </a:rPr>
-              <a:t>(65.1KSPS~61.44MSPS)</a:t>
-            </a:r>
-            <a:br>
-              <a:rPr lang="en-US" altLang="zh-TW" b="0" i="0" dirty="0">
-                <a:solidFill>
-                  <a:srgbClr val="000000"/>
-                </a:solidFill>
-                <a:effectLst/>
-                <a:latin typeface="Segoe UI" panose="020B0502040204020203" pitchFamily="34" charset="0"/>
-              </a:rPr>
-            </a:br>
-            <a:r>
-              <a:rPr lang="en-US" altLang="zh-TW" b="0" i="0" dirty="0">
-                <a:solidFill>
-                  <a:srgbClr val="000000"/>
-                </a:solidFill>
-                <a:effectLst/>
-                <a:latin typeface="Arial" panose="020B0604020202020204" pitchFamily="34" charset="0"/>
-              </a:rPr>
-              <a:t>RX_RF_BANDWIDTH: </a:t>
-            </a:r>
-            <a:r>
-              <a:rPr lang="zh-TW" altLang="en-US" b="0" i="0" dirty="0">
-                <a:solidFill>
-                  <a:srgbClr val="000000"/>
-                </a:solidFill>
-                <a:effectLst/>
-                <a:latin typeface="Arial" panose="020B0604020202020204" pitchFamily="34" charset="0"/>
-              </a:rPr>
-              <a:t>接收端</a:t>
-            </a:r>
-            <a:r>
-              <a:rPr lang="en-US" altLang="zh-TW" b="0" i="0" dirty="0">
-                <a:solidFill>
-                  <a:srgbClr val="000000"/>
-                </a:solidFill>
-                <a:effectLst/>
-                <a:latin typeface="Arial" panose="020B0604020202020204" pitchFamily="34" charset="0"/>
-              </a:rPr>
-              <a:t>-</a:t>
-            </a:r>
-            <a:r>
-              <a:rPr lang="zh-TW" altLang="en-US" b="0" i="0" dirty="0">
-                <a:solidFill>
-                  <a:srgbClr val="000000"/>
-                </a:solidFill>
-                <a:effectLst/>
-                <a:latin typeface="Arial" panose="020B0604020202020204" pitchFamily="34" charset="0"/>
-              </a:rPr>
-              <a:t>訊號頻寬 </a:t>
-            </a:r>
-            <a:r>
-              <a:rPr lang="en-US" altLang="zh-TW" b="0" i="0" dirty="0">
-                <a:solidFill>
-                  <a:srgbClr val="000000"/>
-                </a:solidFill>
-                <a:effectLst/>
-                <a:latin typeface="Arial" panose="020B0604020202020204" pitchFamily="34" charset="0"/>
-              </a:rPr>
-              <a:t>(200KHZ~20MHZ)</a:t>
-            </a:r>
-            <a:br>
-              <a:rPr lang="en-US" altLang="zh-TW" b="0" i="0" dirty="0">
-                <a:solidFill>
-                  <a:srgbClr val="000000"/>
-                </a:solidFill>
-                <a:effectLst/>
-                <a:latin typeface="Segoe UI" panose="020B0502040204020203" pitchFamily="34" charset="0"/>
-              </a:rPr>
-            </a:br>
-            <a:r>
-              <a:rPr lang="en-US" altLang="zh-TW" b="0" i="0" dirty="0">
-                <a:solidFill>
-                  <a:srgbClr val="000000"/>
-                </a:solidFill>
-                <a:effectLst/>
-                <a:latin typeface="Arial" panose="020B0604020202020204" pitchFamily="34" charset="0"/>
-              </a:rPr>
-              <a:t>RX1_GAIN_MODE: Manual (</a:t>
-            </a:r>
-            <a:r>
-              <a:rPr lang="zh-TW" altLang="en-US" b="0" i="0" dirty="0">
-                <a:solidFill>
-                  <a:srgbClr val="000000"/>
-                </a:solidFill>
-                <a:effectLst/>
-                <a:latin typeface="Arial" panose="020B0604020202020204" pitchFamily="34" charset="0"/>
-              </a:rPr>
-              <a:t>建議使用以利觀察信號變動</a:t>
-            </a:r>
-            <a:r>
-              <a:rPr lang="en-US" altLang="zh-TW" b="0" i="0" dirty="0">
-                <a:solidFill>
-                  <a:srgbClr val="000000"/>
-                </a:solidFill>
-                <a:effectLst/>
-                <a:latin typeface="Arial" panose="020B0604020202020204" pitchFamily="34" charset="0"/>
-              </a:rPr>
-              <a:t>)</a:t>
-            </a:r>
-            <a:br>
-              <a:rPr lang="zh-TW" altLang="en-US" b="0" i="0" dirty="0">
-                <a:solidFill>
-                  <a:srgbClr val="000000"/>
-                </a:solidFill>
-                <a:effectLst/>
-                <a:latin typeface="Segoe UI" panose="020B0502040204020203" pitchFamily="34" charset="0"/>
-              </a:rPr>
-            </a:br>
-            <a:r>
-              <a:rPr lang="en-US" altLang="zh-TW" b="0" i="0" dirty="0">
-                <a:solidFill>
-                  <a:srgbClr val="000000"/>
-                </a:solidFill>
-                <a:effectLst/>
-                <a:latin typeface="Arial" panose="020B0604020202020204" pitchFamily="34" charset="0"/>
-              </a:rPr>
-              <a:t>RX1_GAIN: </a:t>
-            </a:r>
-            <a:r>
-              <a:rPr lang="zh-TW" altLang="en-US" b="0" i="0" dirty="0">
-                <a:solidFill>
-                  <a:srgbClr val="000000"/>
-                </a:solidFill>
-                <a:effectLst/>
-                <a:latin typeface="Arial" panose="020B0604020202020204" pitchFamily="34" charset="0"/>
-              </a:rPr>
-              <a:t>接收端增益 </a:t>
-            </a:r>
-            <a:r>
-              <a:rPr lang="en-US" altLang="zh-TW" b="0" i="0" dirty="0">
-                <a:solidFill>
-                  <a:srgbClr val="000000"/>
-                </a:solidFill>
-                <a:effectLst/>
-                <a:latin typeface="Arial" panose="020B0604020202020204" pitchFamily="34" charset="0"/>
-              </a:rPr>
-              <a:t>1~50 (</a:t>
-            </a:r>
-            <a:r>
-              <a:rPr lang="zh-TW" altLang="en-US" b="0" i="0" dirty="0">
-                <a:solidFill>
-                  <a:srgbClr val="000000"/>
-                </a:solidFill>
-                <a:effectLst/>
-                <a:latin typeface="Arial" panose="020B0604020202020204" pitchFamily="34" charset="0"/>
-              </a:rPr>
-              <a:t>最大值≤</a:t>
-            </a:r>
-            <a:r>
-              <a:rPr lang="en-US" altLang="zh-TW" b="0" i="0" dirty="0">
-                <a:solidFill>
-                  <a:srgbClr val="000000"/>
-                </a:solidFill>
-                <a:effectLst/>
-                <a:latin typeface="Arial" panose="020B0604020202020204" pitchFamily="34" charset="0"/>
-              </a:rPr>
-              <a:t>74dBm)</a:t>
-            </a:r>
-            <a:br>
-              <a:rPr lang="en-US" altLang="zh-TW" b="0" i="0" dirty="0">
-                <a:solidFill>
-                  <a:srgbClr val="000000"/>
-                </a:solidFill>
-                <a:effectLst/>
-                <a:latin typeface="Segoe UI" panose="020B0502040204020203" pitchFamily="34" charset="0"/>
-              </a:rPr>
-            </a:br>
-            <a:r>
-              <a:rPr lang="en-US" altLang="zh-TW" b="0" i="0" dirty="0">
-                <a:solidFill>
-                  <a:srgbClr val="000000"/>
-                </a:solidFill>
-                <a:effectLst/>
-                <a:latin typeface="Arial" panose="020B0604020202020204" pitchFamily="34" charset="0"/>
-              </a:rPr>
-              <a:t>TX_LO_FREQ: </a:t>
-            </a:r>
-            <a:r>
-              <a:rPr lang="zh-TW" altLang="en-US" b="0" i="0" dirty="0">
-                <a:solidFill>
-                  <a:srgbClr val="000000"/>
-                </a:solidFill>
-                <a:effectLst/>
-                <a:latin typeface="Arial" panose="020B0604020202020204" pitchFamily="34" charset="0"/>
-              </a:rPr>
-              <a:t>接收端</a:t>
-            </a:r>
-            <a:r>
-              <a:rPr lang="en-US" altLang="zh-TW" b="0" i="0" dirty="0">
-                <a:solidFill>
-                  <a:srgbClr val="000000"/>
-                </a:solidFill>
-                <a:effectLst/>
-                <a:latin typeface="Arial" panose="020B0604020202020204" pitchFamily="34" charset="0"/>
-              </a:rPr>
-              <a:t>-</a:t>
-            </a:r>
-            <a:r>
-              <a:rPr lang="zh-TW" altLang="en-US" b="0" i="0" dirty="0">
-                <a:solidFill>
-                  <a:srgbClr val="000000"/>
-                </a:solidFill>
-                <a:effectLst/>
-                <a:latin typeface="Arial" panose="020B0604020202020204" pitchFamily="34" charset="0"/>
-              </a:rPr>
-              <a:t>接收頻率 </a:t>
-            </a:r>
-            <a:r>
-              <a:rPr lang="en-US" altLang="zh-TW" b="0" i="0" dirty="0">
-                <a:solidFill>
-                  <a:srgbClr val="000000"/>
-                </a:solidFill>
-                <a:effectLst/>
-                <a:latin typeface="Arial" panose="020B0604020202020204" pitchFamily="34" charset="0"/>
-              </a:rPr>
-              <a:t>(325MHZ-3.8GHZ</a:t>
-            </a:r>
-            <a:r>
-              <a:rPr lang="zh-TW" altLang="en-US" b="0" i="0" dirty="0">
-                <a:solidFill>
-                  <a:srgbClr val="000000"/>
-                </a:solidFill>
-                <a:effectLst/>
-                <a:latin typeface="Arial" panose="020B0604020202020204" pitchFamily="34" charset="0"/>
-              </a:rPr>
-              <a:t>；根據使用天線而有所不同</a:t>
-            </a:r>
-            <a:r>
-              <a:rPr lang="en-US" altLang="zh-TW" b="0" i="0" dirty="0">
-                <a:solidFill>
-                  <a:srgbClr val="000000"/>
-                </a:solidFill>
-                <a:effectLst/>
-                <a:latin typeface="Arial" panose="020B0604020202020204" pitchFamily="34" charset="0"/>
-              </a:rPr>
-              <a:t>)</a:t>
-            </a:r>
-            <a:br>
-              <a:rPr lang="zh-TW" altLang="en-US" b="0" i="0" dirty="0">
-                <a:solidFill>
-                  <a:srgbClr val="000000"/>
-                </a:solidFill>
-                <a:effectLst/>
-                <a:latin typeface="Segoe UI" panose="020B0502040204020203" pitchFamily="34" charset="0"/>
-              </a:rPr>
-            </a:br>
-            <a:r>
-              <a:rPr lang="en-US" altLang="zh-TW" b="0" i="0" dirty="0">
-                <a:solidFill>
-                  <a:srgbClr val="000000"/>
-                </a:solidFill>
-                <a:effectLst/>
-                <a:latin typeface="Arial" panose="020B0604020202020204" pitchFamily="34" charset="0"/>
-              </a:rPr>
-              <a:t>TX_SAMPLING_FREQ: </a:t>
-            </a:r>
-            <a:r>
-              <a:rPr lang="zh-TW" altLang="en-US" b="0" i="0" dirty="0">
-                <a:solidFill>
-                  <a:srgbClr val="000000"/>
-                </a:solidFill>
-                <a:effectLst/>
-                <a:latin typeface="Arial" panose="020B0604020202020204" pitchFamily="34" charset="0"/>
-              </a:rPr>
-              <a:t>接收端</a:t>
-            </a:r>
-            <a:r>
-              <a:rPr lang="en-US" altLang="zh-TW" b="0" i="0" dirty="0">
-                <a:solidFill>
-                  <a:srgbClr val="000000"/>
-                </a:solidFill>
-                <a:effectLst/>
-                <a:latin typeface="Arial" panose="020B0604020202020204" pitchFamily="34" charset="0"/>
-              </a:rPr>
-              <a:t>-</a:t>
-            </a:r>
-            <a:r>
-              <a:rPr lang="zh-TW" altLang="en-US" b="0" i="0" dirty="0">
-                <a:solidFill>
-                  <a:srgbClr val="000000"/>
-                </a:solidFill>
-                <a:effectLst/>
-                <a:latin typeface="Arial" panose="020B0604020202020204" pitchFamily="34" charset="0"/>
-              </a:rPr>
-              <a:t>取樣頻率 </a:t>
-            </a:r>
-            <a:r>
-              <a:rPr lang="en-US" altLang="zh-TW" b="0" i="0" dirty="0">
-                <a:solidFill>
-                  <a:srgbClr val="000000"/>
-                </a:solidFill>
-                <a:effectLst/>
-                <a:latin typeface="Arial" panose="020B0604020202020204" pitchFamily="34" charset="0"/>
-              </a:rPr>
-              <a:t>(65.1KSPS~61.44MSPS)</a:t>
-            </a:r>
-            <a:br>
-              <a:rPr lang="en-US" altLang="zh-TW" b="0" i="0" dirty="0">
-                <a:solidFill>
-                  <a:srgbClr val="000000"/>
-                </a:solidFill>
-                <a:effectLst/>
-                <a:latin typeface="Segoe UI" panose="020B0502040204020203" pitchFamily="34" charset="0"/>
-              </a:rPr>
-            </a:br>
-            <a:r>
-              <a:rPr lang="en-US" altLang="zh-TW" b="0" i="0" dirty="0">
-                <a:solidFill>
-                  <a:srgbClr val="000000"/>
-                </a:solidFill>
-                <a:effectLst/>
-                <a:latin typeface="Arial" panose="020B0604020202020204" pitchFamily="34" charset="0"/>
-              </a:rPr>
-              <a:t>TX_RF_BANDWIDTH: </a:t>
-            </a:r>
-            <a:r>
-              <a:rPr lang="zh-TW" altLang="en-US" b="0" i="0" dirty="0">
-                <a:solidFill>
-                  <a:srgbClr val="000000"/>
-                </a:solidFill>
-                <a:effectLst/>
-                <a:latin typeface="Arial" panose="020B0604020202020204" pitchFamily="34" charset="0"/>
-              </a:rPr>
-              <a:t>接收端</a:t>
-            </a:r>
-            <a:r>
-              <a:rPr lang="en-US" altLang="zh-TW" b="0" i="0" dirty="0">
-                <a:solidFill>
-                  <a:srgbClr val="000000"/>
-                </a:solidFill>
-                <a:effectLst/>
-                <a:latin typeface="Arial" panose="020B0604020202020204" pitchFamily="34" charset="0"/>
-              </a:rPr>
-              <a:t>-</a:t>
-            </a:r>
-            <a:r>
-              <a:rPr lang="zh-TW" altLang="en-US" b="0" i="0" dirty="0">
-                <a:solidFill>
-                  <a:srgbClr val="000000"/>
-                </a:solidFill>
-                <a:effectLst/>
-                <a:latin typeface="Arial" panose="020B0604020202020204" pitchFamily="34" charset="0"/>
-              </a:rPr>
-              <a:t>訊號頻寬 </a:t>
-            </a:r>
-            <a:r>
-              <a:rPr lang="en-US" altLang="zh-TW" b="0" i="0" dirty="0">
-                <a:solidFill>
-                  <a:srgbClr val="000000"/>
-                </a:solidFill>
-                <a:effectLst/>
-                <a:latin typeface="Arial" panose="020B0604020202020204" pitchFamily="34" charset="0"/>
-              </a:rPr>
-              <a:t>(200KHZ~20MHZ)</a:t>
-            </a:r>
-            <a:endParaRPr lang="en-US" altLang="zh-TW" b="0" i="0" dirty="0">
-              <a:solidFill>
-                <a:srgbClr val="000000"/>
-              </a:solidFill>
-              <a:effectLst/>
-              <a:latin typeface="Segoe UI" panose="020B0502040204020203" pitchFamily="34" charset="0"/>
-            </a:endParaRPr>
-          </a:p>
-          <a:p>
-            <a:br>
-              <a:rPr lang="en-US" altLang="zh-TW" dirty="0"/>
-            </a:br>
-            <a:endParaRPr lang="zh-TW" altLang="en-US" dirty="0"/>
-          </a:p>
-        </p:txBody>
-      </p:sp>
-    </p:spTree>
-    <p:extLst>
-      <p:ext uri="{BB962C8B-B14F-4D97-AF65-F5344CB8AC3E}">
-        <p14:creationId xmlns:p14="http://schemas.microsoft.com/office/powerpoint/2010/main" val="3037291961"/>
-      </p:ext>
-    </p:extLst>
-  </p:cSld>
-  <p:clrMapOvr>
-    <a:masterClrMapping/>
-  </p:clrMapOvr>
-</p:sld>
-</file>
-
-<file path=ppt/slides/slide7.xml><?xml version="1.0" encoding="utf-8"?>
-<p:sld xmlns:a="http://schemas.openxmlformats.org/drawingml/2006/main" xmlns:r="http://schemas.openxmlformats.org/officeDocument/2006/relationships" xmlns:p="http://schemas.openxmlformats.org/presentationml/2006/main">
-  <p:cSld>
-    <p:spTree>
-      <p:nvGrpSpPr>
-        <p:cNvPr id="1" name=""/>
-        <p:cNvGrpSpPr/>
-        <p:nvPr/>
-      </p:nvGrpSpPr>
-      <p:grpSpPr>
-        <a:xfrm>
-          <a:off x="0" y="0"/>
-          <a:ext cx="0" cy="0"/>
-          <a:chOff x="0" y="0"/>
-          <a:chExt cx="0" cy="0"/>
-        </a:xfrm>
-      </p:grpSpPr>
-      <p:sp>
-        <p:nvSpPr>
-          <p:cNvPr id="2" name="標題 1">
-            <a:extLst>
-              <a:ext uri="{FF2B5EF4-FFF2-40B4-BE49-F238E27FC236}">
-                <a16:creationId xmlns:a16="http://schemas.microsoft.com/office/drawing/2014/main" id="{3E743E3A-7CC9-4E3D-84CB-BF42AC3E4796}"/>
-              </a:ext>
-            </a:extLst>
-          </p:cNvPr>
-          <p:cNvSpPr>
-            <a:spLocks noGrp="1"/>
-          </p:cNvSpPr>
-          <p:nvPr>
-            <p:ph type="title"/>
-          </p:nvPr>
-        </p:nvSpPr>
-        <p:spPr/>
-        <p:txBody>
-          <a:bodyPr/>
-          <a:lstStyle/>
-          <a:p>
-            <a:r>
-              <a:rPr lang="zh-TW" altLang="en-US" dirty="0"/>
-              <a:t>結論與貢獻</a:t>
-            </a:r>
-          </a:p>
-        </p:txBody>
-      </p:sp>
-      <p:sp>
-        <p:nvSpPr>
-          <p:cNvPr id="3" name="內容版面配置區 2">
-            <a:extLst>
-              <a:ext uri="{FF2B5EF4-FFF2-40B4-BE49-F238E27FC236}">
-                <a16:creationId xmlns:a16="http://schemas.microsoft.com/office/drawing/2014/main" id="{92898B37-D95B-4F7C-ADFE-B728BF15D7FA}"/>
-              </a:ext>
-            </a:extLst>
-          </p:cNvPr>
-          <p:cNvSpPr>
-            <a:spLocks noGrp="1"/>
-          </p:cNvSpPr>
-          <p:nvPr>
-            <p:ph idx="1"/>
-          </p:nvPr>
-        </p:nvSpPr>
-        <p:spPr/>
-        <p:txBody>
-          <a:bodyPr/>
-          <a:lstStyle/>
-          <a:p>
-            <a:pPr marL="0" indent="0">
-              <a:buNone/>
-            </a:pPr>
-            <a:endParaRPr lang="zh-TW" altLang="en-US" dirty="0"/>
-          </a:p>
-        </p:txBody>
-      </p:sp>
-    </p:spTree>
-    <p:extLst>
-      <p:ext uri="{BB962C8B-B14F-4D97-AF65-F5344CB8AC3E}">
-        <p14:creationId xmlns:p14="http://schemas.microsoft.com/office/powerpoint/2010/main" val="3602863259"/>
-      </p:ext>
-    </p:extLst>
-  </p:cSld>
-  <p:clrMapOvr>
-    <a:masterClrMapping/>
-  </p:clrMapOvr>
-</p:sld>
-</file>
-
-<file path=ppt/slides/slide8.xml><?xml version="1.0" encoding="utf-8"?>
-<p:sld xmlns:a="http://schemas.openxmlformats.org/drawingml/2006/main" xmlns:r="http://schemas.openxmlformats.org/officeDocument/2006/relationships" xmlns:p="http://schemas.openxmlformats.org/presentationml/2006/main">
-  <p:cSld>
-    <p:spTree>
-      <p:nvGrpSpPr>
-        <p:cNvPr id="1" name=""/>
-        <p:cNvGrpSpPr/>
-        <p:nvPr/>
-      </p:nvGrpSpPr>
-      <p:grpSpPr>
-        <a:xfrm>
-          <a:off x="0" y="0"/>
-          <a:ext cx="0" cy="0"/>
-          <a:chOff x="0" y="0"/>
-          <a:chExt cx="0" cy="0"/>
-        </a:xfrm>
-      </p:grpSpPr>
-      <p:sp>
-        <p:nvSpPr>
-          <p:cNvPr id="2" name="標題 1">
-            <a:extLst>
-              <a:ext uri="{FF2B5EF4-FFF2-40B4-BE49-F238E27FC236}">
-                <a16:creationId xmlns:a16="http://schemas.microsoft.com/office/drawing/2014/main" id="{14558E53-75A3-4D2F-9D4A-B8018107D84F}"/>
-              </a:ext>
-            </a:extLst>
-          </p:cNvPr>
-          <p:cNvSpPr>
-            <a:spLocks noGrp="1"/>
-          </p:cNvSpPr>
-          <p:nvPr>
-            <p:ph type="title"/>
-          </p:nvPr>
-        </p:nvSpPr>
-        <p:spPr>
-          <a:xfrm>
-            <a:off x="1535402" y="850154"/>
-            <a:ext cx="8911687" cy="1028355"/>
-          </a:xfrm>
-        </p:spPr>
-        <p:txBody>
-          <a:bodyPr/>
-          <a:lstStyle/>
-          <a:p>
-            <a:pPr algn="ctr"/>
-            <a:r>
-              <a:rPr lang="zh-TW" altLang="en-US" dirty="0"/>
-              <a:t>工作分配</a:t>
-            </a:r>
-          </a:p>
-        </p:txBody>
-      </p:sp>
-      <p:sp>
-        <p:nvSpPr>
-          <p:cNvPr id="4" name="內容版面配置區 2">
-            <a:extLst>
-              <a:ext uri="{FF2B5EF4-FFF2-40B4-BE49-F238E27FC236}">
-                <a16:creationId xmlns:a16="http://schemas.microsoft.com/office/drawing/2014/main" id="{B07039EC-9EC7-4FAD-9AB4-F60541023F69}"/>
-              </a:ext>
-            </a:extLst>
-          </p:cNvPr>
-          <p:cNvSpPr txBox="1">
-            <a:spLocks/>
-          </p:cNvSpPr>
-          <p:nvPr/>
-        </p:nvSpPr>
-        <p:spPr>
-          <a:xfrm>
-            <a:off x="1362984" y="1882552"/>
-            <a:ext cx="10515599" cy="4351338"/>
-          </a:xfrm>
-          <a:prstGeom prst="rect">
-            <a:avLst/>
-          </a:prstGeom>
-        </p:spPr>
-        <p:txBody>
-          <a:bodyPr vert="horz" lIns="91440" tIns="45720" rIns="91440" bIns="45720" rtlCol="0">
-            <a:normAutofit/>
-          </a:bodyPr>
-          <a:lstStyle>
-            <a:lvl1pPr marL="228600" indent="-228600" algn="l" defTabSz="914400" rtl="0" eaLnBrk="1" latinLnBrk="0" hangingPunct="1">
-              <a:lnSpc>
-                <a:spcPct val="90000"/>
-              </a:lnSpc>
-              <a:spcBef>
-                <a:spcPts val="1000"/>
-              </a:spcBef>
-              <a:buFont typeface="Arial" panose="020B0604020202020204" pitchFamily="34" charset="0"/>
-              <a:buChar char="•"/>
-              <a:defRPr sz="2800" kern="1200">
-                <a:solidFill>
-                  <a:schemeClr val="tx1"/>
-                </a:solidFill>
-                <a:latin typeface="+mn-lt"/>
-                <a:ea typeface="+mn-ea"/>
-                <a:cs typeface="+mn-cs"/>
-              </a:defRPr>
-            </a:lvl1pPr>
-            <a:lvl2pPr marL="685800" indent="-228600" algn="l" defTabSz="914400" rtl="0" eaLnBrk="1" latinLnBrk="0" hangingPunct="1">
-              <a:lnSpc>
-                <a:spcPct val="90000"/>
-              </a:lnSpc>
-              <a:spcBef>
-                <a:spcPts val="500"/>
-              </a:spcBef>
-              <a:buFont typeface="Arial" panose="020B0604020202020204" pitchFamily="34" charset="0"/>
-              <a:buChar char="•"/>
-              <a:defRPr sz="2400" kern="1200">
-                <a:solidFill>
-                  <a:schemeClr val="tx1"/>
-                </a:solidFill>
-                <a:latin typeface="+mn-lt"/>
-                <a:ea typeface="+mn-ea"/>
-                <a:cs typeface="+mn-cs"/>
-              </a:defRPr>
-            </a:lvl2pPr>
-            <a:lvl3pPr marL="1143000" indent="-228600" algn="l" defTabSz="914400" rtl="0" eaLnBrk="1" latinLnBrk="0" hangingPunct="1">
-              <a:lnSpc>
-                <a:spcPct val="90000"/>
-              </a:lnSpc>
-              <a:spcBef>
-                <a:spcPts val="500"/>
-              </a:spcBef>
-              <a:buFont typeface="Arial" panose="020B0604020202020204" pitchFamily="34" charset="0"/>
-              <a:buChar char="•"/>
-              <a:defRPr sz="2000" kern="1200">
-                <a:solidFill>
-                  <a:schemeClr val="tx1"/>
-                </a:solidFill>
-                <a:latin typeface="+mn-lt"/>
-                <a:ea typeface="+mn-ea"/>
-                <a:cs typeface="+mn-cs"/>
-              </a:defRPr>
-            </a:lvl3pPr>
-            <a:lvl4pPr marL="1600200" indent="-228600" algn="l" defTabSz="914400" rtl="0" eaLnBrk="1" latinLnBrk="0" hangingPunct="1">
-              <a:lnSpc>
-                <a:spcPct val="90000"/>
-              </a:lnSpc>
-              <a:spcBef>
-                <a:spcPts val="500"/>
-              </a:spcBef>
-              <a:buFont typeface="Arial" panose="020B0604020202020204" pitchFamily="34" charset="0"/>
-              <a:buChar char="•"/>
-              <a:defRPr sz="1800" kern="1200">
-                <a:solidFill>
-                  <a:schemeClr val="tx1"/>
-                </a:solidFill>
-                <a:latin typeface="+mn-lt"/>
-                <a:ea typeface="+mn-ea"/>
-                <a:cs typeface="+mn-cs"/>
-              </a:defRPr>
-            </a:lvl4pPr>
-            <a:lvl5pPr marL="2057400" indent="-228600" algn="l" defTabSz="914400" rtl="0" eaLnBrk="1" latinLnBrk="0" hangingPunct="1">
-              <a:lnSpc>
-                <a:spcPct val="90000"/>
-              </a:lnSpc>
-              <a:spcBef>
-                <a:spcPts val="500"/>
-              </a:spcBef>
-              <a:buFont typeface="Arial" panose="020B0604020202020204" pitchFamily="34" charset="0"/>
-              <a:buChar char="•"/>
-              <a:defRPr sz="1800" kern="1200">
-                <a:solidFill>
-                  <a:schemeClr val="tx1"/>
-                </a:solidFill>
-                <a:latin typeface="+mn-lt"/>
-                <a:ea typeface="+mn-ea"/>
-                <a:cs typeface="+mn-cs"/>
-              </a:defRPr>
-            </a:lvl5pPr>
-            <a:lvl6pPr marL="2514600" indent="-228600" algn="l" defTabSz="914400" rtl="0" eaLnBrk="1" latinLnBrk="0" hangingPunct="1">
-              <a:lnSpc>
-                <a:spcPct val="90000"/>
-              </a:lnSpc>
-              <a:spcBef>
-                <a:spcPts val="500"/>
-              </a:spcBef>
-              <a:buFont typeface="Arial" panose="020B0604020202020204" pitchFamily="34" charset="0"/>
-              <a:buChar char="•"/>
-              <a:defRPr sz="1800" kern="1200">
-                <a:solidFill>
-                  <a:schemeClr val="tx1"/>
-                </a:solidFill>
-                <a:latin typeface="+mn-lt"/>
-                <a:ea typeface="+mn-ea"/>
-                <a:cs typeface="+mn-cs"/>
-              </a:defRPr>
-            </a:lvl6pPr>
-            <a:lvl7pPr marL="2971800" indent="-228600" algn="l" defTabSz="914400" rtl="0" eaLnBrk="1" latinLnBrk="0" hangingPunct="1">
-              <a:lnSpc>
-                <a:spcPct val="90000"/>
-              </a:lnSpc>
-              <a:spcBef>
-                <a:spcPts val="500"/>
-              </a:spcBef>
-              <a:buFont typeface="Arial" panose="020B0604020202020204" pitchFamily="34" charset="0"/>
-              <a:buChar char="•"/>
-              <a:defRPr sz="1800" kern="1200">
-                <a:solidFill>
-                  <a:schemeClr val="tx1"/>
-                </a:solidFill>
-                <a:latin typeface="+mn-lt"/>
-                <a:ea typeface="+mn-ea"/>
-                <a:cs typeface="+mn-cs"/>
-              </a:defRPr>
-            </a:lvl7pPr>
-            <a:lvl8pPr marL="3429000" indent="-228600" algn="l" defTabSz="914400" rtl="0" eaLnBrk="1" latinLnBrk="0" hangingPunct="1">
-              <a:lnSpc>
-                <a:spcPct val="90000"/>
-              </a:lnSpc>
-              <a:spcBef>
-                <a:spcPts val="500"/>
-              </a:spcBef>
-              <a:buFont typeface="Arial" panose="020B0604020202020204" pitchFamily="34" charset="0"/>
-              <a:buChar char="•"/>
-              <a:defRPr sz="1800" kern="1200">
-                <a:solidFill>
-                  <a:schemeClr val="tx1"/>
-                </a:solidFill>
-                <a:latin typeface="+mn-lt"/>
-                <a:ea typeface="+mn-ea"/>
-                <a:cs typeface="+mn-cs"/>
-              </a:defRPr>
-            </a:lvl8pPr>
-            <a:lvl9pPr marL="3886200" indent="-228600" algn="l" defTabSz="914400" rtl="0" eaLnBrk="1" latinLnBrk="0" hangingPunct="1">
-              <a:lnSpc>
-                <a:spcPct val="90000"/>
-              </a:lnSpc>
-              <a:spcBef>
-                <a:spcPts val="500"/>
-              </a:spcBef>
-              <a:buFont typeface="Arial" panose="020B0604020202020204" pitchFamily="34" charset="0"/>
-              <a:buChar char="•"/>
-              <a:defRPr sz="1800" kern="1200">
-                <a:solidFill>
-                  <a:schemeClr val="tx1"/>
-                </a:solidFill>
-                <a:latin typeface="+mn-lt"/>
-                <a:ea typeface="+mn-ea"/>
-                <a:cs typeface="+mn-cs"/>
-              </a:defRPr>
-            </a:lvl9pPr>
-          </a:lstStyle>
-          <a:p>
-            <a:pPr lvl="0"/>
-            <a:r>
-              <a:rPr lang="zh-TW" altLang="en-US" dirty="0">
-                <a:latin typeface="華康細明體" panose="02020309000000000000" pitchFamily="49" charset="-120"/>
-                <a:ea typeface="華康細明體" panose="02020309000000000000" pitchFamily="49" charset="-120"/>
-              </a:rPr>
-              <a:t>萬子謙：</a:t>
-            </a:r>
-            <a:r>
-              <a:rPr kumimoji="0" lang="zh-TW" altLang="en-US" sz="2800" b="0" i="0" u="none" strike="noStrike" kern="1200" cap="none" spc="0" normalizeH="0" baseline="0" noProof="0" dirty="0">
-                <a:ln>
-                  <a:noFill/>
-                </a:ln>
-                <a:effectLst/>
-                <a:uLnTx/>
-                <a:uFillTx/>
-                <a:latin typeface="華康細明體" panose="02020309000000000000" pitchFamily="49" charset="-120"/>
-                <a:ea typeface="華康細明體" panose="02020309000000000000" pitchFamily="49" charset="-120"/>
-                <a:cs typeface="+mn-cs"/>
-              </a:rPr>
-              <a:t>版本控制、修改</a:t>
-            </a:r>
-            <a:r>
-              <a:rPr kumimoji="0" lang="en-US" altLang="zh-TW" sz="2800" b="0" i="0" u="none" strike="noStrike" kern="1200" cap="none" spc="0" normalizeH="0" baseline="0" noProof="0" dirty="0">
-                <a:ln>
-                  <a:noFill/>
-                </a:ln>
-                <a:effectLst/>
-                <a:uLnTx/>
-                <a:uFillTx/>
-                <a:latin typeface="華康細明體" panose="02020309000000000000" pitchFamily="49" charset="-120"/>
-                <a:ea typeface="華康細明體" panose="02020309000000000000" pitchFamily="49" charset="-120"/>
-                <a:cs typeface="+mn-cs"/>
-              </a:rPr>
-              <a:t>OFDM</a:t>
-            </a:r>
-            <a:r>
-              <a:rPr kumimoji="0" lang="zh-TW" altLang="en-US" sz="2800" b="0" i="0" u="none" strike="noStrike" kern="1200" cap="none" spc="0" normalizeH="0" baseline="0" noProof="0" dirty="0">
-                <a:ln>
-                  <a:noFill/>
-                </a:ln>
-                <a:effectLst/>
-                <a:uLnTx/>
-                <a:uFillTx/>
-                <a:latin typeface="華康細明體" panose="02020309000000000000" pitchFamily="49" charset="-120"/>
-                <a:ea typeface="華康細明體" panose="02020309000000000000" pitchFamily="49" charset="-120"/>
-                <a:cs typeface="+mn-cs"/>
-              </a:rPr>
-              <a:t>同步程式、創建</a:t>
-            </a:r>
-            <a:r>
-              <a:rPr kumimoji="0" lang="en-US" altLang="zh-TW" sz="2800" b="0" i="0" u="none" strike="noStrike" kern="1200" cap="none" spc="0" normalizeH="0" baseline="0" noProof="0" dirty="0">
-                <a:ln>
-                  <a:noFill/>
-                </a:ln>
-                <a:effectLst/>
-                <a:uLnTx/>
-                <a:uFillTx/>
-                <a:latin typeface="華康細明體" panose="02020309000000000000" pitchFamily="49" charset="-120"/>
-                <a:ea typeface="華康細明體" panose="02020309000000000000" pitchFamily="49" charset="-120"/>
-                <a:cs typeface="+mn-cs"/>
-              </a:rPr>
-              <a:t>.mat</a:t>
-            </a:r>
-            <a:r>
-              <a:rPr kumimoji="0" lang="zh-TW" altLang="en-US" sz="2800" b="0" i="0" u="none" strike="noStrike" kern="1200" cap="none" spc="0" normalizeH="0" baseline="0" noProof="0" dirty="0">
-                <a:ln>
-                  <a:noFill/>
-                </a:ln>
-                <a:effectLst/>
-                <a:uLnTx/>
-                <a:uFillTx/>
-                <a:latin typeface="華康細明體" panose="02020309000000000000" pitchFamily="49" charset="-120"/>
-                <a:ea typeface="華康細明體" panose="02020309000000000000" pitchFamily="49" charset="-120"/>
-                <a:cs typeface="+mn-cs"/>
-              </a:rPr>
-              <a:t>使資料能被保存</a:t>
-            </a:r>
-            <a:endParaRPr kumimoji="0" lang="en-US" altLang="zh-TW" sz="2800" b="0" i="0" u="none" strike="noStrike" kern="1200" cap="none" spc="0" normalizeH="0" baseline="0" noProof="0" dirty="0">
-              <a:ln>
-                <a:noFill/>
-              </a:ln>
-              <a:effectLst/>
-              <a:uLnTx/>
-              <a:uFillTx/>
-              <a:latin typeface="華康細明體" panose="02020309000000000000" pitchFamily="49" charset="-120"/>
-              <a:ea typeface="華康細明體" panose="02020309000000000000" pitchFamily="49" charset="-120"/>
-              <a:cs typeface="+mn-cs"/>
-            </a:endParaRPr>
-          </a:p>
-          <a:p>
-            <a:pPr lvl="0"/>
-            <a:r>
-              <a:rPr lang="zh-TW" altLang="en-US" dirty="0">
-                <a:latin typeface="華康細明體" panose="02020309000000000000" pitchFamily="49" charset="-120"/>
-                <a:ea typeface="華康細明體" panose="02020309000000000000" pitchFamily="49" charset="-120"/>
-              </a:rPr>
-              <a:t>陳昱升：</a:t>
-            </a:r>
-            <a:r>
-              <a:rPr kumimoji="0" lang="zh-TW" altLang="en-US" sz="2800" b="0" i="0" u="none" strike="noStrike" kern="1200" cap="none" spc="0" normalizeH="0" baseline="0" noProof="0" dirty="0">
-                <a:ln>
-                  <a:noFill/>
-                </a:ln>
-                <a:effectLst/>
-                <a:uLnTx/>
-                <a:uFillTx/>
-                <a:latin typeface="華康細明體" panose="02020309000000000000" pitchFamily="49" charset="-120"/>
-                <a:ea typeface="華康細明體" panose="02020309000000000000" pitchFamily="49" charset="-120"/>
-                <a:cs typeface="+mn-cs"/>
-              </a:rPr>
-              <a:t>將</a:t>
-            </a:r>
-            <a:r>
-              <a:rPr kumimoji="0" lang="en-US" altLang="zh-TW" sz="2800" b="0" i="0" u="none" strike="noStrike" kern="1200" cap="none" spc="0" normalizeH="0" baseline="0" noProof="0" dirty="0" err="1">
-                <a:ln>
-                  <a:noFill/>
-                </a:ln>
-                <a:effectLst/>
-                <a:uLnTx/>
-                <a:uFillTx/>
-                <a:latin typeface="華康細明體" panose="02020309000000000000" pitchFamily="49" charset="-120"/>
-                <a:ea typeface="華康細明體" panose="02020309000000000000" pitchFamily="49" charset="-120"/>
-                <a:cs typeface="+mn-cs"/>
-              </a:rPr>
-              <a:t>Loop.m</a:t>
-            </a:r>
-            <a:r>
-              <a:rPr kumimoji="0" lang="zh-TW" altLang="en-US" sz="2800" b="0" i="0" u="none" strike="noStrike" kern="1200" cap="none" spc="0" normalizeH="0" baseline="0" noProof="0" dirty="0">
-                <a:ln>
-                  <a:noFill/>
-                </a:ln>
-                <a:effectLst/>
-                <a:uLnTx/>
-                <a:uFillTx/>
-                <a:latin typeface="華康細明體" panose="02020309000000000000" pitchFamily="49" charset="-120"/>
-                <a:ea typeface="華康細明體" panose="02020309000000000000" pitchFamily="49" charset="-120"/>
-                <a:cs typeface="+mn-cs"/>
-              </a:rPr>
-              <a:t>分成</a:t>
-            </a:r>
-            <a:r>
-              <a:rPr kumimoji="0" lang="en-US" altLang="zh-TW" sz="2800" b="0" i="0" u="none" strike="noStrike" kern="1200" cap="none" spc="0" normalizeH="0" baseline="0" noProof="0" dirty="0" err="1">
-                <a:ln>
-                  <a:noFill/>
-                </a:ln>
-                <a:effectLst/>
-                <a:uLnTx/>
-                <a:uFillTx/>
-                <a:latin typeface="華康細明體" panose="02020309000000000000" pitchFamily="49" charset="-120"/>
-                <a:ea typeface="華康細明體" panose="02020309000000000000" pitchFamily="49" charset="-120"/>
-                <a:cs typeface="+mn-cs"/>
-              </a:rPr>
-              <a:t>Tx.m</a:t>
-            </a:r>
-            <a:r>
-              <a:rPr kumimoji="0" lang="zh-TW" altLang="en-US" sz="2800" b="0" i="0" u="none" strike="noStrike" kern="1200" cap="none" spc="0" normalizeH="0" baseline="0" noProof="0" dirty="0">
-                <a:ln>
-                  <a:noFill/>
-                </a:ln>
-                <a:effectLst/>
-                <a:uLnTx/>
-                <a:uFillTx/>
-                <a:latin typeface="華康細明體" panose="02020309000000000000" pitchFamily="49" charset="-120"/>
-                <a:ea typeface="華康細明體" panose="02020309000000000000" pitchFamily="49" charset="-120"/>
-                <a:cs typeface="+mn-cs"/>
-              </a:rPr>
-              <a:t>與</a:t>
-            </a:r>
-            <a:r>
-              <a:rPr kumimoji="0" lang="en-US" altLang="zh-TW" sz="2800" b="0" i="0" u="none" strike="noStrike" kern="1200" cap="none" spc="0" normalizeH="0" baseline="0" noProof="0" dirty="0" err="1">
-                <a:ln>
-                  <a:noFill/>
-                </a:ln>
-                <a:effectLst/>
-                <a:uLnTx/>
-                <a:uFillTx/>
-                <a:latin typeface="華康細明體" panose="02020309000000000000" pitchFamily="49" charset="-120"/>
-                <a:ea typeface="華康細明體" panose="02020309000000000000" pitchFamily="49" charset="-120"/>
-                <a:cs typeface="+mn-cs"/>
-              </a:rPr>
-              <a:t>Rx.m</a:t>
-            </a:r>
-            <a:endParaRPr kumimoji="0" lang="en-US" altLang="zh-TW" sz="2800" b="0" i="0" u="none" strike="noStrike" kern="1200" cap="none" spc="0" normalizeH="0" baseline="0" noProof="0" dirty="0">
-              <a:ln>
-                <a:noFill/>
-              </a:ln>
-              <a:effectLst/>
-              <a:uLnTx/>
-              <a:uFillTx/>
-              <a:latin typeface="華康細明體" panose="02020309000000000000" pitchFamily="49" charset="-120"/>
-              <a:ea typeface="華康細明體" panose="02020309000000000000" pitchFamily="49" charset="-120"/>
-              <a:cs typeface="+mn-cs"/>
-            </a:endParaRPr>
-          </a:p>
-          <a:p>
-            <a:pPr lvl="0"/>
-            <a:r>
-              <a:rPr lang="zh-TW" altLang="en-US" dirty="0">
-                <a:latin typeface="華康細明體" panose="02020309000000000000" pitchFamily="49" charset="-120"/>
-                <a:ea typeface="華康細明體" panose="02020309000000000000" pitchFamily="49" charset="-120"/>
-              </a:rPr>
-              <a:t>陳軍銓：</a:t>
-            </a:r>
-            <a:r>
-              <a:rPr kumimoji="0" lang="zh-TW" altLang="en-US" sz="2800" b="0" i="0" u="none" strike="noStrike" kern="1200" cap="none" spc="0" normalizeH="0" baseline="0" noProof="0" dirty="0">
-                <a:ln>
-                  <a:noFill/>
-                </a:ln>
-                <a:effectLst/>
-                <a:uLnTx/>
-                <a:uFillTx/>
-                <a:latin typeface="華康細明體" panose="02020309000000000000" pitchFamily="49" charset="-120"/>
-                <a:ea typeface="華康細明體" panose="02020309000000000000" pitchFamily="49" charset="-120"/>
-                <a:cs typeface="+mn-cs"/>
-              </a:rPr>
-              <a:t>新增</a:t>
-            </a:r>
-            <a:r>
-              <a:rPr kumimoji="0" lang="en-US" altLang="zh-TW" sz="2800" b="0" i="0" u="none" strike="noStrike" kern="1200" cap="none" spc="0" normalizeH="0" baseline="0" noProof="0" dirty="0" err="1">
-                <a:ln>
-                  <a:noFill/>
-                </a:ln>
-                <a:effectLst/>
-                <a:uLnTx/>
-                <a:uFillTx/>
-                <a:latin typeface="華康細明體" panose="02020309000000000000" pitchFamily="49" charset="-120"/>
-                <a:ea typeface="華康細明體" panose="02020309000000000000" pitchFamily="49" charset="-120"/>
-                <a:cs typeface="+mn-cs"/>
-              </a:rPr>
-              <a:t>BER.m</a:t>
-            </a:r>
-            <a:r>
-              <a:rPr kumimoji="0" lang="zh-TW" altLang="en-US" sz="2800" b="0" i="0" u="none" strike="noStrike" kern="1200" cap="none" spc="0" normalizeH="0" baseline="0" noProof="0" dirty="0">
-                <a:ln>
-                  <a:noFill/>
-                </a:ln>
-                <a:effectLst/>
-                <a:uLnTx/>
-                <a:uFillTx/>
-                <a:latin typeface="華康細明體" panose="02020309000000000000" pitchFamily="49" charset="-120"/>
-                <a:ea typeface="華康細明體" panose="02020309000000000000" pitchFamily="49" charset="-120"/>
-                <a:cs typeface="+mn-cs"/>
-              </a:rPr>
-              <a:t>、新增</a:t>
-            </a:r>
-            <a:r>
-              <a:rPr kumimoji="0" lang="en-US" altLang="zh-TW" sz="2800" b="0" i="0" u="none" strike="noStrike" kern="1200" cap="none" spc="0" normalizeH="0" baseline="0" noProof="0" dirty="0" err="1">
-                <a:ln>
-                  <a:noFill/>
-                </a:ln>
-                <a:effectLst/>
-                <a:uLnTx/>
-                <a:uFillTx/>
-                <a:latin typeface="華康細明體" panose="02020309000000000000" pitchFamily="49" charset="-120"/>
-                <a:ea typeface="華康細明體" panose="02020309000000000000" pitchFamily="49" charset="-120"/>
-                <a:cs typeface="+mn-cs"/>
-              </a:rPr>
-              <a:t>DataAnalysis.m</a:t>
-            </a:r>
-            <a:r>
-              <a:rPr kumimoji="0" lang="zh-TW" altLang="en-US" sz="2800" b="0" i="0" u="none" strike="noStrike" kern="1200" cap="none" spc="0" normalizeH="0" baseline="0" noProof="0" dirty="0">
-                <a:ln>
-                  <a:noFill/>
-                </a:ln>
-                <a:effectLst/>
-                <a:uLnTx/>
-                <a:uFillTx/>
-                <a:latin typeface="華康細明體" panose="02020309000000000000" pitchFamily="49" charset="-120"/>
-                <a:ea typeface="華康細明體" panose="02020309000000000000" pitchFamily="49" charset="-120"/>
-                <a:cs typeface="+mn-cs"/>
-              </a:rPr>
-              <a:t>、新增</a:t>
-            </a:r>
-            <a:r>
-              <a:rPr kumimoji="0" lang="en-US" altLang="zh-TW" sz="2800" b="0" i="0" u="none" strike="noStrike" kern="1200" cap="none" spc="0" normalizeH="0" baseline="0" noProof="0" dirty="0" err="1">
-                <a:ln>
-                  <a:noFill/>
-                </a:ln>
-                <a:effectLst/>
-                <a:uLnTx/>
-                <a:uFillTx/>
-                <a:latin typeface="華康細明體" panose="02020309000000000000" pitchFamily="49" charset="-120"/>
-                <a:ea typeface="華康細明體" panose="02020309000000000000" pitchFamily="49" charset="-120"/>
-                <a:cs typeface="+mn-cs"/>
-              </a:rPr>
-              <a:t>figplusfig.m</a:t>
-            </a:r>
-            <a:endParaRPr kumimoji="0" lang="en-US" altLang="zh-TW" sz="2800" b="0" i="0" u="none" strike="noStrike" kern="1200" cap="none" spc="0" normalizeH="0" baseline="0" noProof="0" dirty="0">
-              <a:ln>
-                <a:noFill/>
-              </a:ln>
-              <a:effectLst/>
-              <a:uLnTx/>
-              <a:uFillTx/>
-              <a:latin typeface="華康細明體" panose="02020309000000000000" pitchFamily="49" charset="-120"/>
-              <a:ea typeface="華康細明體" panose="02020309000000000000" pitchFamily="49" charset="-120"/>
-              <a:cs typeface="+mn-cs"/>
-            </a:endParaRPr>
-          </a:p>
-          <a:p>
-            <a:pPr lvl="0"/>
-            <a:r>
-              <a:rPr lang="zh-TW" altLang="en-US" dirty="0">
-                <a:latin typeface="華康細明體" panose="02020309000000000000" pitchFamily="49" charset="-120"/>
-                <a:ea typeface="華康細明體" panose="02020309000000000000" pitchFamily="49" charset="-120"/>
-              </a:rPr>
-              <a:t>陳建霖：</a:t>
-            </a:r>
-            <a:r>
-              <a:rPr kumimoji="0" lang="en-US" altLang="zh-TW" sz="2800" b="0" i="0" u="none" strike="noStrike" kern="1200" cap="none" spc="0" normalizeH="0" baseline="0" noProof="0" dirty="0">
-                <a:ln>
-                  <a:noFill/>
-                </a:ln>
-                <a:effectLst/>
-                <a:uLnTx/>
-                <a:uFillTx/>
-                <a:latin typeface="華康細明體" panose="02020309000000000000" pitchFamily="49" charset="-120"/>
-                <a:ea typeface="華康細明體" panose="02020309000000000000" pitchFamily="49" charset="-120"/>
-                <a:cs typeface="+mn-cs"/>
-              </a:rPr>
-              <a:t>SDR</a:t>
-            </a:r>
-            <a:r>
-              <a:rPr kumimoji="0" lang="zh-TW" altLang="en-US" sz="2800" b="0" i="0" u="none" strike="noStrike" kern="1200" cap="none" spc="0" normalizeH="0" baseline="0" noProof="0" dirty="0">
-                <a:ln>
-                  <a:noFill/>
-                </a:ln>
-                <a:effectLst/>
-                <a:uLnTx/>
-                <a:uFillTx/>
-                <a:latin typeface="華康細明體" panose="02020309000000000000" pitchFamily="49" charset="-120"/>
-                <a:ea typeface="華康細明體" panose="02020309000000000000" pitchFamily="49" charset="-120"/>
-                <a:cs typeface="+mn-cs"/>
-              </a:rPr>
-              <a:t>資料查詢、</a:t>
-            </a:r>
-            <a:r>
-              <a:rPr kumimoji="0" lang="en-US" altLang="zh-TW" sz="2800" b="0" i="0" u="none" strike="noStrike" kern="1200" cap="none" spc="0" normalizeH="0" baseline="0" noProof="0" dirty="0">
-                <a:ln>
-                  <a:noFill/>
-                </a:ln>
-                <a:effectLst/>
-                <a:uLnTx/>
-                <a:uFillTx/>
-                <a:latin typeface="華康細明體" panose="02020309000000000000" pitchFamily="49" charset="-120"/>
-                <a:ea typeface="華康細明體" panose="02020309000000000000" pitchFamily="49" charset="-120"/>
-                <a:cs typeface="+mn-cs"/>
-              </a:rPr>
-              <a:t>OFDM</a:t>
-            </a:r>
-            <a:r>
-              <a:rPr kumimoji="0" lang="zh-TW" altLang="en-US" sz="2800" b="0" i="0" u="none" strike="noStrike" kern="1200" cap="none" spc="0" normalizeH="0" baseline="0" noProof="0" dirty="0">
-                <a:ln>
-                  <a:noFill/>
-                </a:ln>
-                <a:effectLst/>
-                <a:uLnTx/>
-                <a:uFillTx/>
-                <a:latin typeface="華康細明體" panose="02020309000000000000" pitchFamily="49" charset="-120"/>
-                <a:ea typeface="華康細明體" panose="02020309000000000000" pitchFamily="49" charset="-120"/>
-                <a:cs typeface="+mn-cs"/>
-              </a:rPr>
-              <a:t>資料查詢</a:t>
-            </a:r>
-            <a:endParaRPr kumimoji="0" lang="en-US" altLang="zh-TW" sz="2800" b="0" i="0" u="none" strike="noStrike" kern="1200" cap="none" spc="0" normalizeH="0" baseline="0" noProof="0" dirty="0">
-              <a:ln>
-                <a:noFill/>
-              </a:ln>
-              <a:effectLst/>
-              <a:uLnTx/>
-              <a:uFillTx/>
-              <a:latin typeface="華康細明體" panose="02020309000000000000" pitchFamily="49" charset="-120"/>
-              <a:ea typeface="華康細明體" panose="02020309000000000000" pitchFamily="49" charset="-120"/>
-              <a:cs typeface="+mn-cs"/>
-            </a:endParaRPr>
-          </a:p>
-          <a:p>
-            <a:pPr lvl="0"/>
-            <a:r>
-              <a:rPr lang="zh-TW" altLang="en-US" dirty="0">
-                <a:latin typeface="華康細明體" panose="02020309000000000000" pitchFamily="49" charset="-120"/>
-                <a:ea typeface="華康細明體" panose="02020309000000000000" pitchFamily="49" charset="-120"/>
-              </a:rPr>
-              <a:t>姚辰彥：</a:t>
-            </a:r>
-            <a:endParaRPr lang="en-US" altLang="zh-TW" dirty="0">
-              <a:latin typeface="華康細明體" panose="02020309000000000000" pitchFamily="49" charset="-120"/>
-              <a:ea typeface="華康細明體" panose="02020309000000000000" pitchFamily="49" charset="-120"/>
-            </a:endParaRPr>
-          </a:p>
-          <a:p>
-            <a:r>
-              <a:rPr lang="zh-TW" altLang="en-US" dirty="0">
-                <a:latin typeface="華康細明體" panose="02020309000000000000" pitchFamily="49" charset="-120"/>
-                <a:ea typeface="華康細明體" panose="02020309000000000000" pitchFamily="49" charset="-120"/>
-              </a:rPr>
-              <a:t>卓家葳：</a:t>
-            </a:r>
-            <a:endParaRPr lang="en-US" altLang="zh-TW" sz="4000" dirty="0">
-              <a:latin typeface="華康細明體" panose="02020309000000000000" pitchFamily="49" charset="-120"/>
-              <a:ea typeface="華康細明體" panose="02020309000000000000" pitchFamily="49" charset="-120"/>
-            </a:endParaRPr>
-          </a:p>
-          <a:p>
-            <a:pPr lvl="0"/>
-            <a:endParaRPr kumimoji="0" lang="en-US" altLang="zh-TW" sz="2800" b="0" i="0" u="none" strike="noStrike" kern="1200" cap="none" spc="0" normalizeH="0" baseline="0" noProof="0" dirty="0">
-              <a:ln>
-                <a:noFill/>
-              </a:ln>
-              <a:effectLst/>
-              <a:uLnTx/>
-              <a:uFillTx/>
-              <a:latin typeface="華康細明體" panose="02020309000000000000" pitchFamily="49" charset="-120"/>
-              <a:ea typeface="華康細明體" panose="02020309000000000000" pitchFamily="49" charset="-120"/>
-              <a:cs typeface="+mn-cs"/>
-            </a:endParaRPr>
-          </a:p>
-          <a:p>
-            <a:pPr marL="0" marR="0" lvl="0" indent="0" algn="l" defTabSz="914400" rtl="0" eaLnBrk="1" fontAlgn="auto" latinLnBrk="0" hangingPunct="1">
-              <a:lnSpc>
-                <a:spcPct val="90000"/>
-              </a:lnSpc>
-              <a:spcBef>
-                <a:spcPts val="1000"/>
-              </a:spcBef>
-              <a:spcAft>
-                <a:spcPts val="0"/>
-              </a:spcAft>
-              <a:buClrTx/>
-              <a:buSzTx/>
-              <a:buFont typeface="Arial" panose="020B0604020202020204" pitchFamily="34" charset="0"/>
-              <a:buNone/>
-              <a:tabLst/>
-              <a:defRPr/>
-            </a:pPr>
-            <a:endParaRPr kumimoji="0" lang="en-US" altLang="zh-TW" sz="2800" b="0" i="0" u="none" strike="noStrike" kern="1200" cap="none" spc="0" normalizeH="0" baseline="0" noProof="0" dirty="0">
-              <a:ln>
-                <a:noFill/>
-              </a:ln>
-              <a:solidFill>
-                <a:sysClr val="window" lastClr="FFFFFF"/>
-              </a:solidFill>
-              <a:effectLst/>
-              <a:uLnTx/>
-              <a:uFillTx/>
-              <a:latin typeface="華康細明體" panose="02020309000000000000" pitchFamily="49" charset="-120"/>
-              <a:ea typeface="華康細明體" panose="02020309000000000000" pitchFamily="49" charset="-120"/>
-              <a:cs typeface="+mn-cs"/>
-            </a:endParaRPr>
-          </a:p>
-          <a:p>
-            <a:pPr marL="228600" marR="0" lvl="0" indent="-228600" algn="l" defTabSz="914400" rtl="0" eaLnBrk="1" fontAlgn="auto" latinLnBrk="0" hangingPunct="1">
-              <a:lnSpc>
-                <a:spcPct val="90000"/>
-              </a:lnSpc>
-              <a:spcBef>
-                <a:spcPts val="1000"/>
-              </a:spcBef>
-              <a:spcAft>
-                <a:spcPts val="0"/>
-              </a:spcAft>
-              <a:buClrTx/>
-              <a:buSzTx/>
-              <a:buFont typeface="Arial" panose="020B0604020202020204" pitchFamily="34" charset="0"/>
-              <a:buChar char="•"/>
-              <a:tabLst/>
-              <a:defRPr/>
-            </a:pPr>
-            <a:endParaRPr kumimoji="0" lang="zh-TW" altLang="en-US" sz="2800" b="0" i="0" u="none" strike="noStrike" kern="1200" cap="none" spc="0" normalizeH="0" baseline="0" noProof="0" dirty="0">
-              <a:ln>
-                <a:noFill/>
-              </a:ln>
-              <a:solidFill>
-                <a:sysClr val="window" lastClr="FFFFFF"/>
-              </a:solidFill>
-              <a:effectLst/>
-              <a:uLnTx/>
-              <a:uFillTx/>
-              <a:latin typeface="華康細明體" panose="02020309000000000000" pitchFamily="49" charset="-120"/>
-              <a:ea typeface="華康細明體" panose="02020309000000000000" pitchFamily="49" charset="-120"/>
-              <a:cs typeface="+mn-cs"/>
-            </a:endParaRPr>
-          </a:p>
-        </p:txBody>
-      </p:sp>
-    </p:spTree>
-    <p:extLst>
-      <p:ext uri="{BB962C8B-B14F-4D97-AF65-F5344CB8AC3E}">
-        <p14:creationId xmlns:p14="http://schemas.microsoft.com/office/powerpoint/2010/main" val="4075123792"/>
-      </p:ext>
-    </p:extLst>
-  </p:cSld>
-  <p:clrMapOvr>
-    <a:masterClrMapping/>
-  </p:clrMapOvr>
-</p:sld>
-</file>
-
-<file path=ppt/slides/slide9.xml><?xml version="1.0" encoding="utf-8"?>
-<p:sld xmlns:a="http://schemas.openxmlformats.org/drawingml/2006/main" xmlns:r="http://schemas.openxmlformats.org/officeDocument/2006/relationships" xmlns:p="http://schemas.openxmlformats.org/presentationml/2006/main">
-  <p:cSld>
-    <p:spTree>
-      <p:nvGrpSpPr>
-        <p:cNvPr id="1" name=""/>
-        <p:cNvGrpSpPr/>
-        <p:nvPr/>
-      </p:nvGrpSpPr>
-      <p:grpSpPr>
-        <a:xfrm>
-          <a:off x="0" y="0"/>
-          <a:ext cx="0" cy="0"/>
-          <a:chOff x="0" y="0"/>
-          <a:chExt cx="0" cy="0"/>
-        </a:xfrm>
-      </p:grpSpPr>
-      <p:sp>
-        <p:nvSpPr>
-          <p:cNvPr id="2" name="標題 1">
-            <a:extLst>
-              <a:ext uri="{FF2B5EF4-FFF2-40B4-BE49-F238E27FC236}">
-                <a16:creationId xmlns:a16="http://schemas.microsoft.com/office/drawing/2014/main" id="{7519CD9A-B76F-4074-94C2-35AF2002A6BC}"/>
-              </a:ext>
-            </a:extLst>
-          </p:cNvPr>
-          <p:cNvSpPr>
-            <a:spLocks noGrp="1"/>
-          </p:cNvSpPr>
-          <p:nvPr>
-            <p:ph type="title"/>
-          </p:nvPr>
-        </p:nvSpPr>
-        <p:spPr/>
-        <p:txBody>
-          <a:bodyPr/>
-          <a:lstStyle/>
-          <a:p>
-            <a:pPr algn="ctr"/>
-            <a:r>
-              <a:rPr lang="zh-TW" altLang="en-US" dirty="0"/>
-              <a:t>參考文獻</a:t>
-            </a:r>
-          </a:p>
-        </p:txBody>
-      </p:sp>
-      <p:sp>
-        <p:nvSpPr>
-          <p:cNvPr id="3" name="內容版面配置區 2">
-            <a:extLst>
-              <a:ext uri="{FF2B5EF4-FFF2-40B4-BE49-F238E27FC236}">
-                <a16:creationId xmlns:a16="http://schemas.microsoft.com/office/drawing/2014/main" id="{8799FAF0-3302-4057-A5AC-168277815AB8}"/>
-              </a:ext>
-            </a:extLst>
-          </p:cNvPr>
-          <p:cNvSpPr>
-            <a:spLocks noGrp="1"/>
-          </p:cNvSpPr>
-          <p:nvPr>
-            <p:ph idx="1"/>
-          </p:nvPr>
-        </p:nvSpPr>
-        <p:spPr/>
-        <p:txBody>
-          <a:bodyPr/>
-          <a:lstStyle/>
-          <a:p>
-            <a:endParaRPr lang="zh-TW" altLang="en-US"/>
-          </a:p>
-        </p:txBody>
-      </p:sp>
-    </p:spTree>
-    <p:extLst>
-      <p:ext uri="{BB962C8B-B14F-4D97-AF65-F5344CB8AC3E}">
-        <p14:creationId xmlns:p14="http://schemas.microsoft.com/office/powerpoint/2010/main" val="4107749069"/>
       </p:ext>
     </p:extLst>
   </p:cSld>

--- a/report/專題.pptx
+++ b/report/專題.pptx
@@ -8,6 +8,7 @@
     <p:sldId id="256" r:id="rId2"/>
     <p:sldId id="275" r:id="rId3"/>
     <p:sldId id="273" r:id="rId4"/>
+    <p:sldId id="276" r:id="rId5"/>
   </p:sldIdLst>
   <p:sldSz cx="12192000" cy="6858000"/>
   <p:notesSz cx="6858000" cy="9144000"/>
@@ -302,7 +303,7 @@
           <a:p>
             <a:fld id="{0BAA30CF-0C44-4B71-848F-A2D8ACDC8915}" type="datetimeFigureOut">
               <a:rPr lang="zh-TW" altLang="en-US" smtClean="0"/>
-              <a:t>2024/4/14</a:t>
+              <a:t>2024/4/16</a:t>
             </a:fld>
             <a:endParaRPr lang="zh-TW" altLang="en-US"/>
           </a:p>
@@ -640,7 +641,7 @@
           <a:p>
             <a:fld id="{0BAA30CF-0C44-4B71-848F-A2D8ACDC8915}" type="datetimeFigureOut">
               <a:rPr lang="zh-TW" altLang="en-US" smtClean="0"/>
-              <a:t>2024/4/14</a:t>
+              <a:t>2024/4/16</a:t>
             </a:fld>
             <a:endParaRPr lang="zh-TW" altLang="en-US"/>
           </a:p>
@@ -1041,7 +1042,7 @@
           <a:p>
             <a:fld id="{0BAA30CF-0C44-4B71-848F-A2D8ACDC8915}" type="datetimeFigureOut">
               <a:rPr lang="zh-TW" altLang="en-US" smtClean="0"/>
-              <a:t>2024/4/14</a:t>
+              <a:t>2024/4/16</a:t>
             </a:fld>
             <a:endParaRPr lang="zh-TW" altLang="en-US"/>
           </a:p>
@@ -1377,7 +1378,7 @@
           <a:p>
             <a:fld id="{0BAA30CF-0C44-4B71-848F-A2D8ACDC8915}" type="datetimeFigureOut">
               <a:rPr lang="zh-TW" altLang="en-US" smtClean="0"/>
-              <a:t>2024/4/14</a:t>
+              <a:t>2024/4/16</a:t>
             </a:fld>
             <a:endParaRPr lang="zh-TW" altLang="en-US"/>
           </a:p>
@@ -1697,7 +1698,7 @@
           <a:p>
             <a:fld id="{0BAA30CF-0C44-4B71-848F-A2D8ACDC8915}" type="datetimeFigureOut">
               <a:rPr lang="zh-TW" altLang="en-US" smtClean="0"/>
-              <a:t>2024/4/14</a:t>
+              <a:t>2024/4/16</a:t>
             </a:fld>
             <a:endParaRPr lang="zh-TW" altLang="en-US"/>
           </a:p>
@@ -2093,7 +2094,7 @@
           <a:p>
             <a:fld id="{0BAA30CF-0C44-4B71-848F-A2D8ACDC8915}" type="datetimeFigureOut">
               <a:rPr lang="zh-TW" altLang="en-US" smtClean="0"/>
-              <a:t>2024/4/14</a:t>
+              <a:t>2024/4/16</a:t>
             </a:fld>
             <a:endParaRPr lang="zh-TW" altLang="en-US"/>
           </a:p>
@@ -2350,7 +2351,7 @@
           <a:p>
             <a:fld id="{0BAA30CF-0C44-4B71-848F-A2D8ACDC8915}" type="datetimeFigureOut">
               <a:rPr lang="zh-TW" altLang="en-US" smtClean="0"/>
-              <a:t>2024/4/14</a:t>
+              <a:t>2024/4/16</a:t>
             </a:fld>
             <a:endParaRPr lang="zh-TW" altLang="en-US"/>
           </a:p>
@@ -2612,7 +2613,7 @@
           <a:p>
             <a:fld id="{0BAA30CF-0C44-4B71-848F-A2D8ACDC8915}" type="datetimeFigureOut">
               <a:rPr lang="zh-TW" altLang="en-US" smtClean="0"/>
-              <a:t>2024/4/14</a:t>
+              <a:t>2024/4/16</a:t>
             </a:fld>
             <a:endParaRPr lang="zh-TW" altLang="en-US"/>
           </a:p>
@@ -2874,7 +2875,7 @@
           <a:p>
             <a:fld id="{0BAA30CF-0C44-4B71-848F-A2D8ACDC8915}" type="datetimeFigureOut">
               <a:rPr lang="zh-TW" altLang="en-US" smtClean="0"/>
-              <a:t>2024/4/14</a:t>
+              <a:t>2024/4/16</a:t>
             </a:fld>
             <a:endParaRPr lang="zh-TW" altLang="en-US"/>
           </a:p>
@@ -3203,7 +3204,7 @@
           <a:p>
             <a:fld id="{0BAA30CF-0C44-4B71-848F-A2D8ACDC8915}" type="datetimeFigureOut">
               <a:rPr lang="zh-TW" altLang="en-US" smtClean="0"/>
-              <a:t>2024/4/14</a:t>
+              <a:t>2024/4/16</a:t>
             </a:fld>
             <a:endParaRPr lang="zh-TW" altLang="en-US"/>
           </a:p>
@@ -3526,7 +3527,7 @@
           <a:p>
             <a:fld id="{0BAA30CF-0C44-4B71-848F-A2D8ACDC8915}" type="datetimeFigureOut">
               <a:rPr lang="zh-TW" altLang="en-US" smtClean="0"/>
-              <a:t>2024/4/14</a:t>
+              <a:t>2024/4/16</a:t>
             </a:fld>
             <a:endParaRPr lang="zh-TW" altLang="en-US"/>
           </a:p>
@@ -3983,7 +3984,7 @@
           <a:p>
             <a:fld id="{0BAA30CF-0C44-4B71-848F-A2D8ACDC8915}" type="datetimeFigureOut">
               <a:rPr lang="zh-TW" altLang="en-US" smtClean="0"/>
-              <a:t>2024/4/14</a:t>
+              <a:t>2024/4/16</a:t>
             </a:fld>
             <a:endParaRPr lang="zh-TW" altLang="en-US"/>
           </a:p>
@@ -4188,7 +4189,7 @@
           <a:p>
             <a:fld id="{0BAA30CF-0C44-4B71-848F-A2D8ACDC8915}" type="datetimeFigureOut">
               <a:rPr lang="zh-TW" altLang="en-US" smtClean="0"/>
-              <a:t>2024/4/14</a:t>
+              <a:t>2024/4/16</a:t>
             </a:fld>
             <a:endParaRPr lang="zh-TW" altLang="en-US"/>
           </a:p>
@@ -4365,7 +4366,7 @@
           <a:p>
             <a:fld id="{0BAA30CF-0C44-4B71-848F-A2D8ACDC8915}" type="datetimeFigureOut">
               <a:rPr lang="zh-TW" altLang="en-US" smtClean="0"/>
-              <a:t>2024/4/14</a:t>
+              <a:t>2024/4/16</a:t>
             </a:fld>
             <a:endParaRPr lang="zh-TW" altLang="en-US"/>
           </a:p>
@@ -4698,7 +4699,7 @@
           <a:p>
             <a:fld id="{0BAA30CF-0C44-4B71-848F-A2D8ACDC8915}" type="datetimeFigureOut">
               <a:rPr lang="zh-TW" altLang="en-US" smtClean="0"/>
-              <a:t>2024/4/14</a:t>
+              <a:t>2024/4/16</a:t>
             </a:fld>
             <a:endParaRPr lang="zh-TW" altLang="en-US"/>
           </a:p>
@@ -5043,7 +5044,7 @@
           <a:p>
             <a:fld id="{0BAA30CF-0C44-4B71-848F-A2D8ACDC8915}" type="datetimeFigureOut">
               <a:rPr lang="zh-TW" altLang="en-US" smtClean="0"/>
-              <a:t>2024/4/14</a:t>
+              <a:t>2024/4/16</a:t>
             </a:fld>
             <a:endParaRPr lang="zh-TW" altLang="en-US"/>
           </a:p>
@@ -7160,7 +7161,7 @@
           <a:p>
             <a:fld id="{0BAA30CF-0C44-4B71-848F-A2D8ACDC8915}" type="datetimeFigureOut">
               <a:rPr lang="zh-TW" altLang="en-US" smtClean="0"/>
-              <a:t>2024/4/14</a:t>
+              <a:t>2024/4/16</a:t>
             </a:fld>
             <a:endParaRPr lang="zh-TW" altLang="en-US"/>
           </a:p>
@@ -7986,6 +7987,110 @@
 </p:sld>
 </file>
 
+<file path=ppt/slides/slide4.xml><?xml version="1.0" encoding="utf-8"?>
+<p:sld xmlns:a="http://schemas.openxmlformats.org/drawingml/2006/main" xmlns:r="http://schemas.openxmlformats.org/officeDocument/2006/relationships" xmlns:p="http://schemas.openxmlformats.org/presentationml/2006/main">
+  <p:cSld>
+    <p:spTree>
+      <p:nvGrpSpPr>
+        <p:cNvPr id="1" name=""/>
+        <p:cNvGrpSpPr/>
+        <p:nvPr/>
+      </p:nvGrpSpPr>
+      <p:grpSpPr>
+        <a:xfrm>
+          <a:off x="0" y="0"/>
+          <a:ext cx="0" cy="0"/>
+          <a:chOff x="0" y="0"/>
+          <a:chExt cx="0" cy="0"/>
+        </a:xfrm>
+      </p:grpSpPr>
+      <p:sp>
+        <p:nvSpPr>
+          <p:cNvPr id="2" name="標題 1"/>
+          <p:cNvSpPr>
+            <a:spLocks noGrp="1"/>
+          </p:cNvSpPr>
+          <p:nvPr>
+            <p:ph type="title"/>
+          </p:nvPr>
+        </p:nvSpPr>
+        <p:spPr/>
+        <p:txBody>
+          <a:bodyPr/>
+          <a:lstStyle/>
+          <a:p>
+            <a:endParaRPr lang="zh-TW" altLang="en-US"/>
+          </a:p>
+        </p:txBody>
+      </p:sp>
+      <p:sp>
+        <p:nvSpPr>
+          <p:cNvPr id="3" name="內容版面配置區 2"/>
+          <p:cNvSpPr>
+            <a:spLocks noGrp="1"/>
+          </p:cNvSpPr>
+          <p:nvPr>
+            <p:ph idx="1"/>
+          </p:nvPr>
+        </p:nvSpPr>
+        <p:spPr/>
+        <p:txBody>
+          <a:bodyPr/>
+          <a:lstStyle/>
+          <a:p>
+            <a:endParaRPr lang="zh-TW" altLang="en-US"/>
+          </a:p>
+        </p:txBody>
+      </p:sp>
+      <p:sp>
+        <p:nvSpPr>
+          <p:cNvPr id="4" name="文字方塊 3">
+            <a:extLst>
+              <a:ext uri="{FF2B5EF4-FFF2-40B4-BE49-F238E27FC236}">
+                <a16:creationId xmlns:a16="http://schemas.microsoft.com/office/drawing/2014/main" id="{7B360480-C0C0-7BAD-2E53-3DE153A172A5}"/>
+              </a:ext>
+            </a:extLst>
+          </p:cNvPr>
+          <p:cNvSpPr txBox="1"/>
+          <p:nvPr/>
+        </p:nvSpPr>
+        <p:spPr>
+          <a:xfrm>
+            <a:off x="5745708" y="1877009"/>
+            <a:ext cx="1167305" cy="3939540"/>
+          </a:xfrm>
+          <a:prstGeom prst="rect">
+            <a:avLst/>
+          </a:prstGeom>
+          <a:noFill/>
+        </p:spPr>
+        <p:txBody>
+          <a:bodyPr wrap="square" rtlCol="0">
+            <a:spAutoFit/>
+          </a:bodyPr>
+          <a:lstStyle/>
+          <a:p>
+            <a:r>
+              <a:rPr lang="en-US" altLang="zh-TW" sz="25000" dirty="0"/>
+              <a:t>}</a:t>
+            </a:r>
+            <a:endParaRPr lang="zh-TW" altLang="en-US" sz="25000" dirty="0"/>
+          </a:p>
+        </p:txBody>
+      </p:sp>
+    </p:spTree>
+    <p:extLst>
+      <p:ext uri="{BB962C8B-B14F-4D97-AF65-F5344CB8AC3E}">
+        <p14:creationId xmlns:p14="http://schemas.microsoft.com/office/powerpoint/2010/main" val="44711277"/>
+      </p:ext>
+    </p:extLst>
+  </p:cSld>
+  <p:clrMapOvr>
+    <a:masterClrMapping/>
+  </p:clrMapOvr>
+</p:sld>
+</file>
+
 <file path=ppt/theme/theme1.xml><?xml version="1.0" encoding="utf-8"?>
 <a:theme xmlns:a="http://schemas.openxmlformats.org/drawingml/2006/main" name="絲縷">
   <a:themeElements>
